--- a/docs/pj-task2/POV- Psychometric Test for Pakistan.pptx
+++ b/docs/pj-task2/POV- Psychometric Test for Pakistan.pptx
@@ -31,33 +31,38 @@
     <p:sldId id="275" r:id="rId25"/>
     <p:sldId id="276" r:id="rId26"/>
     <p:sldId id="277" r:id="rId27"/>
+    <p:sldId id="278" r:id="rId28"/>
+    <p:sldId id="279" r:id="rId29"/>
+    <p:sldId id="280" r:id="rId30"/>
+    <p:sldId id="281" r:id="rId31"/>
+    <p:sldId id="282" r:id="rId32"/>
   </p:sldIdLst>
   <p:sldSz cy="5143500" cx="9144000"/>
   <p:notesSz cx="6858000" cy="9144000"/>
   <p:embeddedFontLst>
     <p:embeddedFont>
       <p:font typeface="Economica"/>
-      <p:regular r:id="rId28"/>
-      <p:bold r:id="rId29"/>
-      <p:italic r:id="rId30"/>
-      <p:boldItalic r:id="rId31"/>
+      <p:regular r:id="rId33"/>
+      <p:bold r:id="rId34"/>
+      <p:italic r:id="rId35"/>
+      <p:boldItalic r:id="rId36"/>
     </p:embeddedFont>
     <p:embeddedFont>
       <p:font typeface="Amatic SC"/>
-      <p:regular r:id="rId32"/>
-      <p:bold r:id="rId33"/>
+      <p:regular r:id="rId37"/>
+      <p:bold r:id="rId38"/>
     </p:embeddedFont>
     <p:embeddedFont>
       <p:font typeface="Source Code Pro"/>
-      <p:regular r:id="rId34"/>
-      <p:bold r:id="rId35"/>
+      <p:regular r:id="rId39"/>
+      <p:bold r:id="rId40"/>
     </p:embeddedFont>
     <p:embeddedFont>
       <p:font typeface="Open Sans"/>
-      <p:regular r:id="rId36"/>
-      <p:bold r:id="rId37"/>
-      <p:italic r:id="rId38"/>
-      <p:boldItalic r:id="rId39"/>
+      <p:regular r:id="rId41"/>
+      <p:bold r:id="rId42"/>
+      <p:italic r:id="rId43"/>
+      <p:boldItalic r:id="rId44"/>
     </p:embeddedFont>
   </p:embeddedFontLst>
   <p:defaultTextStyle>
@@ -609,7 +614,7 @@
   <p:cSld>
     <p:spTree>
       <p:nvGrpSpPr>
-        <p:cNvPr id="214" name="Shape 214"/>
+        <p:cNvPr id="221" name="Shape 221"/>
         <p:cNvGrpSpPr/>
         <p:nvPr/>
       </p:nvGrpSpPr>
@@ -623,7 +628,7 @@
       </p:grpSpPr>
       <p:sp>
         <p:nvSpPr>
-          <p:cNvPr id="215" name="Shape 215"/>
+          <p:cNvPr id="222" name="Shape 222"/>
           <p:cNvSpPr/>
           <p:nvPr>
             <p:ph idx="2" type="sldImg"/>
@@ -657,7 +662,7 @@
       </p:sp>
       <p:sp>
         <p:nvSpPr>
-          <p:cNvPr id="216" name="Shape 216"/>
+          <p:cNvPr id="223" name="Shape 223"/>
           <p:cNvSpPr txBox="1"/>
           <p:nvPr>
             <p:ph idx="1" type="body"/>
@@ -678,7 +683,7 @@
           </a:bodyPr>
           <a:lstStyle/>
           <a:p>
-            <a:pPr lvl="0" rtl="0">
+            <a:pPr lvl="0">
               <a:spcBef>
                 <a:spcPts val="0"/>
               </a:spcBef>
@@ -704,7 +709,7 @@
   <p:cSld>
     <p:spTree>
       <p:nvGrpSpPr>
-        <p:cNvPr id="228" name="Shape 228"/>
+        <p:cNvPr id="226" name="Shape 226"/>
         <p:cNvGrpSpPr/>
         <p:nvPr/>
       </p:nvGrpSpPr>
@@ -718,7 +723,7 @@
       </p:grpSpPr>
       <p:sp>
         <p:nvSpPr>
-          <p:cNvPr id="229" name="Shape 229"/>
+          <p:cNvPr id="227" name="Shape 227"/>
           <p:cNvSpPr/>
           <p:nvPr>
             <p:ph idx="2" type="sldImg"/>
@@ -752,7 +757,7 @@
       </p:sp>
       <p:sp>
         <p:nvSpPr>
-          <p:cNvPr id="230" name="Shape 230"/>
+          <p:cNvPr id="228" name="Shape 228"/>
           <p:cNvSpPr txBox="1"/>
           <p:nvPr>
             <p:ph idx="1" type="body"/>
@@ -799,7 +804,7 @@
   <p:cSld>
     <p:spTree>
       <p:nvGrpSpPr>
-        <p:cNvPr id="233" name="Shape 233"/>
+        <p:cNvPr id="232" name="Shape 232"/>
         <p:cNvGrpSpPr/>
         <p:nvPr/>
       </p:nvGrpSpPr>
@@ -813,7 +818,7 @@
       </p:grpSpPr>
       <p:sp>
         <p:nvSpPr>
-          <p:cNvPr id="234" name="Shape 234"/>
+          <p:cNvPr id="233" name="Shape 233"/>
           <p:cNvSpPr/>
           <p:nvPr>
             <p:ph idx="2" type="sldImg"/>
@@ -847,7 +852,7 @@
       </p:sp>
       <p:sp>
         <p:nvSpPr>
-          <p:cNvPr id="235" name="Shape 235"/>
+          <p:cNvPr id="234" name="Shape 234"/>
           <p:cNvSpPr txBox="1"/>
           <p:nvPr>
             <p:ph idx="1" type="body"/>
@@ -868,7 +873,7 @@
           </a:bodyPr>
           <a:lstStyle/>
           <a:p>
-            <a:pPr lvl="0">
+            <a:pPr lvl="0" rtl="0">
               <a:spcBef>
                 <a:spcPts val="0"/>
               </a:spcBef>
@@ -894,7 +899,7 @@
   <p:cSld>
     <p:spTree>
       <p:nvGrpSpPr>
-        <p:cNvPr id="239" name="Shape 239"/>
+        <p:cNvPr id="238" name="Shape 238"/>
         <p:cNvGrpSpPr/>
         <p:nvPr/>
       </p:nvGrpSpPr>
@@ -908,7 +913,7 @@
       </p:grpSpPr>
       <p:sp>
         <p:nvSpPr>
-          <p:cNvPr id="240" name="Shape 240"/>
+          <p:cNvPr id="239" name="Shape 239"/>
           <p:cNvSpPr/>
           <p:nvPr>
             <p:ph idx="2" type="sldImg"/>
@@ -942,7 +947,7 @@
       </p:sp>
       <p:sp>
         <p:nvSpPr>
-          <p:cNvPr id="241" name="Shape 241"/>
+          <p:cNvPr id="240" name="Shape 240"/>
           <p:cNvSpPr txBox="1"/>
           <p:nvPr>
             <p:ph idx="1" type="body"/>
@@ -970,9 +975,17 @@
               <a:buNone/>
             </a:pPr>
             <a:r>
-              <a:t/>
-            </a:r>
-            <a:endParaRPr/>
+              <a:rPr lang="en"/>
+              <a:t>We were amazed </a:t>
+            </a:r>
+            <a:r>
+              <a:rPr lang="en"/>
+              <a:t>perspective</a:t>
+            </a:r>
+            <a:r>
+              <a:rPr lang="en"/>
+              <a:t> matters</a:t>
+            </a:r>
           </a:p>
         </p:txBody>
       </p:sp>
@@ -989,7 +1002,7 @@
   <p:cSld>
     <p:spTree>
       <p:nvGrpSpPr>
-        <p:cNvPr id="245" name="Shape 245"/>
+        <p:cNvPr id="244" name="Shape 244"/>
         <p:cNvGrpSpPr/>
         <p:nvPr/>
       </p:nvGrpSpPr>
@@ -1003,7 +1016,7 @@
       </p:grpSpPr>
       <p:sp>
         <p:nvSpPr>
-          <p:cNvPr id="246" name="Shape 246"/>
+          <p:cNvPr id="245" name="Shape 245"/>
           <p:cNvSpPr/>
           <p:nvPr>
             <p:ph idx="2" type="sldImg"/>
@@ -1037,7 +1050,7 @@
       </p:sp>
       <p:sp>
         <p:nvSpPr>
-          <p:cNvPr id="247" name="Shape 247"/>
+          <p:cNvPr id="246" name="Shape 246"/>
           <p:cNvSpPr txBox="1"/>
           <p:nvPr>
             <p:ph idx="1" type="body"/>
@@ -1058,7 +1071,7 @@
           </a:bodyPr>
           <a:lstStyle/>
           <a:p>
-            <a:pPr lvl="0" rtl="0">
+            <a:pPr lvl="0">
               <a:spcBef>
                 <a:spcPts val="0"/>
               </a:spcBef>
@@ -1066,15 +1079,7 @@
             </a:pPr>
             <a:r>
               <a:rPr lang="en"/>
-              <a:t>We were amazed </a:t>
-            </a:r>
-            <a:r>
-              <a:rPr lang="en"/>
-              <a:t>perspective</a:t>
-            </a:r>
-            <a:r>
-              <a:rPr lang="en"/>
-              <a:t> matters</a:t>
+              <a:t>An online platform perhaps</a:t>
             </a:r>
           </a:p>
         </p:txBody>
@@ -1092,7 +1097,7 @@
   <p:cSld>
     <p:spTree>
       <p:nvGrpSpPr>
-        <p:cNvPr id="251" name="Shape 251"/>
+        <p:cNvPr id="252" name="Shape 252"/>
         <p:cNvGrpSpPr/>
         <p:nvPr/>
       </p:nvGrpSpPr>
@@ -1106,7 +1111,7 @@
       </p:grpSpPr>
       <p:sp>
         <p:nvSpPr>
-          <p:cNvPr id="252" name="Shape 252"/>
+          <p:cNvPr id="253" name="Shape 253"/>
           <p:cNvSpPr/>
           <p:nvPr>
             <p:ph idx="2" type="sldImg"/>
@@ -1140,7 +1145,7 @@
       </p:sp>
       <p:sp>
         <p:nvSpPr>
-          <p:cNvPr id="253" name="Shape 253"/>
+          <p:cNvPr id="254" name="Shape 254"/>
           <p:cNvSpPr txBox="1"/>
           <p:nvPr>
             <p:ph idx="1" type="body"/>
@@ -1161,16 +1166,16 @@
           </a:bodyPr>
           <a:lstStyle/>
           <a:p>
-            <a:pPr lvl="0">
-              <a:spcBef>
-                <a:spcPts val="0"/>
-              </a:spcBef>
-              <a:buNone/>
-            </a:pPr>
-            <a:r>
-              <a:rPr lang="en"/>
-              <a:t>An online platform perhaps</a:t>
-            </a:r>
+            <a:pPr lvl="0" rtl="0">
+              <a:spcBef>
+                <a:spcPts val="0"/>
+              </a:spcBef>
+              <a:buNone/>
+            </a:pPr>
+            <a:r>
+              <a:t/>
+            </a:r>
+            <a:endParaRPr/>
           </a:p>
         </p:txBody>
       </p:sp>
@@ -1187,7 +1192,7 @@
   <p:cSld>
     <p:spTree>
       <p:nvGrpSpPr>
-        <p:cNvPr id="259" name="Shape 259"/>
+        <p:cNvPr id="260" name="Shape 260"/>
         <p:cNvGrpSpPr/>
         <p:nvPr/>
       </p:nvGrpSpPr>
@@ -1201,7 +1206,7 @@
       </p:grpSpPr>
       <p:sp>
         <p:nvSpPr>
-          <p:cNvPr id="260" name="Shape 260"/>
+          <p:cNvPr id="261" name="Shape 261"/>
           <p:cNvSpPr/>
           <p:nvPr>
             <p:ph idx="2" type="sldImg"/>
@@ -1235,7 +1240,7 @@
       </p:sp>
       <p:sp>
         <p:nvSpPr>
-          <p:cNvPr id="261" name="Shape 261"/>
+          <p:cNvPr id="262" name="Shape 262"/>
           <p:cNvSpPr txBox="1"/>
           <p:nvPr>
             <p:ph idx="1" type="body"/>
@@ -1282,7 +1287,7 @@
   <p:cSld>
     <p:spTree>
       <p:nvGrpSpPr>
-        <p:cNvPr id="267" name="Shape 267"/>
+        <p:cNvPr id="268" name="Shape 268"/>
         <p:cNvGrpSpPr/>
         <p:nvPr/>
       </p:nvGrpSpPr>
@@ -1296,7 +1301,7 @@
       </p:grpSpPr>
       <p:sp>
         <p:nvSpPr>
-          <p:cNvPr id="268" name="Shape 268"/>
+          <p:cNvPr id="269" name="Shape 269"/>
           <p:cNvSpPr/>
           <p:nvPr>
             <p:ph idx="2" type="sldImg"/>
@@ -1330,7 +1335,7 @@
       </p:sp>
       <p:sp>
         <p:nvSpPr>
-          <p:cNvPr id="269" name="Shape 269"/>
+          <p:cNvPr id="270" name="Shape 270"/>
           <p:cNvSpPr txBox="1"/>
           <p:nvPr>
             <p:ph idx="1" type="body"/>
@@ -1351,7 +1356,7 @@
           </a:bodyPr>
           <a:lstStyle/>
           <a:p>
-            <a:pPr lvl="0" rtl="0">
+            <a:pPr lvl="0">
               <a:spcBef>
                 <a:spcPts val="0"/>
               </a:spcBef>
@@ -1377,7 +1382,7 @@
   <p:cSld>
     <p:spTree>
       <p:nvGrpSpPr>
-        <p:cNvPr id="275" name="Shape 275"/>
+        <p:cNvPr id="274" name="Shape 274"/>
         <p:cNvGrpSpPr/>
         <p:nvPr/>
       </p:nvGrpSpPr>
@@ -1391,7 +1396,7 @@
       </p:grpSpPr>
       <p:sp>
         <p:nvSpPr>
-          <p:cNvPr id="276" name="Shape 276"/>
+          <p:cNvPr id="275" name="Shape 275"/>
           <p:cNvSpPr/>
           <p:nvPr>
             <p:ph idx="2" type="sldImg"/>
@@ -1425,7 +1430,7 @@
       </p:sp>
       <p:sp>
         <p:nvSpPr>
-          <p:cNvPr id="277" name="Shape 277"/>
+          <p:cNvPr id="276" name="Shape 276"/>
           <p:cNvSpPr txBox="1"/>
           <p:nvPr>
             <p:ph idx="1" type="body"/>
@@ -1662,7 +1667,7 @@
   <p:cSld>
     <p:spTree>
       <p:nvGrpSpPr>
-        <p:cNvPr id="287" name="Shape 287"/>
+        <p:cNvPr id="288" name="Shape 288"/>
         <p:cNvGrpSpPr/>
         <p:nvPr/>
       </p:nvGrpSpPr>
@@ -1676,7 +1681,7 @@
       </p:grpSpPr>
       <p:sp>
         <p:nvSpPr>
-          <p:cNvPr id="288" name="Shape 288"/>
+          <p:cNvPr id="289" name="Shape 289"/>
           <p:cNvSpPr/>
           <p:nvPr>
             <p:ph idx="2" type="sldImg"/>
@@ -1710,7 +1715,7 @@
       </p:sp>
       <p:sp>
         <p:nvSpPr>
-          <p:cNvPr id="289" name="Shape 289"/>
+          <p:cNvPr id="290" name="Shape 290"/>
           <p:cNvSpPr txBox="1"/>
           <p:nvPr>
             <p:ph idx="1" type="body"/>
@@ -1757,7 +1762,7 @@
   <p:cSld>
     <p:spTree>
       <p:nvGrpSpPr>
-        <p:cNvPr id="293" name="Shape 293"/>
+        <p:cNvPr id="295" name="Shape 295"/>
         <p:cNvGrpSpPr/>
         <p:nvPr/>
       </p:nvGrpSpPr>
@@ -1771,7 +1776,7 @@
       </p:grpSpPr>
       <p:sp>
         <p:nvSpPr>
-          <p:cNvPr id="294" name="Shape 294"/>
+          <p:cNvPr id="296" name="Shape 296"/>
           <p:cNvSpPr/>
           <p:nvPr>
             <p:ph idx="2" type="sldImg"/>
@@ -1805,7 +1810,7 @@
       </p:sp>
       <p:sp>
         <p:nvSpPr>
-          <p:cNvPr id="295" name="Shape 295"/>
+          <p:cNvPr id="297" name="Shape 297"/>
           <p:cNvSpPr txBox="1"/>
           <p:nvPr>
             <p:ph idx="1" type="body"/>
@@ -1827,6 +1832,481 @@
           <a:lstStyle/>
           <a:p>
             <a:pPr lvl="0" rtl="0">
+              <a:spcBef>
+                <a:spcPts val="0"/>
+              </a:spcBef>
+              <a:buNone/>
+            </a:pPr>
+            <a:r>
+              <a:t/>
+            </a:r>
+            <a:endParaRPr/>
+          </a:p>
+        </p:txBody>
+      </p:sp>
+    </p:spTree>
+  </p:cSld>
+  <p:clrMapOvr>
+    <a:masterClrMapping/>
+  </p:clrMapOvr>
+</p:notes>
+</file>
+
+<file path=ppt/notesSlides/notesSlide23.xml><?xml version="1.0" encoding="utf-8"?>
+<p:notes xmlns:a="http://schemas.openxmlformats.org/drawingml/2006/main" xmlns:r="http://schemas.openxmlformats.org/officeDocument/2006/relationships" xmlns:mc="http://schemas.openxmlformats.org/markup-compatibility/2006" xmlns:mv="urn:schemas-microsoft-com:mac:vml" xmlns:p="http://schemas.openxmlformats.org/presentationml/2006/main" xmlns:c="http://schemas.openxmlformats.org/drawingml/2006/chart" xmlns:dgm="http://schemas.openxmlformats.org/drawingml/2006/diagram" xmlns:o="urn:schemas-microsoft-com:office:office" xmlns:v="urn:schemas-microsoft-com:vml" xmlns:pvml="urn:schemas-microsoft-com:office:powerpoint" xmlns:com="http://schemas.openxmlformats.org/drawingml/2006/compatibility" xmlns:p14="http://schemas.microsoft.com/office/powerpoint/2010/main" showMasterPhAnim="0" showMasterSp="0">
+  <p:cSld>
+    <p:spTree>
+      <p:nvGrpSpPr>
+        <p:cNvPr id="302" name="Shape 302"/>
+        <p:cNvGrpSpPr/>
+        <p:nvPr/>
+      </p:nvGrpSpPr>
+      <p:grpSpPr>
+        <a:xfrm>
+          <a:off x="0" y="0"/>
+          <a:ext cx="0" cy="0"/>
+          <a:chOff x="0" y="0"/>
+          <a:chExt cx="0" cy="0"/>
+        </a:xfrm>
+      </p:grpSpPr>
+      <p:sp>
+        <p:nvSpPr>
+          <p:cNvPr id="303" name="Shape 303"/>
+          <p:cNvSpPr/>
+          <p:nvPr>
+            <p:ph idx="2" type="sldImg"/>
+          </p:nvPr>
+        </p:nvSpPr>
+        <p:spPr>
+          <a:xfrm>
+            <a:off x="381300" y="685800"/>
+            <a:ext cx="6096000" cy="3429000"/>
+          </a:xfrm>
+          <a:custGeom>
+            <a:pathLst>
+              <a:path extrusionOk="0" h="120000" w="120000">
+                <a:moveTo>
+                  <a:pt x="0" y="0"/>
+                </a:moveTo>
+                <a:lnTo>
+                  <a:pt x="120000" y="0"/>
+                </a:lnTo>
+                <a:lnTo>
+                  <a:pt x="120000" y="120000"/>
+                </a:lnTo>
+                <a:lnTo>
+                  <a:pt x="0" y="120000"/>
+                </a:lnTo>
+                <a:close/>
+              </a:path>
+            </a:pathLst>
+          </a:custGeom>
+        </p:spPr>
+      </p:sp>
+      <p:sp>
+        <p:nvSpPr>
+          <p:cNvPr id="304" name="Shape 304"/>
+          <p:cNvSpPr txBox="1"/>
+          <p:nvPr>
+            <p:ph idx="1" type="body"/>
+          </p:nvPr>
+        </p:nvSpPr>
+        <p:spPr>
+          <a:xfrm>
+            <a:off x="685800" y="4343400"/>
+            <a:ext cx="5486400" cy="4114800"/>
+          </a:xfrm>
+          <a:prstGeom prst="rect">
+            <a:avLst/>
+          </a:prstGeom>
+        </p:spPr>
+        <p:txBody>
+          <a:bodyPr anchorCtr="0" anchor="t" bIns="91425" lIns="91425" rIns="91425" tIns="91425">
+            <a:noAutofit/>
+          </a:bodyPr>
+          <a:lstStyle/>
+          <a:p>
+            <a:pPr lvl="0" rtl="0">
+              <a:spcBef>
+                <a:spcPts val="0"/>
+              </a:spcBef>
+              <a:buNone/>
+            </a:pPr>
+            <a:r>
+              <a:t/>
+            </a:r>
+            <a:endParaRPr/>
+          </a:p>
+        </p:txBody>
+      </p:sp>
+    </p:spTree>
+  </p:cSld>
+  <p:clrMapOvr>
+    <a:masterClrMapping/>
+  </p:clrMapOvr>
+</p:notes>
+</file>
+
+<file path=ppt/notesSlides/notesSlide24.xml><?xml version="1.0" encoding="utf-8"?>
+<p:notes xmlns:a="http://schemas.openxmlformats.org/drawingml/2006/main" xmlns:r="http://schemas.openxmlformats.org/officeDocument/2006/relationships" xmlns:mc="http://schemas.openxmlformats.org/markup-compatibility/2006" xmlns:mv="urn:schemas-microsoft-com:mac:vml" xmlns:p="http://schemas.openxmlformats.org/presentationml/2006/main" xmlns:c="http://schemas.openxmlformats.org/drawingml/2006/chart" xmlns:dgm="http://schemas.openxmlformats.org/drawingml/2006/diagram" xmlns:o="urn:schemas-microsoft-com:office:office" xmlns:v="urn:schemas-microsoft-com:vml" xmlns:pvml="urn:schemas-microsoft-com:office:powerpoint" xmlns:com="http://schemas.openxmlformats.org/drawingml/2006/compatibility" xmlns:p14="http://schemas.microsoft.com/office/powerpoint/2010/main" showMasterPhAnim="0" showMasterSp="0">
+  <p:cSld>
+    <p:spTree>
+      <p:nvGrpSpPr>
+        <p:cNvPr id="309" name="Shape 309"/>
+        <p:cNvGrpSpPr/>
+        <p:nvPr/>
+      </p:nvGrpSpPr>
+      <p:grpSpPr>
+        <a:xfrm>
+          <a:off x="0" y="0"/>
+          <a:ext cx="0" cy="0"/>
+          <a:chOff x="0" y="0"/>
+          <a:chExt cx="0" cy="0"/>
+        </a:xfrm>
+      </p:grpSpPr>
+      <p:sp>
+        <p:nvSpPr>
+          <p:cNvPr id="310" name="Shape 310"/>
+          <p:cNvSpPr/>
+          <p:nvPr>
+            <p:ph idx="2" type="sldImg"/>
+          </p:nvPr>
+        </p:nvSpPr>
+        <p:spPr>
+          <a:xfrm>
+            <a:off x="381300" y="685800"/>
+            <a:ext cx="6096000" cy="3429000"/>
+          </a:xfrm>
+          <a:custGeom>
+            <a:pathLst>
+              <a:path extrusionOk="0" h="120000" w="120000">
+                <a:moveTo>
+                  <a:pt x="0" y="0"/>
+                </a:moveTo>
+                <a:lnTo>
+                  <a:pt x="120000" y="0"/>
+                </a:lnTo>
+                <a:lnTo>
+                  <a:pt x="120000" y="120000"/>
+                </a:lnTo>
+                <a:lnTo>
+                  <a:pt x="0" y="120000"/>
+                </a:lnTo>
+                <a:close/>
+              </a:path>
+            </a:pathLst>
+          </a:custGeom>
+        </p:spPr>
+      </p:sp>
+      <p:sp>
+        <p:nvSpPr>
+          <p:cNvPr id="311" name="Shape 311"/>
+          <p:cNvSpPr txBox="1"/>
+          <p:nvPr>
+            <p:ph idx="1" type="body"/>
+          </p:nvPr>
+        </p:nvSpPr>
+        <p:spPr>
+          <a:xfrm>
+            <a:off x="685800" y="4343400"/>
+            <a:ext cx="5486400" cy="4114800"/>
+          </a:xfrm>
+          <a:prstGeom prst="rect">
+            <a:avLst/>
+          </a:prstGeom>
+        </p:spPr>
+        <p:txBody>
+          <a:bodyPr anchorCtr="0" anchor="t" bIns="91425" lIns="91425" rIns="91425" tIns="91425">
+            <a:noAutofit/>
+          </a:bodyPr>
+          <a:lstStyle/>
+          <a:p>
+            <a:pPr lvl="0" rtl="0">
+              <a:spcBef>
+                <a:spcPts val="0"/>
+              </a:spcBef>
+              <a:buNone/>
+            </a:pPr>
+            <a:r>
+              <a:t/>
+            </a:r>
+            <a:endParaRPr/>
+          </a:p>
+        </p:txBody>
+      </p:sp>
+    </p:spTree>
+  </p:cSld>
+  <p:clrMapOvr>
+    <a:masterClrMapping/>
+  </p:clrMapOvr>
+</p:notes>
+</file>
+
+<file path=ppt/notesSlides/notesSlide25.xml><?xml version="1.0" encoding="utf-8"?>
+<p:notes xmlns:a="http://schemas.openxmlformats.org/drawingml/2006/main" xmlns:r="http://schemas.openxmlformats.org/officeDocument/2006/relationships" xmlns:mc="http://schemas.openxmlformats.org/markup-compatibility/2006" xmlns:mv="urn:schemas-microsoft-com:mac:vml" xmlns:p="http://schemas.openxmlformats.org/presentationml/2006/main" xmlns:c="http://schemas.openxmlformats.org/drawingml/2006/chart" xmlns:dgm="http://schemas.openxmlformats.org/drawingml/2006/diagram" xmlns:o="urn:schemas-microsoft-com:office:office" xmlns:v="urn:schemas-microsoft-com:vml" xmlns:pvml="urn:schemas-microsoft-com:office:powerpoint" xmlns:com="http://schemas.openxmlformats.org/drawingml/2006/compatibility" xmlns:p14="http://schemas.microsoft.com/office/powerpoint/2010/main" showMasterPhAnim="0" showMasterSp="0">
+  <p:cSld>
+    <p:spTree>
+      <p:nvGrpSpPr>
+        <p:cNvPr id="316" name="Shape 316"/>
+        <p:cNvGrpSpPr/>
+        <p:nvPr/>
+      </p:nvGrpSpPr>
+      <p:grpSpPr>
+        <a:xfrm>
+          <a:off x="0" y="0"/>
+          <a:ext cx="0" cy="0"/>
+          <a:chOff x="0" y="0"/>
+          <a:chExt cx="0" cy="0"/>
+        </a:xfrm>
+      </p:grpSpPr>
+      <p:sp>
+        <p:nvSpPr>
+          <p:cNvPr id="317" name="Shape 317"/>
+          <p:cNvSpPr/>
+          <p:nvPr>
+            <p:ph idx="2" type="sldImg"/>
+          </p:nvPr>
+        </p:nvSpPr>
+        <p:spPr>
+          <a:xfrm>
+            <a:off x="381300" y="685800"/>
+            <a:ext cx="6096000" cy="3429000"/>
+          </a:xfrm>
+          <a:custGeom>
+            <a:pathLst>
+              <a:path extrusionOk="0" h="120000" w="120000">
+                <a:moveTo>
+                  <a:pt x="0" y="0"/>
+                </a:moveTo>
+                <a:lnTo>
+                  <a:pt x="120000" y="0"/>
+                </a:lnTo>
+                <a:lnTo>
+                  <a:pt x="120000" y="120000"/>
+                </a:lnTo>
+                <a:lnTo>
+                  <a:pt x="0" y="120000"/>
+                </a:lnTo>
+                <a:close/>
+              </a:path>
+            </a:pathLst>
+          </a:custGeom>
+        </p:spPr>
+      </p:sp>
+      <p:sp>
+        <p:nvSpPr>
+          <p:cNvPr id="318" name="Shape 318"/>
+          <p:cNvSpPr txBox="1"/>
+          <p:nvPr>
+            <p:ph idx="1" type="body"/>
+          </p:nvPr>
+        </p:nvSpPr>
+        <p:spPr>
+          <a:xfrm>
+            <a:off x="685800" y="4343400"/>
+            <a:ext cx="5486400" cy="4114800"/>
+          </a:xfrm>
+          <a:prstGeom prst="rect">
+            <a:avLst/>
+          </a:prstGeom>
+        </p:spPr>
+        <p:txBody>
+          <a:bodyPr anchorCtr="0" anchor="t" bIns="91425" lIns="91425" rIns="91425" tIns="91425">
+            <a:noAutofit/>
+          </a:bodyPr>
+          <a:lstStyle/>
+          <a:p>
+            <a:pPr lvl="0">
+              <a:spcBef>
+                <a:spcPts val="0"/>
+              </a:spcBef>
+              <a:buNone/>
+            </a:pPr>
+            <a:r>
+              <a:t/>
+            </a:r>
+            <a:endParaRPr/>
+          </a:p>
+        </p:txBody>
+      </p:sp>
+    </p:spTree>
+  </p:cSld>
+  <p:clrMapOvr>
+    <a:masterClrMapping/>
+  </p:clrMapOvr>
+</p:notes>
+</file>
+
+<file path=ppt/notesSlides/notesSlide26.xml><?xml version="1.0" encoding="utf-8"?>
+<p:notes xmlns:a="http://schemas.openxmlformats.org/drawingml/2006/main" xmlns:r="http://schemas.openxmlformats.org/officeDocument/2006/relationships" xmlns:mc="http://schemas.openxmlformats.org/markup-compatibility/2006" xmlns:mv="urn:schemas-microsoft-com:mac:vml" xmlns:p="http://schemas.openxmlformats.org/presentationml/2006/main" xmlns:c="http://schemas.openxmlformats.org/drawingml/2006/chart" xmlns:dgm="http://schemas.openxmlformats.org/drawingml/2006/diagram" xmlns:o="urn:schemas-microsoft-com:office:office" xmlns:v="urn:schemas-microsoft-com:vml" xmlns:pvml="urn:schemas-microsoft-com:office:powerpoint" xmlns:com="http://schemas.openxmlformats.org/drawingml/2006/compatibility" xmlns:p14="http://schemas.microsoft.com/office/powerpoint/2010/main" showMasterPhAnim="0" showMasterSp="0">
+  <p:cSld>
+    <p:spTree>
+      <p:nvGrpSpPr>
+        <p:cNvPr id="322" name="Shape 322"/>
+        <p:cNvGrpSpPr/>
+        <p:nvPr/>
+      </p:nvGrpSpPr>
+      <p:grpSpPr>
+        <a:xfrm>
+          <a:off x="0" y="0"/>
+          <a:ext cx="0" cy="0"/>
+          <a:chOff x="0" y="0"/>
+          <a:chExt cx="0" cy="0"/>
+        </a:xfrm>
+      </p:grpSpPr>
+      <p:sp>
+        <p:nvSpPr>
+          <p:cNvPr id="323" name="Shape 323"/>
+          <p:cNvSpPr/>
+          <p:nvPr>
+            <p:ph idx="2" type="sldImg"/>
+          </p:nvPr>
+        </p:nvSpPr>
+        <p:spPr>
+          <a:xfrm>
+            <a:off x="381300" y="685800"/>
+            <a:ext cx="6096000" cy="3429000"/>
+          </a:xfrm>
+          <a:custGeom>
+            <a:pathLst>
+              <a:path extrusionOk="0" h="120000" w="120000">
+                <a:moveTo>
+                  <a:pt x="0" y="0"/>
+                </a:moveTo>
+                <a:lnTo>
+                  <a:pt x="120000" y="0"/>
+                </a:lnTo>
+                <a:lnTo>
+                  <a:pt x="120000" y="120000"/>
+                </a:lnTo>
+                <a:lnTo>
+                  <a:pt x="0" y="120000"/>
+                </a:lnTo>
+                <a:close/>
+              </a:path>
+            </a:pathLst>
+          </a:custGeom>
+        </p:spPr>
+      </p:sp>
+      <p:sp>
+        <p:nvSpPr>
+          <p:cNvPr id="324" name="Shape 324"/>
+          <p:cNvSpPr txBox="1"/>
+          <p:nvPr>
+            <p:ph idx="1" type="body"/>
+          </p:nvPr>
+        </p:nvSpPr>
+        <p:spPr>
+          <a:xfrm>
+            <a:off x="685800" y="4343400"/>
+            <a:ext cx="5486400" cy="4114800"/>
+          </a:xfrm>
+          <a:prstGeom prst="rect">
+            <a:avLst/>
+          </a:prstGeom>
+        </p:spPr>
+        <p:txBody>
+          <a:bodyPr anchorCtr="0" anchor="t" bIns="91425" lIns="91425" rIns="91425" tIns="91425">
+            <a:noAutofit/>
+          </a:bodyPr>
+          <a:lstStyle/>
+          <a:p>
+            <a:pPr lvl="0">
+              <a:spcBef>
+                <a:spcPts val="0"/>
+              </a:spcBef>
+              <a:buNone/>
+            </a:pPr>
+            <a:r>
+              <a:t/>
+            </a:r>
+            <a:endParaRPr/>
+          </a:p>
+        </p:txBody>
+      </p:sp>
+    </p:spTree>
+  </p:cSld>
+  <p:clrMapOvr>
+    <a:masterClrMapping/>
+  </p:clrMapOvr>
+</p:notes>
+</file>
+
+<file path=ppt/notesSlides/notesSlide27.xml><?xml version="1.0" encoding="utf-8"?>
+<p:notes xmlns:a="http://schemas.openxmlformats.org/drawingml/2006/main" xmlns:r="http://schemas.openxmlformats.org/officeDocument/2006/relationships" xmlns:mc="http://schemas.openxmlformats.org/markup-compatibility/2006" xmlns:mv="urn:schemas-microsoft-com:mac:vml" xmlns:p="http://schemas.openxmlformats.org/presentationml/2006/main" xmlns:c="http://schemas.openxmlformats.org/drawingml/2006/chart" xmlns:dgm="http://schemas.openxmlformats.org/drawingml/2006/diagram" xmlns:o="urn:schemas-microsoft-com:office:office" xmlns:v="urn:schemas-microsoft-com:vml" xmlns:pvml="urn:schemas-microsoft-com:office:powerpoint" xmlns:com="http://schemas.openxmlformats.org/drawingml/2006/compatibility" xmlns:p14="http://schemas.microsoft.com/office/powerpoint/2010/main" showMasterPhAnim="0" showMasterSp="0">
+  <p:cSld>
+    <p:spTree>
+      <p:nvGrpSpPr>
+        <p:cNvPr id="328" name="Shape 328"/>
+        <p:cNvGrpSpPr/>
+        <p:nvPr/>
+      </p:nvGrpSpPr>
+      <p:grpSpPr>
+        <a:xfrm>
+          <a:off x="0" y="0"/>
+          <a:ext cx="0" cy="0"/>
+          <a:chOff x="0" y="0"/>
+          <a:chExt cx="0" cy="0"/>
+        </a:xfrm>
+      </p:grpSpPr>
+      <p:sp>
+        <p:nvSpPr>
+          <p:cNvPr id="329" name="Shape 329"/>
+          <p:cNvSpPr/>
+          <p:nvPr>
+            <p:ph idx="2" type="sldImg"/>
+          </p:nvPr>
+        </p:nvSpPr>
+        <p:spPr>
+          <a:xfrm>
+            <a:off x="381300" y="685800"/>
+            <a:ext cx="6096000" cy="3429000"/>
+          </a:xfrm>
+          <a:custGeom>
+            <a:pathLst>
+              <a:path extrusionOk="0" h="120000" w="120000">
+                <a:moveTo>
+                  <a:pt x="0" y="0"/>
+                </a:moveTo>
+                <a:lnTo>
+                  <a:pt x="120000" y="0"/>
+                </a:lnTo>
+                <a:lnTo>
+                  <a:pt x="120000" y="120000"/>
+                </a:lnTo>
+                <a:lnTo>
+                  <a:pt x="0" y="120000"/>
+                </a:lnTo>
+                <a:close/>
+              </a:path>
+            </a:pathLst>
+          </a:custGeom>
+        </p:spPr>
+      </p:sp>
+      <p:sp>
+        <p:nvSpPr>
+          <p:cNvPr id="330" name="Shape 330"/>
+          <p:cNvSpPr txBox="1"/>
+          <p:nvPr>
+            <p:ph idx="1" type="body"/>
+          </p:nvPr>
+        </p:nvSpPr>
+        <p:spPr>
+          <a:xfrm>
+            <a:off x="685800" y="4343400"/>
+            <a:ext cx="5486400" cy="4114800"/>
+          </a:xfrm>
+          <a:prstGeom prst="rect">
+            <a:avLst/>
+          </a:prstGeom>
+        </p:spPr>
+        <p:txBody>
+          <a:bodyPr anchorCtr="0" anchor="t" bIns="91425" lIns="91425" rIns="91425" tIns="91425">
+            <a:noAutofit/>
+          </a:bodyPr>
+          <a:lstStyle/>
+          <a:p>
+            <a:pPr lvl="0">
               <a:spcBef>
                 <a:spcPts val="0"/>
               </a:spcBef>
@@ -2042,7 +2522,7 @@
   <p:cSld>
     <p:spTree>
       <p:nvGrpSpPr>
-        <p:cNvPr id="158" name="Shape 158"/>
+        <p:cNvPr id="157" name="Shape 157"/>
         <p:cNvGrpSpPr/>
         <p:nvPr/>
       </p:nvGrpSpPr>
@@ -2056,7 +2536,7 @@
       </p:grpSpPr>
       <p:sp>
         <p:nvSpPr>
-          <p:cNvPr id="159" name="Shape 159"/>
+          <p:cNvPr id="158" name="Shape 158"/>
           <p:cNvSpPr/>
           <p:nvPr>
             <p:ph idx="2" type="sldImg"/>
@@ -2090,7 +2570,7 @@
       </p:sp>
       <p:sp>
         <p:nvSpPr>
-          <p:cNvPr id="160" name="Shape 160"/>
+          <p:cNvPr id="159" name="Shape 159"/>
           <p:cNvSpPr txBox="1"/>
           <p:nvPr>
             <p:ph idx="1" type="body"/>
@@ -2137,7 +2617,7 @@
   <p:cSld>
     <p:spTree>
       <p:nvGrpSpPr>
-        <p:cNvPr id="164" name="Shape 164"/>
+        <p:cNvPr id="165" name="Shape 165"/>
         <p:cNvGrpSpPr/>
         <p:nvPr/>
       </p:nvGrpSpPr>
@@ -2151,7 +2631,7 @@
       </p:grpSpPr>
       <p:sp>
         <p:nvSpPr>
-          <p:cNvPr id="165" name="Shape 165"/>
+          <p:cNvPr id="166" name="Shape 166"/>
           <p:cNvSpPr/>
           <p:nvPr>
             <p:ph idx="2" type="sldImg"/>
@@ -2185,7 +2665,7 @@
       </p:sp>
       <p:sp>
         <p:nvSpPr>
-          <p:cNvPr id="166" name="Shape 166"/>
+          <p:cNvPr id="167" name="Shape 167"/>
           <p:cNvSpPr txBox="1"/>
           <p:nvPr>
             <p:ph idx="1" type="body"/>
@@ -2206,7 +2686,7 @@
           </a:bodyPr>
           <a:lstStyle/>
           <a:p>
-            <a:pPr lvl="0">
+            <a:pPr lvl="0" rtl="0">
               <a:spcBef>
                 <a:spcPts val="0"/>
               </a:spcBef>
@@ -2232,7 +2712,7 @@
   <p:cSld>
     <p:spTree>
       <p:nvGrpSpPr>
-        <p:cNvPr id="172" name="Shape 172"/>
+        <p:cNvPr id="179" name="Shape 179"/>
         <p:cNvGrpSpPr/>
         <p:nvPr/>
       </p:nvGrpSpPr>
@@ -2246,7 +2726,7 @@
       </p:grpSpPr>
       <p:sp>
         <p:nvSpPr>
-          <p:cNvPr id="173" name="Shape 173"/>
+          <p:cNvPr id="180" name="Shape 180"/>
           <p:cNvSpPr/>
           <p:nvPr>
             <p:ph idx="2" type="sldImg"/>
@@ -2280,7 +2760,7 @@
       </p:sp>
       <p:sp>
         <p:nvSpPr>
-          <p:cNvPr id="174" name="Shape 174"/>
+          <p:cNvPr id="181" name="Shape 181"/>
           <p:cNvSpPr txBox="1"/>
           <p:nvPr>
             <p:ph idx="1" type="body"/>
@@ -2422,7 +2902,7 @@
   <p:cSld>
     <p:spTree>
       <p:nvGrpSpPr>
-        <p:cNvPr id="193" name="Shape 193"/>
+        <p:cNvPr id="200" name="Shape 200"/>
         <p:cNvGrpSpPr/>
         <p:nvPr/>
       </p:nvGrpSpPr>
@@ -2436,7 +2916,7 @@
       </p:grpSpPr>
       <p:sp>
         <p:nvSpPr>
-          <p:cNvPr id="194" name="Shape 194"/>
+          <p:cNvPr id="201" name="Shape 201"/>
           <p:cNvSpPr/>
           <p:nvPr>
             <p:ph idx="2" type="sldImg"/>
@@ -2470,7 +2950,7 @@
       </p:sp>
       <p:sp>
         <p:nvSpPr>
-          <p:cNvPr id="195" name="Shape 195"/>
+          <p:cNvPr id="202" name="Shape 202"/>
           <p:cNvSpPr txBox="1"/>
           <p:nvPr>
             <p:ph idx="1" type="body"/>
@@ -12175,62 +12655,76 @@
           <a:chExt cx="0" cy="0"/>
         </a:xfrm>
       </p:grpSpPr>
-      <p:sp>
-        <p:nvSpPr>
+      <p:cxnSp>
+        <p:nvCxnSpPr>
           <p:cNvPr id="211" name="Shape 211"/>
+          <p:cNvCxnSpPr/>
+          <p:nvPr/>
+        </p:nvCxnSpPr>
+        <p:spPr>
+          <a:xfrm>
+            <a:off x="4565300" y="12050"/>
+            <a:ext cx="0" cy="5119500"/>
+          </a:xfrm>
+          <a:prstGeom prst="straightConnector1">
+            <a:avLst/>
+          </a:prstGeom>
+          <a:noFill/>
+          <a:ln cap="flat" cmpd="sng" w="9525">
+            <a:solidFill>
+              <a:schemeClr val="dk2"/>
+            </a:solidFill>
+            <a:prstDash val="solid"/>
+            <a:round/>
+            <a:headEnd len="lg" w="lg" type="none"/>
+            <a:tailEnd len="lg" w="lg" type="none"/>
+          </a:ln>
+        </p:spPr>
+      </p:cxnSp>
+      <p:cxnSp>
+        <p:nvCxnSpPr>
+          <p:cNvPr id="212" name="Shape 212"/>
+          <p:cNvCxnSpPr/>
+          <p:nvPr/>
+        </p:nvCxnSpPr>
+        <p:spPr>
+          <a:xfrm>
+            <a:off x="-23400" y="2650050"/>
+            <a:ext cx="9190800" cy="12000"/>
+          </a:xfrm>
+          <a:prstGeom prst="straightConnector1">
+            <a:avLst/>
+          </a:prstGeom>
+          <a:noFill/>
+          <a:ln cap="flat" cmpd="sng" w="9525">
+            <a:solidFill>
+              <a:schemeClr val="dk2"/>
+            </a:solidFill>
+            <a:prstDash val="solid"/>
+            <a:round/>
+            <a:headEnd len="lg" w="lg" type="none"/>
+            <a:tailEnd len="lg" w="lg" type="none"/>
+          </a:ln>
+        </p:spPr>
+      </p:cxnSp>
+      <p:sp>
+        <p:nvSpPr>
+          <p:cNvPr id="213" name="Shape 213"/>
           <p:cNvSpPr txBox="1"/>
-          <p:nvPr>
-            <p:ph type="title"/>
-          </p:nvPr>
-        </p:nvSpPr>
-        <p:spPr>
-          <a:xfrm>
-            <a:off x="265500" y="929275"/>
-            <a:ext cx="4045200" cy="1786200"/>
+          <p:nvPr/>
+        </p:nvSpPr>
+        <p:spPr>
+          <a:xfrm>
+            <a:off x="0" y="12050"/>
+            <a:ext cx="1879200" cy="578100"/>
           </a:xfrm>
           <a:prstGeom prst="rect">
             <a:avLst/>
           </a:prstGeom>
-        </p:spPr>
-        <p:txBody>
-          <a:bodyPr anchorCtr="0" anchor="b" bIns="91425" lIns="91425" rIns="91425" tIns="91425">
-            <a:noAutofit/>
-          </a:bodyPr>
-          <a:lstStyle/>
-          <a:p>
-            <a:pPr lvl="0" rtl="0">
-              <a:spcBef>
-                <a:spcPts val="0"/>
-              </a:spcBef>
-              <a:buNone/>
-            </a:pPr>
-            <a:r>
-              <a:rPr b="1" lang="en" sz="4800">
-                <a:solidFill>
-                  <a:srgbClr val="212121"/>
-                </a:solidFill>
-              </a:rPr>
-              <a:t>Interviewee 3</a:t>
-            </a:r>
-          </a:p>
-        </p:txBody>
-      </p:sp>
-      <p:sp>
-        <p:nvSpPr>
-          <p:cNvPr id="212" name="Shape 212"/>
-          <p:cNvSpPr txBox="1"/>
-          <p:nvPr>
-            <p:ph idx="1" type="subTitle"/>
-          </p:nvPr>
-        </p:nvSpPr>
-        <p:spPr>
-          <a:xfrm>
-            <a:off x="265500" y="2769000"/>
-            <a:ext cx="4045200" cy="1574100"/>
-          </a:xfrm>
-          <a:prstGeom prst="rect">
-            <a:avLst/>
-          </a:prstGeom>
+          <a:noFill/>
+          <a:ln>
+            <a:noFill/>
+          </a:ln>
         </p:spPr>
         <p:txBody>
           <a:bodyPr anchorCtr="0" anchor="t" bIns="91425" lIns="91425" rIns="91425" tIns="91425">
@@ -12238,180 +12732,379 @@
           </a:bodyPr>
           <a:lstStyle/>
           <a:p>
-            <a:pPr lvl="0" rtl="0">
-              <a:lnSpc>
-                <a:spcPct val="138461"/>
-              </a:lnSpc>
-              <a:spcBef>
-                <a:spcPts val="0"/>
-              </a:spcBef>
-              <a:spcAft>
-                <a:spcPts val="300"/>
-              </a:spcAft>
-              <a:buNone/>
-            </a:pPr>
-            <a:r>
-              <a:rPr lang="en">
-                <a:solidFill>
-                  <a:schemeClr val="dk1"/>
-                </a:solidFill>
-                <a:highlight>
-                  <a:srgbClr val="FFFFFF"/>
-                </a:highlight>
-              </a:rPr>
-              <a:t>CTO Human Resources</a:t>
-            </a:r>
-          </a:p>
-        </p:txBody>
-      </p:sp>
-      <p:sp>
-        <p:nvSpPr>
-          <p:cNvPr id="213" name="Shape 213"/>
-          <p:cNvSpPr txBox="1"/>
-          <p:nvPr>
-            <p:ph idx="2" type="body"/>
-          </p:nvPr>
-        </p:nvSpPr>
-        <p:spPr>
-          <a:xfrm>
-            <a:off x="4939500" y="929275"/>
-            <a:ext cx="3837000" cy="3695100"/>
-          </a:xfrm>
-          <a:prstGeom prst="rect">
-            <a:avLst/>
-          </a:prstGeom>
-        </p:spPr>
-        <p:txBody>
-          <a:bodyPr anchorCtr="0" anchor="ctr" bIns="91425" lIns="91425" rIns="91425" tIns="91425">
-            <a:noAutofit/>
-          </a:bodyPr>
-          <a:lstStyle/>
-          <a:p>
-            <a:pPr lvl="0" rtl="0">
-              <a:spcBef>
-                <a:spcPts val="0"/>
-              </a:spcBef>
-              <a:buNone/>
-            </a:pPr>
-            <a:r>
-              <a:rPr b="1" lang="en" sz="2400">
-                <a:solidFill>
-                  <a:srgbClr val="212121"/>
+            <a:pPr lvl="0" rtl="0" algn="ctr">
+              <a:spcBef>
+                <a:spcPts val="0"/>
+              </a:spcBef>
+              <a:buNone/>
+            </a:pPr>
+            <a:r>
+              <a:rPr b="1" lang="en" sz="3600">
+                <a:solidFill>
+                  <a:schemeClr val="accent1"/>
                 </a:solidFill>
                 <a:latin typeface="Economica"/>
                 <a:ea typeface="Economica"/>
                 <a:cs typeface="Economica"/>
                 <a:sym typeface="Economica"/>
               </a:rPr>
-              <a:t>NAME: </a:t>
-            </a:r>
-            <a:r>
-              <a:rPr lang="en" sz="2400">
-                <a:solidFill>
-                  <a:srgbClr val="212121"/>
+              <a:t>Say</a:t>
+            </a:r>
+          </a:p>
+        </p:txBody>
+      </p:sp>
+      <p:sp>
+        <p:nvSpPr>
+          <p:cNvPr id="214" name="Shape 214"/>
+          <p:cNvSpPr txBox="1"/>
+          <p:nvPr/>
+        </p:nvSpPr>
+        <p:spPr>
+          <a:xfrm>
+            <a:off x="6018600" y="2750075"/>
+            <a:ext cx="1879200" cy="578100"/>
+          </a:xfrm>
+          <a:prstGeom prst="rect">
+            <a:avLst/>
+          </a:prstGeom>
+          <a:noFill/>
+          <a:ln>
+            <a:noFill/>
+          </a:ln>
+        </p:spPr>
+        <p:txBody>
+          <a:bodyPr anchorCtr="0" anchor="t" bIns="91425" lIns="91425" rIns="91425" tIns="91425">
+            <a:noAutofit/>
+          </a:bodyPr>
+          <a:lstStyle/>
+          <a:p>
+            <a:pPr lvl="0" rtl="0" algn="ctr">
+              <a:spcBef>
+                <a:spcPts val="0"/>
+              </a:spcBef>
+              <a:buNone/>
+            </a:pPr>
+            <a:r>
+              <a:rPr b="1" lang="en" sz="3600">
+                <a:solidFill>
+                  <a:schemeClr val="accent1"/>
                 </a:solidFill>
                 <a:latin typeface="Economica"/>
                 <a:ea typeface="Economica"/>
                 <a:cs typeface="Economica"/>
                 <a:sym typeface="Economica"/>
               </a:rPr>
-              <a:t>Babar Sarfraz</a:t>
-            </a:r>
-          </a:p>
-          <a:p>
-            <a:pPr lvl="0" rtl="0">
-              <a:spcBef>
-                <a:spcPts val="0"/>
-              </a:spcBef>
-              <a:buNone/>
-            </a:pPr>
-            <a:r>
-              <a:rPr b="1" lang="en" sz="2400">
-                <a:solidFill>
-                  <a:srgbClr val="212121"/>
+              <a:t>Feel</a:t>
+            </a:r>
+          </a:p>
+        </p:txBody>
+      </p:sp>
+      <p:sp>
+        <p:nvSpPr>
+          <p:cNvPr id="215" name="Shape 215"/>
+          <p:cNvSpPr txBox="1"/>
+          <p:nvPr/>
+        </p:nvSpPr>
+        <p:spPr>
+          <a:xfrm>
+            <a:off x="497550" y="2750075"/>
+            <a:ext cx="1879200" cy="578100"/>
+          </a:xfrm>
+          <a:prstGeom prst="rect">
+            <a:avLst/>
+          </a:prstGeom>
+          <a:noFill/>
+          <a:ln>
+            <a:noFill/>
+          </a:ln>
+        </p:spPr>
+        <p:txBody>
+          <a:bodyPr anchorCtr="0" anchor="t" bIns="91425" lIns="91425" rIns="91425" tIns="91425">
+            <a:noAutofit/>
+          </a:bodyPr>
+          <a:lstStyle/>
+          <a:p>
+            <a:pPr lvl="0" rtl="0" algn="ctr">
+              <a:spcBef>
+                <a:spcPts val="0"/>
+              </a:spcBef>
+              <a:buNone/>
+            </a:pPr>
+            <a:r>
+              <a:rPr b="1" lang="en" sz="3600">
+                <a:solidFill>
+                  <a:schemeClr val="accent1"/>
                 </a:solidFill>
                 <a:latin typeface="Economica"/>
                 <a:ea typeface="Economica"/>
                 <a:cs typeface="Economica"/>
                 <a:sym typeface="Economica"/>
               </a:rPr>
-              <a:t>REASON FOR INTERVIEW: </a:t>
-            </a:r>
-            <a:r>
-              <a:rPr lang="en" sz="2400">
-                <a:solidFill>
-                  <a:srgbClr val="212121"/>
+              <a:t>Do</a:t>
+            </a:r>
+          </a:p>
+        </p:txBody>
+      </p:sp>
+      <p:sp>
+        <p:nvSpPr>
+          <p:cNvPr id="216" name="Shape 216"/>
+          <p:cNvSpPr txBox="1"/>
+          <p:nvPr/>
+        </p:nvSpPr>
+        <p:spPr>
+          <a:xfrm>
+            <a:off x="4745475" y="12050"/>
+            <a:ext cx="1879200" cy="578100"/>
+          </a:xfrm>
+          <a:prstGeom prst="rect">
+            <a:avLst/>
+          </a:prstGeom>
+          <a:noFill/>
+          <a:ln>
+            <a:noFill/>
+          </a:ln>
+        </p:spPr>
+        <p:txBody>
+          <a:bodyPr anchorCtr="0" anchor="t" bIns="91425" lIns="91425" rIns="91425" tIns="91425">
+            <a:noAutofit/>
+          </a:bodyPr>
+          <a:lstStyle/>
+          <a:p>
+            <a:pPr lvl="0" rtl="0" algn="ctr">
+              <a:spcBef>
+                <a:spcPts val="0"/>
+              </a:spcBef>
+              <a:buNone/>
+            </a:pPr>
+            <a:r>
+              <a:rPr b="1" lang="en" sz="3600">
+                <a:solidFill>
+                  <a:schemeClr val="accent1"/>
                 </a:solidFill>
                 <a:latin typeface="Economica"/>
                 <a:ea typeface="Economica"/>
                 <a:cs typeface="Economica"/>
                 <a:sym typeface="Economica"/>
               </a:rPr>
-              <a:t>Very good in tests</a:t>
-            </a:r>
-          </a:p>
-          <a:p>
-            <a:pPr lvl="0" rtl="0">
-              <a:spcBef>
-                <a:spcPts val="0"/>
-              </a:spcBef>
-              <a:buNone/>
-            </a:pPr>
-            <a:r>
-              <a:rPr b="1" lang="en" sz="2400">
-                <a:solidFill>
-                  <a:srgbClr val="212121"/>
-                </a:solidFill>
+              <a:t>Think</a:t>
+            </a:r>
+          </a:p>
+        </p:txBody>
+      </p:sp>
+      <p:sp>
+        <p:nvSpPr>
+          <p:cNvPr id="217" name="Shape 217"/>
+          <p:cNvSpPr txBox="1"/>
+          <p:nvPr/>
+        </p:nvSpPr>
+        <p:spPr>
+          <a:xfrm>
+            <a:off x="180625" y="590150"/>
+            <a:ext cx="4204500" cy="1818900"/>
+          </a:xfrm>
+          <a:prstGeom prst="rect">
+            <a:avLst/>
+          </a:prstGeom>
+          <a:noFill/>
+          <a:ln>
+            <a:noFill/>
+          </a:ln>
+        </p:spPr>
+        <p:txBody>
+          <a:bodyPr anchorCtr="0" anchor="t" bIns="91425" lIns="91425" rIns="91425" tIns="91425">
+            <a:noAutofit/>
+          </a:bodyPr>
+          <a:lstStyle/>
+          <a:p>
+            <a:pPr indent="-355600" lvl="0" marL="457200" rtl="0">
+              <a:spcBef>
+                <a:spcPts val="0"/>
+              </a:spcBef>
+              <a:buSzPct val="100000"/>
+              <a:buFont typeface="Economica"/>
+              <a:buChar char="●"/>
+            </a:pPr>
+            <a:r>
+              <a:rPr b="1" lang="en" sz="2000">
                 <a:latin typeface="Economica"/>
                 <a:ea typeface="Economica"/>
                 <a:cs typeface="Economica"/>
                 <a:sym typeface="Economica"/>
               </a:rPr>
-              <a:t>PLACE OF INTERVIEW:</a:t>
-            </a:r>
-            <a:r>
-              <a:rPr lang="en" sz="2400">
-                <a:solidFill>
-                  <a:srgbClr val="212121"/>
-                </a:solidFill>
+              <a:t>It depends on which tests you are talking about. For example, I think GRE is a good representative because you get to choose a specific subject in which you will pursue a degree</a:t>
+            </a:r>
+          </a:p>
+          <a:p>
+            <a:pPr indent="-355600" lvl="0" marL="457200" rtl="0">
+              <a:spcBef>
+                <a:spcPts val="0"/>
+              </a:spcBef>
+              <a:buSzPct val="100000"/>
+              <a:buFont typeface="Economica"/>
+              <a:buChar char="●"/>
+            </a:pPr>
+            <a:r>
+              <a:rPr b="1" lang="en" sz="2000">
                 <a:latin typeface="Economica"/>
                 <a:ea typeface="Economica"/>
                 <a:cs typeface="Economica"/>
                 <a:sym typeface="Economica"/>
               </a:rPr>
-              <a:t> Skype</a:t>
-            </a:r>
-          </a:p>
-          <a:p>
-            <a:pPr lvl="0" rtl="0">
-              <a:spcBef>
-                <a:spcPts val="0"/>
-              </a:spcBef>
-              <a:buNone/>
-            </a:pPr>
-            <a:r>
-              <a:rPr b="1" lang="en" sz="2400">
-                <a:solidFill>
-                  <a:srgbClr val="212121"/>
-                </a:solidFill>
+              <a:t>No I did not change my field</a:t>
+            </a:r>
+          </a:p>
+        </p:txBody>
+      </p:sp>
+      <p:sp>
+        <p:nvSpPr>
+          <p:cNvPr id="218" name="Shape 218"/>
+          <p:cNvSpPr txBox="1"/>
+          <p:nvPr/>
+        </p:nvSpPr>
+        <p:spPr>
+          <a:xfrm>
+            <a:off x="5118925" y="3657675"/>
+            <a:ext cx="3493200" cy="843300"/>
+          </a:xfrm>
+          <a:prstGeom prst="rect">
+            <a:avLst/>
+          </a:prstGeom>
+          <a:noFill/>
+          <a:ln>
+            <a:noFill/>
+          </a:ln>
+        </p:spPr>
+        <p:txBody>
+          <a:bodyPr anchorCtr="0" anchor="t" bIns="91425" lIns="91425" rIns="91425" tIns="91425">
+            <a:noAutofit/>
+          </a:bodyPr>
+          <a:lstStyle/>
+          <a:p>
+            <a:pPr indent="-355600" lvl="0" marL="457200" rtl="0">
+              <a:spcBef>
+                <a:spcPts val="0"/>
+              </a:spcBef>
+              <a:buSzPct val="100000"/>
+              <a:buFont typeface="Economica"/>
+              <a:buChar char="●"/>
+            </a:pPr>
+            <a:r>
+              <a:rPr b="1" lang="en" sz="2000">
                 <a:latin typeface="Economica"/>
                 <a:ea typeface="Economica"/>
                 <a:cs typeface="Economica"/>
                 <a:sym typeface="Economica"/>
               </a:rPr>
-              <a:t>METHOD OF RECRUITMENT: </a:t>
-            </a:r>
-            <a:r>
-              <a:rPr lang="en" sz="2400">
-                <a:solidFill>
-                  <a:srgbClr val="212121"/>
-                </a:solidFill>
+              <a:t>Why not start by using successful models used internationally and then fine tune it according to Pakistan</a:t>
+            </a:r>
+          </a:p>
+        </p:txBody>
+      </p:sp>
+      <p:sp>
+        <p:nvSpPr>
+          <p:cNvPr id="219" name="Shape 219"/>
+          <p:cNvSpPr txBox="1"/>
+          <p:nvPr/>
+        </p:nvSpPr>
+        <p:spPr>
+          <a:xfrm>
+            <a:off x="180700" y="3416200"/>
+            <a:ext cx="3493200" cy="1245600"/>
+          </a:xfrm>
+          <a:prstGeom prst="rect">
+            <a:avLst/>
+          </a:prstGeom>
+          <a:noFill/>
+          <a:ln>
+            <a:noFill/>
+          </a:ln>
+        </p:spPr>
+        <p:txBody>
+          <a:bodyPr anchorCtr="0" anchor="t" bIns="91425" lIns="91425" rIns="91425" tIns="91425">
+            <a:noAutofit/>
+          </a:bodyPr>
+          <a:lstStyle/>
+          <a:p>
+            <a:pPr indent="-355600" lvl="0" marL="457200" rtl="0">
+              <a:spcBef>
+                <a:spcPts val="0"/>
+              </a:spcBef>
+              <a:buSzPct val="100000"/>
+              <a:buFont typeface="Economica"/>
+              <a:buChar char="●"/>
+            </a:pPr>
+            <a:r>
+              <a:rPr b="1" lang="en" sz="2000">
                 <a:latin typeface="Economica"/>
                 <a:ea typeface="Economica"/>
                 <a:cs typeface="Economica"/>
                 <a:sym typeface="Economica"/>
               </a:rPr>
-              <a:t>Contacted by phone</a:t>
+              <a:t>Showed his recent GRE and IELTS score</a:t>
+            </a:r>
+          </a:p>
+        </p:txBody>
+      </p:sp>
+      <p:sp>
+        <p:nvSpPr>
+          <p:cNvPr id="220" name="Shape 220"/>
+          <p:cNvSpPr txBox="1"/>
+          <p:nvPr/>
+        </p:nvSpPr>
+        <p:spPr>
+          <a:xfrm>
+            <a:off x="4745475" y="774575"/>
+            <a:ext cx="3493200" cy="1245600"/>
+          </a:xfrm>
+          <a:prstGeom prst="rect">
+            <a:avLst/>
+          </a:prstGeom>
+          <a:noFill/>
+          <a:ln>
+            <a:noFill/>
+          </a:ln>
+        </p:spPr>
+        <p:txBody>
+          <a:bodyPr anchorCtr="0" anchor="t" bIns="91425" lIns="91425" rIns="91425" tIns="91425">
+            <a:noAutofit/>
+          </a:bodyPr>
+          <a:lstStyle/>
+          <a:p>
+            <a:pPr indent="-355600" lvl="0" marL="457200" rtl="0">
+              <a:spcBef>
+                <a:spcPts val="0"/>
+              </a:spcBef>
+              <a:buSzPct val="100000"/>
+              <a:buFont typeface="Economica"/>
+              <a:buChar char="●"/>
+            </a:pPr>
+            <a:r>
+              <a:rPr b="1" lang="en" sz="2000">
+                <a:latin typeface="Economica"/>
+                <a:ea typeface="Economica"/>
+                <a:cs typeface="Economica"/>
+                <a:sym typeface="Economica"/>
+              </a:rPr>
+              <a:t>The test is good enough at least in LUMS</a:t>
+            </a:r>
+          </a:p>
+          <a:p>
+            <a:pPr indent="-355600" lvl="0" marL="457200" rtl="0">
+              <a:spcBef>
+                <a:spcPts val="0"/>
+              </a:spcBef>
+              <a:buSzPct val="100000"/>
+              <a:buFont typeface="Economica"/>
+              <a:buChar char="●"/>
+            </a:pPr>
+            <a:r>
+              <a:rPr b="1" lang="en" sz="2000">
+                <a:latin typeface="Economica"/>
+                <a:ea typeface="Economica"/>
+                <a:cs typeface="Economica"/>
+                <a:sym typeface="Economica"/>
+              </a:rPr>
+              <a:t>Maybe try replicating the testing procedure of LUMS</a:t>
             </a:r>
           </a:p>
         </p:txBody>
@@ -12429,7 +13122,7 @@
   <p:cSld>
     <p:spTree>
       <p:nvGrpSpPr>
-        <p:cNvPr id="217" name="Shape 217"/>
+        <p:cNvPr id="224" name="Shape 224"/>
         <p:cNvGrpSpPr/>
         <p:nvPr/>
       </p:nvGrpSpPr>
@@ -12441,79 +13134,35 @@
           <a:chExt cx="0" cy="0"/>
         </a:xfrm>
       </p:grpSpPr>
-      <p:cxnSp>
-        <p:nvCxnSpPr>
-          <p:cNvPr id="218" name="Shape 218"/>
-          <p:cNvCxnSpPr/>
+      <p:sp>
+        <p:nvSpPr>
+          <p:cNvPr id="225" name="Shape 225"/>
+          <p:cNvSpPr/>
           <p:nvPr/>
-        </p:nvCxnSpPr>
-        <p:spPr>
-          <a:xfrm>
-            <a:off x="4565300" y="12050"/>
-            <a:ext cx="0" cy="5119500"/>
-          </a:xfrm>
-          <a:prstGeom prst="straightConnector1">
-            <a:avLst/>
-          </a:prstGeom>
-          <a:noFill/>
+        </p:nvSpPr>
+        <p:spPr>
+          <a:xfrm>
+            <a:off x="1190525" y="1806450"/>
+            <a:ext cx="6762959" cy="2125818"/>
+          </a:xfrm>
+          <a:prstGeom prst="flowChartDocument">
+            <a:avLst/>
+          </a:prstGeom>
+          <a:solidFill>
+            <a:schemeClr val="lt2"/>
+          </a:solidFill>
           <a:ln cap="flat" cmpd="sng" w="9525">
             <a:solidFill>
               <a:schemeClr val="dk2"/>
             </a:solidFill>
             <a:prstDash val="solid"/>
             <a:round/>
-            <a:headEnd len="lg" w="lg" type="none"/>
-            <a:tailEnd len="lg" w="lg" type="none"/>
+            <a:headEnd len="med" w="med" type="none"/>
+            <a:tailEnd len="med" w="med" type="none"/>
           </a:ln>
         </p:spPr>
-      </p:cxnSp>
-      <p:cxnSp>
-        <p:nvCxnSpPr>
-          <p:cNvPr id="219" name="Shape 219"/>
-          <p:cNvCxnSpPr/>
-          <p:nvPr/>
-        </p:nvCxnSpPr>
-        <p:spPr>
-          <a:xfrm>
-            <a:off x="-23400" y="2650050"/>
-            <a:ext cx="9190800" cy="12000"/>
-          </a:xfrm>
-          <a:prstGeom prst="straightConnector1">
-            <a:avLst/>
-          </a:prstGeom>
-          <a:noFill/>
-          <a:ln cap="flat" cmpd="sng" w="9525">
-            <a:solidFill>
-              <a:schemeClr val="dk2"/>
-            </a:solidFill>
-            <a:prstDash val="solid"/>
-            <a:round/>
-            <a:headEnd len="lg" w="lg" type="none"/>
-            <a:tailEnd len="lg" w="lg" type="none"/>
-          </a:ln>
-        </p:spPr>
-      </p:cxnSp>
-      <p:sp>
-        <p:nvSpPr>
-          <p:cNvPr id="220" name="Shape 220"/>
-          <p:cNvSpPr txBox="1"/>
-          <p:nvPr/>
-        </p:nvSpPr>
-        <p:spPr>
-          <a:xfrm>
-            <a:off x="0" y="12050"/>
-            <a:ext cx="1879200" cy="578100"/>
-          </a:xfrm>
-          <a:prstGeom prst="rect">
-            <a:avLst/>
-          </a:prstGeom>
-          <a:noFill/>
-          <a:ln>
-            <a:noFill/>
-          </a:ln>
-        </p:spPr>
-        <p:txBody>
-          <a:bodyPr anchorCtr="0" anchor="t" bIns="91425" lIns="91425" rIns="91425" tIns="91425">
+        <p:txBody>
+          <a:bodyPr anchorCtr="0" anchor="ctr" bIns="91425" lIns="91425" rIns="91425" tIns="91425">
             <a:noAutofit/>
           </a:bodyPr>
           <a:lstStyle/>
@@ -12525,44 +13174,15 @@
               <a:buNone/>
             </a:pPr>
             <a:r>
-              <a:rPr b="1" lang="en" sz="3600">
-                <a:solidFill>
-                  <a:schemeClr val="accent1"/>
-                </a:solidFill>
+              <a:rPr b="1" lang="en" sz="3000">
                 <a:latin typeface="Economica"/>
                 <a:ea typeface="Economica"/>
                 <a:cs typeface="Economica"/>
                 <a:sym typeface="Economica"/>
               </a:rPr>
-              <a:t>Say</a:t>
-            </a:r>
-          </a:p>
-        </p:txBody>
-      </p:sp>
-      <p:sp>
-        <p:nvSpPr>
-          <p:cNvPr id="221" name="Shape 221"/>
-          <p:cNvSpPr txBox="1"/>
-          <p:nvPr/>
-        </p:nvSpPr>
-        <p:spPr>
-          <a:xfrm>
-            <a:off x="6018600" y="2750075"/>
-            <a:ext cx="1879200" cy="578100"/>
-          </a:xfrm>
-          <a:prstGeom prst="rect">
-            <a:avLst/>
-          </a:prstGeom>
-          <a:noFill/>
-          <a:ln>
-            <a:noFill/>
-          </a:ln>
-        </p:spPr>
-        <p:txBody>
-          <a:bodyPr anchorCtr="0" anchor="t" bIns="91425" lIns="91425" rIns="91425" tIns="91425">
-            <a:noAutofit/>
-          </a:bodyPr>
-          <a:lstStyle/>
+              <a:t>POV’s </a:t>
+            </a:r>
+          </a:p>
           <a:p>
             <a:pPr lvl="0" rtl="0" algn="ctr">
               <a:spcBef>
@@ -12571,44 +13191,15 @@
               <a:buNone/>
             </a:pPr>
             <a:r>
-              <a:rPr b="1" lang="en" sz="3600">
-                <a:solidFill>
-                  <a:schemeClr val="accent1"/>
-                </a:solidFill>
+              <a:rPr b="1" lang="en" sz="3000">
                 <a:latin typeface="Economica"/>
                 <a:ea typeface="Economica"/>
                 <a:cs typeface="Economica"/>
                 <a:sym typeface="Economica"/>
               </a:rPr>
-              <a:t>Feel</a:t>
-            </a:r>
-          </a:p>
-        </p:txBody>
-      </p:sp>
-      <p:sp>
-        <p:nvSpPr>
-          <p:cNvPr id="222" name="Shape 222"/>
-          <p:cNvSpPr txBox="1"/>
-          <p:nvPr/>
-        </p:nvSpPr>
-        <p:spPr>
-          <a:xfrm>
-            <a:off x="497550" y="2750075"/>
-            <a:ext cx="1879200" cy="578100"/>
-          </a:xfrm>
-          <a:prstGeom prst="rect">
-            <a:avLst/>
-          </a:prstGeom>
-          <a:noFill/>
-          <a:ln>
-            <a:noFill/>
-          </a:ln>
-        </p:spPr>
-        <p:txBody>
-          <a:bodyPr anchorCtr="0" anchor="t" bIns="91425" lIns="91425" rIns="91425" tIns="91425">
-            <a:noAutofit/>
-          </a:bodyPr>
-          <a:lstStyle/>
+              <a:t>&amp;</a:t>
+            </a:r>
+          </a:p>
           <a:p>
             <a:pPr lvl="0" rtl="0" algn="ctr">
               <a:spcBef>
@@ -12617,280 +13208,13 @@
               <a:buNone/>
             </a:pPr>
             <a:r>
-              <a:rPr b="1" lang="en" sz="3600">
-                <a:solidFill>
-                  <a:schemeClr val="accent1"/>
-                </a:solidFill>
+              <a:rPr b="1" lang="en" sz="3000">
                 <a:latin typeface="Economica"/>
                 <a:ea typeface="Economica"/>
                 <a:cs typeface="Economica"/>
                 <a:sym typeface="Economica"/>
               </a:rPr>
-              <a:t>Do</a:t>
-            </a:r>
-          </a:p>
-        </p:txBody>
-      </p:sp>
-      <p:sp>
-        <p:nvSpPr>
-          <p:cNvPr id="223" name="Shape 223"/>
-          <p:cNvSpPr txBox="1"/>
-          <p:nvPr/>
-        </p:nvSpPr>
-        <p:spPr>
-          <a:xfrm>
-            <a:off x="4745475" y="12050"/>
-            <a:ext cx="1879200" cy="578100"/>
-          </a:xfrm>
-          <a:prstGeom prst="rect">
-            <a:avLst/>
-          </a:prstGeom>
-          <a:noFill/>
-          <a:ln>
-            <a:noFill/>
-          </a:ln>
-        </p:spPr>
-        <p:txBody>
-          <a:bodyPr anchorCtr="0" anchor="t" bIns="91425" lIns="91425" rIns="91425" tIns="91425">
-            <a:noAutofit/>
-          </a:bodyPr>
-          <a:lstStyle/>
-          <a:p>
-            <a:pPr lvl="0" rtl="0" algn="ctr">
-              <a:spcBef>
-                <a:spcPts val="0"/>
-              </a:spcBef>
-              <a:buNone/>
-            </a:pPr>
-            <a:r>
-              <a:rPr b="1" lang="en" sz="3600">
-                <a:solidFill>
-                  <a:schemeClr val="accent1"/>
-                </a:solidFill>
-                <a:latin typeface="Economica"/>
-                <a:ea typeface="Economica"/>
-                <a:cs typeface="Economica"/>
-                <a:sym typeface="Economica"/>
-              </a:rPr>
-              <a:t>Think</a:t>
-            </a:r>
-          </a:p>
-        </p:txBody>
-      </p:sp>
-      <p:sp>
-        <p:nvSpPr>
-          <p:cNvPr id="224" name="Shape 224"/>
-          <p:cNvSpPr txBox="1"/>
-          <p:nvPr/>
-        </p:nvSpPr>
-        <p:spPr>
-          <a:xfrm>
-            <a:off x="180625" y="590150"/>
-            <a:ext cx="4204500" cy="1818900"/>
-          </a:xfrm>
-          <a:prstGeom prst="rect">
-            <a:avLst/>
-          </a:prstGeom>
-          <a:noFill/>
-          <a:ln>
-            <a:noFill/>
-          </a:ln>
-        </p:spPr>
-        <p:txBody>
-          <a:bodyPr anchorCtr="0" anchor="t" bIns="91425" lIns="91425" rIns="91425" tIns="91425">
-            <a:noAutofit/>
-          </a:bodyPr>
-          <a:lstStyle/>
-          <a:p>
-            <a:pPr indent="-355600" lvl="0" marL="457200" rtl="0">
-              <a:spcBef>
-                <a:spcPts val="0"/>
-              </a:spcBef>
-              <a:buSzPct val="100000"/>
-              <a:buFont typeface="Economica"/>
-              <a:buChar char="●"/>
-            </a:pPr>
-            <a:r>
-              <a:rPr b="1" lang="en" sz="2000">
-                <a:latin typeface="Economica"/>
-                <a:ea typeface="Economica"/>
-                <a:cs typeface="Economica"/>
-                <a:sym typeface="Economica"/>
-              </a:rPr>
-              <a:t>It depends on which tests you are talking about. For example, I think GRE is a good representative because you get to choose a specific subject in which you will pursue a degree</a:t>
-            </a:r>
-          </a:p>
-          <a:p>
-            <a:pPr indent="-355600" lvl="0" marL="457200" rtl="0">
-              <a:spcBef>
-                <a:spcPts val="0"/>
-              </a:spcBef>
-              <a:buSzPct val="100000"/>
-              <a:buFont typeface="Economica"/>
-              <a:buChar char="●"/>
-            </a:pPr>
-            <a:r>
-              <a:rPr b="1" lang="en" sz="2000">
-                <a:latin typeface="Economica"/>
-                <a:ea typeface="Economica"/>
-                <a:cs typeface="Economica"/>
-                <a:sym typeface="Economica"/>
-              </a:rPr>
-              <a:t>No I did not change my field</a:t>
-            </a:r>
-          </a:p>
-        </p:txBody>
-      </p:sp>
-      <p:sp>
-        <p:nvSpPr>
-          <p:cNvPr id="225" name="Shape 225"/>
-          <p:cNvSpPr txBox="1"/>
-          <p:nvPr/>
-        </p:nvSpPr>
-        <p:spPr>
-          <a:xfrm>
-            <a:off x="5118925" y="3657675"/>
-            <a:ext cx="3493200" cy="843300"/>
-          </a:xfrm>
-          <a:prstGeom prst="rect">
-            <a:avLst/>
-          </a:prstGeom>
-          <a:noFill/>
-          <a:ln>
-            <a:noFill/>
-          </a:ln>
-        </p:spPr>
-        <p:txBody>
-          <a:bodyPr anchorCtr="0" anchor="t" bIns="91425" lIns="91425" rIns="91425" tIns="91425">
-            <a:noAutofit/>
-          </a:bodyPr>
-          <a:lstStyle/>
-          <a:p>
-            <a:pPr indent="-355600" lvl="0" marL="457200" rtl="0">
-              <a:spcBef>
-                <a:spcPts val="0"/>
-              </a:spcBef>
-              <a:buSzPct val="100000"/>
-              <a:buFont typeface="Economica"/>
-              <a:buChar char="●"/>
-            </a:pPr>
-            <a:r>
-              <a:rPr b="1" lang="en" sz="2000">
-                <a:latin typeface="Economica"/>
-                <a:ea typeface="Economica"/>
-                <a:cs typeface="Economica"/>
-                <a:sym typeface="Economica"/>
-              </a:rPr>
-              <a:t>Why not start by using successful models used internationally and then fine tune it according to Pakistan</a:t>
-            </a:r>
-          </a:p>
-        </p:txBody>
-      </p:sp>
-      <p:sp>
-        <p:nvSpPr>
-          <p:cNvPr id="226" name="Shape 226"/>
-          <p:cNvSpPr txBox="1"/>
-          <p:nvPr/>
-        </p:nvSpPr>
-        <p:spPr>
-          <a:xfrm>
-            <a:off x="180700" y="3416200"/>
-            <a:ext cx="3493200" cy="1245600"/>
-          </a:xfrm>
-          <a:prstGeom prst="rect">
-            <a:avLst/>
-          </a:prstGeom>
-          <a:noFill/>
-          <a:ln>
-            <a:noFill/>
-          </a:ln>
-        </p:spPr>
-        <p:txBody>
-          <a:bodyPr anchorCtr="0" anchor="t" bIns="91425" lIns="91425" rIns="91425" tIns="91425">
-            <a:noAutofit/>
-          </a:bodyPr>
-          <a:lstStyle/>
-          <a:p>
-            <a:pPr indent="-355600" lvl="0" marL="457200" rtl="0">
-              <a:spcBef>
-                <a:spcPts val="0"/>
-              </a:spcBef>
-              <a:buSzPct val="100000"/>
-              <a:buFont typeface="Economica"/>
-              <a:buChar char="●"/>
-            </a:pPr>
-            <a:r>
-              <a:rPr b="1" lang="en" sz="2000">
-                <a:latin typeface="Economica"/>
-                <a:ea typeface="Economica"/>
-                <a:cs typeface="Economica"/>
-                <a:sym typeface="Economica"/>
-              </a:rPr>
-              <a:t>Showed his recent GRE and IELTS score</a:t>
-            </a:r>
-          </a:p>
-        </p:txBody>
-      </p:sp>
-      <p:sp>
-        <p:nvSpPr>
-          <p:cNvPr id="227" name="Shape 227"/>
-          <p:cNvSpPr txBox="1"/>
-          <p:nvPr/>
-        </p:nvSpPr>
-        <p:spPr>
-          <a:xfrm>
-            <a:off x="4745475" y="774575"/>
-            <a:ext cx="3493200" cy="1245600"/>
-          </a:xfrm>
-          <a:prstGeom prst="rect">
-            <a:avLst/>
-          </a:prstGeom>
-          <a:noFill/>
-          <a:ln>
-            <a:noFill/>
-          </a:ln>
-        </p:spPr>
-        <p:txBody>
-          <a:bodyPr anchorCtr="0" anchor="t" bIns="91425" lIns="91425" rIns="91425" tIns="91425">
-            <a:noAutofit/>
-          </a:bodyPr>
-          <a:lstStyle/>
-          <a:p>
-            <a:pPr indent="-355600" lvl="0" marL="457200" rtl="0">
-              <a:spcBef>
-                <a:spcPts val="0"/>
-              </a:spcBef>
-              <a:buSzPct val="100000"/>
-              <a:buFont typeface="Economica"/>
-              <a:buChar char="●"/>
-            </a:pPr>
-            <a:r>
-              <a:rPr b="1" lang="en" sz="2000">
-                <a:latin typeface="Economica"/>
-                <a:ea typeface="Economica"/>
-                <a:cs typeface="Economica"/>
-                <a:sym typeface="Economica"/>
-              </a:rPr>
-              <a:t>The test is good enough at least in LUMS</a:t>
-            </a:r>
-          </a:p>
-          <a:p>
-            <a:pPr indent="-355600" lvl="0" marL="457200" rtl="0">
-              <a:spcBef>
-                <a:spcPts val="0"/>
-              </a:spcBef>
-              <a:buSzPct val="100000"/>
-              <a:buFont typeface="Economica"/>
-              <a:buChar char="●"/>
-            </a:pPr>
-            <a:r>
-              <a:rPr b="1" lang="en" sz="2000">
-                <a:latin typeface="Economica"/>
-                <a:ea typeface="Economica"/>
-                <a:cs typeface="Economica"/>
-                <a:sym typeface="Economica"/>
-              </a:rPr>
-              <a:t>Maybe try replicating the testing procedure of LUMS</a:t>
+              <a:t>HMV’s</a:t>
             </a:r>
           </a:p>
         </p:txBody>
@@ -12908,7 +13232,7 @@
   <p:cSld>
     <p:spTree>
       <p:nvGrpSpPr>
-        <p:cNvPr id="231" name="Shape 231"/>
+        <p:cNvPr id="229" name="Shape 229"/>
         <p:cNvGrpSpPr/>
         <p:nvPr/>
       </p:nvGrpSpPr>
@@ -12922,85 +13246,156 @@
       </p:grpSpPr>
       <p:sp>
         <p:nvSpPr>
-          <p:cNvPr id="232" name="Shape 232"/>
-          <p:cNvSpPr/>
-          <p:nvPr/>
-        </p:nvSpPr>
-        <p:spPr>
-          <a:xfrm>
-            <a:off x="1190525" y="1806450"/>
-            <a:ext cx="6762959" cy="2125818"/>
-          </a:xfrm>
-          <a:prstGeom prst="flowChartDocument">
-            <a:avLst/>
-          </a:prstGeom>
-          <a:solidFill>
-            <a:schemeClr val="lt2"/>
-          </a:solidFill>
-          <a:ln cap="flat" cmpd="sng" w="9525">
-            <a:solidFill>
-              <a:schemeClr val="dk2"/>
-            </a:solidFill>
-            <a:prstDash val="solid"/>
-            <a:round/>
-            <a:headEnd len="med" w="med" type="none"/>
-            <a:tailEnd len="med" w="med" type="none"/>
-          </a:ln>
-        </p:spPr>
-        <p:txBody>
-          <a:bodyPr anchorCtr="0" anchor="ctr" bIns="91425" lIns="91425" rIns="91425" tIns="91425">
+          <p:cNvPr id="230" name="Shape 230"/>
+          <p:cNvSpPr txBox="1"/>
+          <p:nvPr>
+            <p:ph type="title"/>
+          </p:nvPr>
+        </p:nvSpPr>
+        <p:spPr>
+          <a:xfrm>
+            <a:off x="324475" y="148225"/>
+            <a:ext cx="5244900" cy="1373700"/>
+          </a:xfrm>
+          <a:prstGeom prst="rect">
+            <a:avLst/>
+          </a:prstGeom>
+        </p:spPr>
+        <p:txBody>
+          <a:bodyPr anchorCtr="0" anchor="b" bIns="91425" lIns="91425" rIns="91425" tIns="91425">
             <a:noAutofit/>
           </a:bodyPr>
           <a:lstStyle/>
           <a:p>
-            <a:pPr lvl="0" rtl="0" algn="ctr">
-              <a:spcBef>
-                <a:spcPts val="0"/>
-              </a:spcBef>
-              <a:buNone/>
-            </a:pPr>
-            <a:r>
-              <a:rPr b="1" lang="en" sz="3000">
+            <a:pPr lvl="0">
+              <a:spcBef>
+                <a:spcPts val="0"/>
+              </a:spcBef>
+              <a:buNone/>
+            </a:pPr>
+            <a:r>
+              <a:rPr lang="en" sz="4200"/>
+              <a:t>POV # 1</a:t>
+            </a:r>
+          </a:p>
+        </p:txBody>
+      </p:sp>
+      <p:sp>
+        <p:nvSpPr>
+          <p:cNvPr id="231" name="Shape 231"/>
+          <p:cNvSpPr txBox="1"/>
+          <p:nvPr>
+            <p:ph idx="1" type="body"/>
+          </p:nvPr>
+        </p:nvSpPr>
+        <p:spPr>
+          <a:xfrm>
+            <a:off x="324475" y="1920450"/>
+            <a:ext cx="8494800" cy="2704200"/>
+          </a:xfrm>
+          <a:prstGeom prst="rect">
+            <a:avLst/>
+          </a:prstGeom>
+        </p:spPr>
+        <p:txBody>
+          <a:bodyPr anchorCtr="0" anchor="t" bIns="91425" lIns="91425" rIns="91425" tIns="91425">
+            <a:noAutofit/>
+          </a:bodyPr>
+          <a:lstStyle/>
+          <a:p>
+            <a:pPr lvl="0">
+              <a:spcBef>
+                <a:spcPts val="0"/>
+              </a:spcBef>
+              <a:buNone/>
+            </a:pPr>
+            <a:r>
+              <a:rPr b="1" lang="en" sz="2000">
+                <a:solidFill>
+                  <a:srgbClr val="000000"/>
+                </a:solidFill>
                 <a:latin typeface="Economica"/>
                 <a:ea typeface="Economica"/>
                 <a:cs typeface="Economica"/>
                 <a:sym typeface="Economica"/>
               </a:rPr>
-              <a:t>POV’s </a:t>
-            </a:r>
-          </a:p>
-          <a:p>
-            <a:pPr lvl="0" rtl="0" algn="ctr">
-              <a:spcBef>
-                <a:spcPts val="0"/>
-              </a:spcBef>
-              <a:buNone/>
-            </a:pPr>
-            <a:r>
-              <a:rPr b="1" lang="en" sz="3000">
+              <a:t>We met: </a:t>
+            </a:r>
+            <a:r>
+              <a:rPr lang="en" sz="2000">
+                <a:solidFill>
+                  <a:srgbClr val="000000"/>
+                </a:solidFill>
                 <a:latin typeface="Economica"/>
                 <a:ea typeface="Economica"/>
                 <a:cs typeface="Economica"/>
                 <a:sym typeface="Economica"/>
               </a:rPr>
-              <a:t>&amp;</a:t>
-            </a:r>
-          </a:p>
-          <a:p>
-            <a:pPr lvl="0" rtl="0" algn="ctr">
-              <a:spcBef>
-                <a:spcPts val="0"/>
-              </a:spcBef>
-              <a:buNone/>
-            </a:pPr>
-            <a:r>
-              <a:rPr b="1" lang="en" sz="3000">
+              <a:t>Ali Jibran is a student and a part time software who wants to have strict regulations for current evaluation platforms </a:t>
+            </a:r>
+          </a:p>
+          <a:p>
+            <a:pPr lvl="0">
+              <a:spcBef>
+                <a:spcPts val="0"/>
+              </a:spcBef>
+              <a:buNone/>
+            </a:pPr>
+            <a:r>
+              <a:rPr b="1" lang="en" sz="2000">
+                <a:solidFill>
+                  <a:srgbClr val="000000"/>
+                </a:solidFill>
                 <a:latin typeface="Economica"/>
                 <a:ea typeface="Economica"/>
                 <a:cs typeface="Economica"/>
                 <a:sym typeface="Economica"/>
               </a:rPr>
-              <a:t>HMV’s</a:t>
+              <a:t>We were amazed: </a:t>
+            </a:r>
+            <a:r>
+              <a:rPr lang="en" sz="2000">
+                <a:solidFill>
+                  <a:srgbClr val="000000"/>
+                </a:solidFill>
+                <a:latin typeface="Economica"/>
+                <a:ea typeface="Economica"/>
+                <a:cs typeface="Economica"/>
+                <a:sym typeface="Economica"/>
+              </a:rPr>
+              <a:t>Even though he performed well in the test but he was not satisfied with the system</a:t>
+            </a:r>
+          </a:p>
+          <a:p>
+            <a:pPr lvl="0">
+              <a:spcBef>
+                <a:spcPts val="0"/>
+              </a:spcBef>
+              <a:buNone/>
+            </a:pPr>
+            <a:r>
+              <a:rPr b="1" lang="en" sz="2000">
+                <a:solidFill>
+                  <a:srgbClr val="000000"/>
+                </a:solidFill>
+                <a:latin typeface="Economica"/>
+                <a:ea typeface="Economica"/>
+                <a:cs typeface="Economica"/>
+                <a:sym typeface="Economica"/>
+              </a:rPr>
+              <a:t>It would be game changing to: </a:t>
+            </a:r>
+            <a:r>
+              <a:rPr lang="en" sz="2000">
+                <a:solidFill>
+                  <a:srgbClr val="000000"/>
+                </a:solidFill>
+                <a:latin typeface="Economica"/>
+                <a:ea typeface="Economica"/>
+                <a:cs typeface="Economica"/>
+                <a:sym typeface="Economica"/>
+              </a:rPr>
+              <a:t>somehow oversee all the testing bodies across Pakistan</a:t>
             </a:r>
           </a:p>
         </p:txBody>
@@ -13018,7 +13413,7 @@
   <p:cSld>
     <p:spTree>
       <p:nvGrpSpPr>
-        <p:cNvPr id="236" name="Shape 236"/>
+        <p:cNvPr id="235" name="Shape 235"/>
         <p:cNvGrpSpPr/>
         <p:nvPr/>
       </p:nvGrpSpPr>
@@ -13032,7 +13427,7 @@
       </p:grpSpPr>
       <p:sp>
         <p:nvSpPr>
-          <p:cNvPr id="237" name="Shape 237"/>
+          <p:cNvPr id="236" name="Shape 236"/>
           <p:cNvSpPr txBox="1"/>
           <p:nvPr>
             <p:ph type="title"/>
@@ -13053,7 +13448,7 @@
           </a:bodyPr>
           <a:lstStyle/>
           <a:p>
-            <a:pPr lvl="0">
+            <a:pPr lvl="0" rtl="0">
               <a:spcBef>
                 <a:spcPts val="0"/>
               </a:spcBef>
@@ -13061,14 +13456,14 @@
             </a:pPr>
             <a:r>
               <a:rPr lang="en" sz="4200"/>
-              <a:t>POV # 1</a:t>
-            </a:r>
-          </a:p>
-        </p:txBody>
-      </p:sp>
-      <p:sp>
-        <p:nvSpPr>
-          <p:cNvPr id="238" name="Shape 238"/>
+              <a:t>POV # 2</a:t>
+            </a:r>
+          </a:p>
+        </p:txBody>
+      </p:sp>
+      <p:sp>
+        <p:nvSpPr>
+          <p:cNvPr id="237" name="Shape 237"/>
           <p:cNvSpPr txBox="1"/>
           <p:nvPr>
             <p:ph idx="1" type="body"/>
@@ -13077,7 +13472,7 @@
         <p:spPr>
           <a:xfrm>
             <a:off x="324475" y="1920450"/>
-            <a:ext cx="8494800" cy="2704200"/>
+            <a:ext cx="8494800" cy="2903700"/>
           </a:xfrm>
           <a:prstGeom prst="rect">
             <a:avLst/>
@@ -13117,7 +13512,7 @@
                 <a:cs typeface="Economica"/>
                 <a:sym typeface="Economica"/>
               </a:rPr>
-              <a:t>Ali Jibran is a student and a part time software who wants to have strict regulations for current evaluation platforms </a:t>
+              <a:t>Bilal Hanif who is a programmer by hobby and he believes that there should be specific tests to measure the capabilities of an individual</a:t>
             </a:r>
           </a:p>
           <a:p>
@@ -13149,7 +13544,7 @@
                 <a:cs typeface="Economica"/>
                 <a:sym typeface="Economica"/>
               </a:rPr>
-              <a:t>Even though he performed well in the test but he was not satisfied with the system</a:t>
+              <a:t>that he did well in a field that according to the test he was not eligible for</a:t>
             </a:r>
           </a:p>
           <a:p>
@@ -13181,7 +13576,55 @@
                 <a:cs typeface="Economica"/>
                 <a:sym typeface="Economica"/>
               </a:rPr>
-              <a:t>somehow oversee all the testing bodies across Pakistan</a:t>
+              <a:t>provide a service that can help them to:</a:t>
+            </a:r>
+          </a:p>
+          <a:p>
+            <a:pPr indent="-355600" lvl="0" marL="457200">
+              <a:spcBef>
+                <a:spcPts val="0"/>
+              </a:spcBef>
+              <a:buClr>
+                <a:srgbClr val="000000"/>
+              </a:buClr>
+              <a:buSzPct val="100000"/>
+              <a:buFont typeface="Economica"/>
+            </a:pPr>
+            <a:r>
+              <a:rPr lang="en" sz="2000">
+                <a:solidFill>
+                  <a:srgbClr val="000000"/>
+                </a:solidFill>
+                <a:latin typeface="Economica"/>
+                <a:ea typeface="Economica"/>
+                <a:cs typeface="Economica"/>
+                <a:sym typeface="Economica"/>
+              </a:rPr>
+              <a:t>Evaluate their skills</a:t>
+            </a:r>
+          </a:p>
+          <a:p>
+            <a:pPr indent="-355600" lvl="0" marL="457200" rtl="0">
+              <a:spcBef>
+                <a:spcPts val="0"/>
+              </a:spcBef>
+              <a:buClr>
+                <a:srgbClr val="000000"/>
+              </a:buClr>
+              <a:buSzPct val="100000"/>
+              <a:buFont typeface="Economica"/>
+            </a:pPr>
+            <a:r>
+              <a:rPr lang="en" sz="2000">
+                <a:solidFill>
+                  <a:srgbClr val="000000"/>
+                </a:solidFill>
+                <a:latin typeface="Economica"/>
+                <a:ea typeface="Economica"/>
+                <a:cs typeface="Economica"/>
+                <a:sym typeface="Economica"/>
+              </a:rPr>
+              <a:t>Choose a field</a:t>
             </a:r>
           </a:p>
         </p:txBody>
@@ -13199,7 +13642,7 @@
   <p:cSld>
     <p:spTree>
       <p:nvGrpSpPr>
-        <p:cNvPr id="242" name="Shape 242"/>
+        <p:cNvPr id="241" name="Shape 241"/>
         <p:cNvGrpSpPr/>
         <p:nvPr/>
       </p:nvGrpSpPr>
@@ -13213,7 +13656,7 @@
       </p:grpSpPr>
       <p:sp>
         <p:nvSpPr>
-          <p:cNvPr id="243" name="Shape 243"/>
+          <p:cNvPr id="242" name="Shape 242"/>
           <p:cNvSpPr txBox="1"/>
           <p:nvPr>
             <p:ph type="title"/>
@@ -13242,14 +13685,18 @@
             </a:pPr>
             <a:r>
               <a:rPr lang="en" sz="4200"/>
-              <a:t>POV # 2</a:t>
-            </a:r>
-          </a:p>
-        </p:txBody>
-      </p:sp>
-      <p:sp>
-        <p:nvSpPr>
-          <p:cNvPr id="244" name="Shape 244"/>
+              <a:t>POV # </a:t>
+            </a:r>
+            <a:r>
+              <a:rPr lang="en" sz="4200"/>
+              <a:t>3</a:t>
+            </a:r>
+          </a:p>
+        </p:txBody>
+      </p:sp>
+      <p:sp>
+        <p:nvSpPr>
+          <p:cNvPr id="243" name="Shape 243"/>
           <p:cNvSpPr txBox="1"/>
           <p:nvPr>
             <p:ph idx="1" type="body"/>
@@ -13257,8 +13704,8 @@
         </p:nvSpPr>
         <p:spPr>
           <a:xfrm>
-            <a:off x="324475" y="1920450"/>
-            <a:ext cx="8494800" cy="2903700"/>
+            <a:off x="324600" y="1908800"/>
+            <a:ext cx="8494800" cy="3018000"/>
           </a:xfrm>
           <a:prstGeom prst="rect">
             <a:avLst/>
@@ -13298,7 +13745,7 @@
                 <a:cs typeface="Economica"/>
                 <a:sym typeface="Economica"/>
               </a:rPr>
-              <a:t>Bilal Hanif who is a programmer by hobby and he believes that there should be specific tests to measure the capabilities of an individual</a:t>
+              <a:t>Babar Sarfraz, a recent graduate from LUMS. He told us that international aptitude tests can be used as a basis for new evaluation system in Pakistan</a:t>
             </a:r>
           </a:p>
           <a:p>
@@ -13330,7 +13777,7 @@
                 <a:cs typeface="Economica"/>
                 <a:sym typeface="Economica"/>
               </a:rPr>
-              <a:t>that he did well in a field that according to the test he was not eligible for</a:t>
+              <a:t>That he thought nothing was wrong with the system</a:t>
             </a:r>
           </a:p>
           <a:p>
@@ -13350,8 +13797,20 @@
                 <a:cs typeface="Economica"/>
                 <a:sym typeface="Economica"/>
               </a:rPr>
-              <a:t>It would be game changing to: </a:t>
-            </a:r>
+              <a:t>It would be game changing to:</a:t>
+            </a:r>
+          </a:p>
+          <a:p>
+            <a:pPr indent="-355600" lvl="0" marL="457200" rtl="0">
+              <a:spcBef>
+                <a:spcPts val="0"/>
+              </a:spcBef>
+              <a:buClr>
+                <a:srgbClr val="000000"/>
+              </a:buClr>
+              <a:buSzPct val="100000"/>
+              <a:buFont typeface="Economica"/>
+            </a:pPr>
             <a:r>
               <a:rPr lang="en" sz="2000">
                 <a:solidFill>
@@ -13362,11 +13821,11 @@
                 <a:cs typeface="Economica"/>
                 <a:sym typeface="Economica"/>
               </a:rPr>
-              <a:t>provide a service that can help them to:</a:t>
-            </a:r>
-          </a:p>
-          <a:p>
-            <a:pPr indent="-355600" lvl="0" marL="457200">
+              <a:t>Evaluate new systems quickly</a:t>
+            </a:r>
+          </a:p>
+          <a:p>
+            <a:pPr indent="-355600" lvl="0" marL="457200" rtl="0">
               <a:spcBef>
                 <a:spcPts val="0"/>
               </a:spcBef>
@@ -13386,31 +13845,7 @@
                 <a:cs typeface="Economica"/>
                 <a:sym typeface="Economica"/>
               </a:rPr>
-              <a:t>Evaluate their skills</a:t>
-            </a:r>
-          </a:p>
-          <a:p>
-            <a:pPr indent="-355600" lvl="0" marL="457200" rtl="0">
-              <a:spcBef>
-                <a:spcPts val="0"/>
-              </a:spcBef>
-              <a:buClr>
-                <a:srgbClr val="000000"/>
-              </a:buClr>
-              <a:buSzPct val="100000"/>
-              <a:buFont typeface="Economica"/>
-            </a:pPr>
-            <a:r>
-              <a:rPr lang="en" sz="2000">
-                <a:solidFill>
-                  <a:srgbClr val="000000"/>
-                </a:solidFill>
-                <a:latin typeface="Economica"/>
-                <a:ea typeface="Economica"/>
-                <a:cs typeface="Economica"/>
-                <a:sym typeface="Economica"/>
-              </a:rPr>
-              <a:t>Choose a field</a:t>
+              <a:t>Make alterations if necessary</a:t>
             </a:r>
           </a:p>
         </p:txBody>
@@ -13428,7 +13863,7 @@
   <p:cSld>
     <p:spTree>
       <p:nvGrpSpPr>
-        <p:cNvPr id="248" name="Shape 248"/>
+        <p:cNvPr id="247" name="Shape 247"/>
         <p:cNvGrpSpPr/>
         <p:nvPr/>
       </p:nvGrpSpPr>
@@ -13442,7 +13877,7 @@
       </p:grpSpPr>
       <p:sp>
         <p:nvSpPr>
-          <p:cNvPr id="249" name="Shape 249"/>
+          <p:cNvPr id="248" name="Shape 248"/>
           <p:cNvSpPr txBox="1"/>
           <p:nvPr>
             <p:ph type="title"/>
@@ -13450,12 +13885,21 @@
         </p:nvSpPr>
         <p:spPr>
           <a:xfrm>
-            <a:off x="324475" y="148225"/>
-            <a:ext cx="5244900" cy="1373700"/>
+            <a:off x="311700" y="315925"/>
+            <a:ext cx="8520600" cy="831300"/>
           </a:xfrm>
           <a:prstGeom prst="rect">
             <a:avLst/>
           </a:prstGeom>
+          <a:ln cap="flat" cmpd="sng" w="38100">
+            <a:solidFill>
+              <a:schemeClr val="lt2"/>
+            </a:solidFill>
+            <a:prstDash val="solid"/>
+            <a:round/>
+            <a:headEnd len="med" w="med" type="none"/>
+            <a:tailEnd len="med" w="med" type="none"/>
+          </a:ln>
         </p:spPr>
         <p:txBody>
           <a:bodyPr anchorCtr="0" anchor="b" bIns="91425" lIns="91425" rIns="91425" tIns="91425">
@@ -13463,26 +13907,22 @@
           </a:bodyPr>
           <a:lstStyle/>
           <a:p>
-            <a:pPr lvl="0" rtl="0">
-              <a:spcBef>
-                <a:spcPts val="0"/>
-              </a:spcBef>
-              <a:buNone/>
-            </a:pPr>
-            <a:r>
-              <a:rPr lang="en" sz="4200"/>
-              <a:t>POV # </a:t>
-            </a:r>
-            <a:r>
-              <a:rPr lang="en" sz="4200"/>
-              <a:t>3</a:t>
-            </a:r>
-          </a:p>
-        </p:txBody>
-      </p:sp>
-      <p:sp>
-        <p:nvSpPr>
-          <p:cNvPr id="250" name="Shape 250"/>
+            <a:pPr lvl="0">
+              <a:spcBef>
+                <a:spcPts val="0"/>
+              </a:spcBef>
+              <a:buNone/>
+            </a:pPr>
+            <a:r>
+              <a:rPr lang="en"/>
+              <a:t>HMW # 1</a:t>
+            </a:r>
+          </a:p>
+        </p:txBody>
+      </p:sp>
+      <p:sp>
+        <p:nvSpPr>
+          <p:cNvPr id="249" name="Shape 249"/>
           <p:cNvSpPr txBox="1"/>
           <p:nvPr>
             <p:ph idx="1" type="body"/>
@@ -13490,8 +13930,8 @@
         </p:nvSpPr>
         <p:spPr>
           <a:xfrm>
-            <a:off x="324600" y="1908800"/>
-            <a:ext cx="8494800" cy="3018000"/>
+            <a:off x="311700" y="1225225"/>
+            <a:ext cx="8520600" cy="3354000"/>
           </a:xfrm>
           <a:prstGeom prst="rect">
             <a:avLst/>
@@ -13510,74 +13950,58 @@
               <a:buNone/>
             </a:pPr>
             <a:r>
+              <a:rPr lang="en"/>
+              <a:t> </a:t>
+            </a:r>
+          </a:p>
+        </p:txBody>
+      </p:sp>
+      <p:sp>
+        <p:nvSpPr>
+          <p:cNvPr id="250" name="Shape 250"/>
+          <p:cNvSpPr/>
+          <p:nvPr/>
+        </p:nvSpPr>
+        <p:spPr>
+          <a:xfrm>
+            <a:off x="923625" y="1505425"/>
+            <a:ext cx="7244700" cy="1404000"/>
+          </a:xfrm>
+          <a:prstGeom prst="downArrowCallout">
+            <a:avLst>
+              <a:gd fmla="val 25000" name="adj1"/>
+              <a:gd fmla="val 25000" name="adj2"/>
+              <a:gd fmla="val 25000" name="adj3"/>
+              <a:gd fmla="val 64977" name="adj4"/>
+            </a:avLst>
+          </a:prstGeom>
+          <a:solidFill>
+            <a:srgbClr val="FFFFFF"/>
+          </a:solidFill>
+          <a:ln cap="flat" cmpd="sng" w="38100">
+            <a:solidFill>
+              <a:srgbClr val="6FA8DC"/>
+            </a:solidFill>
+            <a:prstDash val="solid"/>
+            <a:round/>
+            <a:headEnd len="med" w="med" type="none"/>
+            <a:tailEnd len="med" w="med" type="none"/>
+          </a:ln>
+        </p:spPr>
+        <p:txBody>
+          <a:bodyPr anchorCtr="0" anchor="ctr" bIns="91425" lIns="91425" rIns="91425" tIns="91425">
+            <a:noAutofit/>
+          </a:bodyPr>
+          <a:lstStyle/>
+          <a:p>
+            <a:pPr lvl="0">
+              <a:spcBef>
+                <a:spcPts val="0"/>
+              </a:spcBef>
+              <a:buNone/>
+            </a:pPr>
+            <a:r>
               <a:rPr b="1" lang="en" sz="2000">
-                <a:solidFill>
-                  <a:srgbClr val="000000"/>
-                </a:solidFill>
-                <a:latin typeface="Economica"/>
-                <a:ea typeface="Economica"/>
-                <a:cs typeface="Economica"/>
-                <a:sym typeface="Economica"/>
-              </a:rPr>
-              <a:t>We met: </a:t>
-            </a:r>
-            <a:r>
-              <a:rPr lang="en" sz="2000">
-                <a:solidFill>
-                  <a:srgbClr val="000000"/>
-                </a:solidFill>
-                <a:latin typeface="Economica"/>
-                <a:ea typeface="Economica"/>
-                <a:cs typeface="Economica"/>
-                <a:sym typeface="Economica"/>
-              </a:rPr>
-              <a:t>Babar Sarfraz, a recent graduate from LUMS. He told us that international aptitude tests can be used as a basis for new evaluation system in Pakistan</a:t>
-            </a:r>
-          </a:p>
-          <a:p>
-            <a:pPr lvl="0">
-              <a:spcBef>
-                <a:spcPts val="0"/>
-              </a:spcBef>
-              <a:buNone/>
-            </a:pPr>
-            <a:r>
-              <a:rPr b="1" lang="en" sz="2000">
-                <a:solidFill>
-                  <a:srgbClr val="000000"/>
-                </a:solidFill>
-                <a:latin typeface="Economica"/>
-                <a:ea typeface="Economica"/>
-                <a:cs typeface="Economica"/>
-                <a:sym typeface="Economica"/>
-              </a:rPr>
-              <a:t>We were amazed: </a:t>
-            </a:r>
-            <a:r>
-              <a:rPr lang="en" sz="2000">
-                <a:solidFill>
-                  <a:srgbClr val="000000"/>
-                </a:solidFill>
-                <a:latin typeface="Economica"/>
-                <a:ea typeface="Economica"/>
-                <a:cs typeface="Economica"/>
-                <a:sym typeface="Economica"/>
-              </a:rPr>
-              <a:t>That he thought nothing was wrong with the system</a:t>
-            </a:r>
-          </a:p>
-          <a:p>
-            <a:pPr lvl="0">
-              <a:spcBef>
-                <a:spcPts val="0"/>
-              </a:spcBef>
-              <a:buNone/>
-            </a:pPr>
-            <a:r>
-              <a:rPr b="1" lang="en" sz="2000">
-                <a:solidFill>
-                  <a:srgbClr val="000000"/>
-                </a:solidFill>
                 <a:latin typeface="Economica"/>
                 <a:ea typeface="Economica"/>
                 <a:cs typeface="Economica"/>
@@ -13587,51 +14011,161 @@
             </a:r>
           </a:p>
           <a:p>
-            <a:pPr indent="-355600" lvl="0" marL="457200" rtl="0">
-              <a:spcBef>
-                <a:spcPts val="0"/>
-              </a:spcBef>
+            <a:pPr lvl="0" rtl="0">
+              <a:lnSpc>
+                <a:spcPct val="115000"/>
+              </a:lnSpc>
+              <a:spcBef>
+                <a:spcPts val="0"/>
+              </a:spcBef>
+              <a:spcAft>
+                <a:spcPts val="1600"/>
+              </a:spcAft>
               <a:buClr>
-                <a:srgbClr val="000000"/>
+                <a:schemeClr val="dk1"/>
               </a:buClr>
-              <a:buSzPct val="100000"/>
-              <a:buFont typeface="Economica"/>
+              <a:buSzPct val="55000"/>
+              <a:buFont typeface="Arial"/>
+              <a:buNone/>
             </a:pPr>
             <a:r>
               <a:rPr lang="en" sz="2000">
                 <a:solidFill>
-                  <a:srgbClr val="000000"/>
+                  <a:schemeClr val="dk1"/>
                 </a:solidFill>
                 <a:latin typeface="Economica"/>
                 <a:ea typeface="Economica"/>
                 <a:cs typeface="Economica"/>
                 <a:sym typeface="Economica"/>
               </a:rPr>
-              <a:t>Evaluate new systems quickly</a:t>
-            </a:r>
-          </a:p>
-          <a:p>
-            <a:pPr indent="-355600" lvl="0" marL="457200" rtl="0">
-              <a:spcBef>
-                <a:spcPts val="0"/>
-              </a:spcBef>
-              <a:buClr>
-                <a:srgbClr val="000000"/>
-              </a:buClr>
-              <a:buSzPct val="100000"/>
-              <a:buFont typeface="Economica"/>
-            </a:pPr>
-            <a:r>
-              <a:rPr lang="en" sz="2000">
-                <a:solidFill>
-                  <a:srgbClr val="000000"/>
-                </a:solidFill>
+              <a:t>somehow oversee all the testing bodies across Pakistan</a:t>
+            </a:r>
+          </a:p>
+        </p:txBody>
+      </p:sp>
+      <p:sp>
+        <p:nvSpPr>
+          <p:cNvPr id="251" name="Shape 251"/>
+          <p:cNvSpPr/>
+          <p:nvPr/>
+        </p:nvSpPr>
+        <p:spPr>
+          <a:xfrm>
+            <a:off x="1021800" y="3094175"/>
+            <a:ext cx="7192800" cy="1062300"/>
+          </a:xfrm>
+          <a:prstGeom prst="flowChartAlternateProcess">
+            <a:avLst/>
+          </a:prstGeom>
+          <a:solidFill>
+            <a:schemeClr val="lt2"/>
+          </a:solidFill>
+          <a:ln cap="flat" cmpd="sng" w="9525">
+            <a:solidFill>
+              <a:schemeClr val="dk2"/>
+            </a:solidFill>
+            <a:prstDash val="solid"/>
+            <a:round/>
+            <a:headEnd len="med" w="med" type="none"/>
+            <a:tailEnd len="med" w="med" type="none"/>
+          </a:ln>
+        </p:spPr>
+        <p:txBody>
+          <a:bodyPr anchorCtr="0" anchor="ctr" bIns="91425" lIns="91425" rIns="91425" tIns="91425">
+            <a:noAutofit/>
+          </a:bodyPr>
+          <a:lstStyle/>
+          <a:p>
+            <a:pPr lvl="0">
+              <a:spcBef>
+                <a:spcPts val="0"/>
+              </a:spcBef>
+              <a:buNone/>
+            </a:pPr>
+            <a:r>
+              <a:rPr b="1" lang="en" sz="2000">
                 <a:latin typeface="Economica"/>
                 <a:ea typeface="Economica"/>
                 <a:cs typeface="Economica"/>
                 <a:sym typeface="Economica"/>
               </a:rPr>
-              <a:t>Make alterations if necessary</a:t>
+              <a:t>HMW: </a:t>
+            </a:r>
+            <a:r>
+              <a:rPr lang="en" sz="2000">
+                <a:solidFill>
+                  <a:schemeClr val="dk1"/>
+                </a:solidFill>
+                <a:latin typeface="Economica"/>
+                <a:ea typeface="Economica"/>
+                <a:cs typeface="Economica"/>
+                <a:sym typeface="Economica"/>
+              </a:rPr>
+              <a:t>Provide a platform that rates the testing bodies across Pakistan?</a:t>
+            </a:r>
+          </a:p>
+          <a:p>
+            <a:pPr lvl="0">
+              <a:spcBef>
+                <a:spcPts val="0"/>
+              </a:spcBef>
+              <a:buNone/>
+            </a:pPr>
+            <a:r>
+              <a:rPr b="1" lang="en" sz="2000">
+                <a:solidFill>
+                  <a:schemeClr val="dk1"/>
+                </a:solidFill>
+                <a:latin typeface="Economica"/>
+                <a:ea typeface="Economica"/>
+                <a:cs typeface="Economica"/>
+                <a:sym typeface="Economica"/>
+              </a:rPr>
+              <a:t>HMW: </a:t>
+            </a:r>
+            <a:r>
+              <a:rPr lang="en" sz="2000">
+                <a:solidFill>
+                  <a:schemeClr val="dk1"/>
+                </a:solidFill>
+                <a:latin typeface="Economica"/>
+                <a:ea typeface="Economica"/>
+                <a:cs typeface="Economica"/>
+                <a:sym typeface="Economica"/>
+              </a:rPr>
+              <a:t>Compare the testing bodies with each other?</a:t>
+            </a:r>
+          </a:p>
+          <a:p>
+            <a:pPr lvl="0">
+              <a:spcBef>
+                <a:spcPts val="0"/>
+              </a:spcBef>
+              <a:buNone/>
+            </a:pPr>
+            <a:r>
+              <a:rPr b="1" lang="en" sz="2000">
+                <a:solidFill>
+                  <a:schemeClr val="dk1"/>
+                </a:solidFill>
+                <a:latin typeface="Economica"/>
+                <a:ea typeface="Economica"/>
+                <a:cs typeface="Economica"/>
+                <a:sym typeface="Economica"/>
+              </a:rPr>
+              <a:t>HMW: </a:t>
+            </a:r>
+            <a:r>
+              <a:rPr lang="en" sz="2000">
+                <a:solidFill>
+                  <a:schemeClr val="dk1"/>
+                </a:solidFill>
+                <a:latin typeface="Economica"/>
+                <a:ea typeface="Economica"/>
+                <a:cs typeface="Economica"/>
+                <a:sym typeface="Economica"/>
+              </a:rPr>
+              <a:t>Identify and distinguish good platforms and bad ones?</a:t>
             </a:r>
           </a:p>
         </p:txBody>
@@ -13649,7 +14183,7 @@
   <p:cSld>
     <p:spTree>
       <p:nvGrpSpPr>
-        <p:cNvPr id="254" name="Shape 254"/>
+        <p:cNvPr id="255" name="Shape 255"/>
         <p:cNvGrpSpPr/>
         <p:nvPr/>
       </p:nvGrpSpPr>
@@ -13663,7 +14197,7 @@
       </p:grpSpPr>
       <p:sp>
         <p:nvSpPr>
-          <p:cNvPr id="255" name="Shape 255"/>
+          <p:cNvPr id="256" name="Shape 256"/>
           <p:cNvSpPr txBox="1"/>
           <p:nvPr>
             <p:ph type="title"/>
@@ -13693,7 +14227,7 @@
           </a:bodyPr>
           <a:lstStyle/>
           <a:p>
-            <a:pPr lvl="0">
+            <a:pPr lvl="0" rtl="0">
               <a:spcBef>
                 <a:spcPts val="0"/>
               </a:spcBef>
@@ -13701,14 +14235,14 @@
             </a:pPr>
             <a:r>
               <a:rPr lang="en"/>
-              <a:t>HMW # 1</a:t>
-            </a:r>
-          </a:p>
-        </p:txBody>
-      </p:sp>
-      <p:sp>
-        <p:nvSpPr>
-          <p:cNvPr id="256" name="Shape 256"/>
+              <a:t>HMW # 2</a:t>
+            </a:r>
+          </a:p>
+        </p:txBody>
+      </p:sp>
+      <p:sp>
+        <p:nvSpPr>
+          <p:cNvPr id="257" name="Shape 257"/>
           <p:cNvSpPr txBox="1"/>
           <p:nvPr>
             <p:ph idx="1" type="body"/>
@@ -13729,7 +14263,7 @@
           </a:bodyPr>
           <a:lstStyle/>
           <a:p>
-            <a:pPr lvl="0">
+            <a:pPr lvl="0" rtl="0">
               <a:spcBef>
                 <a:spcPts val="0"/>
               </a:spcBef>
@@ -13744,14 +14278,14 @@
       </p:sp>
       <p:sp>
         <p:nvSpPr>
-          <p:cNvPr id="257" name="Shape 257"/>
+          <p:cNvPr id="258" name="Shape 258"/>
           <p:cNvSpPr/>
           <p:nvPr/>
         </p:nvSpPr>
         <p:spPr>
           <a:xfrm>
-            <a:off x="923625" y="1505425"/>
-            <a:ext cx="7244700" cy="1404000"/>
+            <a:off x="949650" y="1494000"/>
+            <a:ext cx="7244700" cy="1495500"/>
           </a:xfrm>
           <a:prstGeom prst="downArrowCallout">
             <a:avLst>
@@ -13787,7 +14321,26 @@
               <a:buNone/>
             </a:pPr>
             <a:r>
+              <a:t/>
+            </a:r>
+            <a:endParaRPr b="1" sz="1800">
+              <a:solidFill>
+                <a:schemeClr val="dk1"/>
+              </a:solidFill>
+            </a:endParaRPr>
+          </a:p>
+          <a:p>
+            <a:pPr lvl="0">
+              <a:spcBef>
+                <a:spcPts val="0"/>
+              </a:spcBef>
+              <a:buNone/>
+            </a:pPr>
+            <a:r>
               <a:rPr b="1" lang="en" sz="2000">
+                <a:solidFill>
+                  <a:schemeClr val="dk1"/>
+                </a:solidFill>
                 <a:latin typeface="Economica"/>
                 <a:ea typeface="Economica"/>
                 <a:cs typeface="Economica"/>
@@ -13795,25 +14348,14 @@
               </a:rPr>
               <a:t>It would be game changing to:</a:t>
             </a:r>
-          </a:p>
-          <a:p>
-            <a:pPr lvl="0" rtl="0">
-              <a:lnSpc>
-                <a:spcPct val="115000"/>
-              </a:lnSpc>
-              <a:spcBef>
-                <a:spcPts val="0"/>
-              </a:spcBef>
-              <a:spcAft>
-                <a:spcPts val="1600"/>
-              </a:spcAft>
-              <a:buClr>
-                <a:schemeClr val="dk1"/>
-              </a:buClr>
-              <a:buSzPct val="55000"/>
-              <a:buFont typeface="Arial"/>
-              <a:buNone/>
-            </a:pPr>
+            <a:r>
+              <a:rPr lang="en" sz="1800">
+                <a:solidFill>
+                  <a:schemeClr val="dk1"/>
+                </a:solidFill>
+              </a:rPr>
+              <a:t> </a:t>
+            </a:r>
             <a:r>
               <a:rPr lang="en" sz="2000">
                 <a:solidFill>
@@ -13824,14 +14366,46 @@
                 <a:cs typeface="Economica"/>
                 <a:sym typeface="Economica"/>
               </a:rPr>
-              <a:t>somehow oversee all the testing bodies across Pakistan</a:t>
-            </a:r>
-          </a:p>
-        </p:txBody>
-      </p:sp>
-      <p:sp>
-        <p:nvSpPr>
-          <p:cNvPr id="258" name="Shape 258"/>
+              <a:t>provide a service that can help in evaluating the skills of an individual and choose a field</a:t>
+            </a:r>
+          </a:p>
+          <a:p>
+            <a:pPr lvl="0">
+              <a:spcBef>
+                <a:spcPts val="0"/>
+              </a:spcBef>
+              <a:buClr>
+                <a:schemeClr val="dk1"/>
+              </a:buClr>
+              <a:buFont typeface="Arial"/>
+              <a:buNone/>
+            </a:pPr>
+            <a:r>
+              <a:t/>
+            </a:r>
+            <a:endParaRPr sz="1800">
+              <a:solidFill>
+                <a:schemeClr val="dk1"/>
+              </a:solidFill>
+            </a:endParaRPr>
+          </a:p>
+          <a:p>
+            <a:pPr lvl="0">
+              <a:spcBef>
+                <a:spcPts val="0"/>
+              </a:spcBef>
+              <a:buNone/>
+            </a:pPr>
+            <a:r>
+              <a:t/>
+            </a:r>
+            <a:endParaRPr/>
+          </a:p>
+        </p:txBody>
+      </p:sp>
+      <p:sp>
+        <p:nvSpPr>
+          <p:cNvPr id="259" name="Shape 259"/>
           <p:cNvSpPr/>
           <p:nvPr/>
         </p:nvSpPr>
@@ -13866,10 +14440,18 @@
               <a:spcBef>
                 <a:spcPts val="0"/>
               </a:spcBef>
+              <a:buClr>
+                <a:schemeClr val="dk1"/>
+              </a:buClr>
+              <a:buSzPct val="55000"/>
+              <a:buFont typeface="Arial"/>
               <a:buNone/>
             </a:pPr>
             <a:r>
               <a:rPr b="1" lang="en" sz="2000">
+                <a:solidFill>
+                  <a:schemeClr val="dk1"/>
+                </a:solidFill>
                 <a:latin typeface="Economica"/>
                 <a:ea typeface="Economica"/>
                 <a:cs typeface="Economica"/>
@@ -13887,7 +14469,7 @@
                 <a:cs typeface="Economica"/>
                 <a:sym typeface="Economica"/>
               </a:rPr>
-              <a:t>Provide a platform that rates the testing bodies across Pakistan?</a:t>
+              <a:t>Assess the skills of person accurately?</a:t>
             </a:r>
           </a:p>
           <a:p>
@@ -13895,6 +14477,11 @@
               <a:spcBef>
                 <a:spcPts val="0"/>
               </a:spcBef>
+              <a:buClr>
+                <a:schemeClr val="dk1"/>
+              </a:buClr>
+              <a:buSzPct val="55000"/>
+              <a:buFont typeface="Arial"/>
               <a:buNone/>
             </a:pPr>
             <a:r>
@@ -13919,7 +14506,7 @@
                 <a:cs typeface="Economica"/>
                 <a:sym typeface="Economica"/>
               </a:rPr>
-              <a:t>Compare the testing bodies with each other?</a:t>
+              <a:t>Help a person in choosing the right field?</a:t>
             </a:r>
           </a:p>
           <a:p>
@@ -13927,6 +14514,11 @@
               <a:spcBef>
                 <a:spcPts val="0"/>
               </a:spcBef>
+              <a:buClr>
+                <a:schemeClr val="dk1"/>
+              </a:buClr>
+              <a:buSzPct val="55000"/>
+              <a:buFont typeface="Arial"/>
               <a:buNone/>
             </a:pPr>
             <a:r>
@@ -13951,7 +14543,7 @@
                 <a:cs typeface="Economica"/>
                 <a:sym typeface="Economica"/>
               </a:rPr>
-              <a:t>Identify and distinguish good platforms and bad ones?</a:t>
+              <a:t>Provide the service that caters to his needs?</a:t>
             </a:r>
           </a:p>
         </p:txBody>
@@ -13969,7 +14561,7 @@
   <p:cSld>
     <p:spTree>
       <p:nvGrpSpPr>
-        <p:cNvPr id="262" name="Shape 262"/>
+        <p:cNvPr id="263" name="Shape 263"/>
         <p:cNvGrpSpPr/>
         <p:nvPr/>
       </p:nvGrpSpPr>
@@ -13983,7 +14575,7 @@
       </p:grpSpPr>
       <p:sp>
         <p:nvSpPr>
-          <p:cNvPr id="263" name="Shape 263"/>
+          <p:cNvPr id="264" name="Shape 264"/>
           <p:cNvSpPr txBox="1"/>
           <p:nvPr>
             <p:ph type="title"/>
@@ -14021,14 +14613,14 @@
             </a:pPr>
             <a:r>
               <a:rPr lang="en"/>
-              <a:t>HMW # 2</a:t>
-            </a:r>
-          </a:p>
-        </p:txBody>
-      </p:sp>
-      <p:sp>
-        <p:nvSpPr>
-          <p:cNvPr id="264" name="Shape 264"/>
+              <a:t>HMW # 3</a:t>
+            </a:r>
+          </a:p>
+        </p:txBody>
+      </p:sp>
+      <p:sp>
+        <p:nvSpPr>
+          <p:cNvPr id="265" name="Shape 265"/>
           <p:cNvSpPr txBox="1"/>
           <p:nvPr>
             <p:ph idx="1" type="body"/>
@@ -14064,14 +14656,14 @@
       </p:sp>
       <p:sp>
         <p:nvSpPr>
-          <p:cNvPr id="265" name="Shape 265"/>
+          <p:cNvPr id="266" name="Shape 266"/>
           <p:cNvSpPr/>
           <p:nvPr/>
         </p:nvSpPr>
         <p:spPr>
           <a:xfrm>
-            <a:off x="949650" y="1494000"/>
-            <a:ext cx="7244700" cy="1495500"/>
+            <a:off x="923625" y="1425575"/>
+            <a:ext cx="7244700" cy="1484100"/>
           </a:xfrm>
           <a:prstGeom prst="downArrowCallout">
             <a:avLst>
@@ -14104,6 +14696,47 @@
               <a:spcBef>
                 <a:spcPts val="0"/>
               </a:spcBef>
+              <a:buClr>
+                <a:schemeClr val="dk1"/>
+              </a:buClr>
+              <a:buSzPct val="55000"/>
+              <a:buFont typeface="Arial"/>
+              <a:buNone/>
+            </a:pPr>
+            <a:r>
+              <a:rPr b="1" lang="en" sz="2000">
+                <a:solidFill>
+                  <a:schemeClr val="dk1"/>
+                </a:solidFill>
+                <a:latin typeface="Economica"/>
+                <a:ea typeface="Economica"/>
+                <a:cs typeface="Economica"/>
+                <a:sym typeface="Economica"/>
+              </a:rPr>
+              <a:t>It would be game changing to: </a:t>
+            </a:r>
+            <a:r>
+              <a:rPr lang="en" sz="2000">
+                <a:solidFill>
+                  <a:schemeClr val="dk1"/>
+                </a:solidFill>
+                <a:latin typeface="Economica"/>
+                <a:ea typeface="Economica"/>
+                <a:cs typeface="Economica"/>
+                <a:sym typeface="Economica"/>
+              </a:rPr>
+              <a:t>evaluate new systems or make alterations in existing testing services</a:t>
+            </a:r>
+          </a:p>
+          <a:p>
+            <a:pPr lvl="0">
+              <a:spcBef>
+                <a:spcPts val="0"/>
+              </a:spcBef>
+              <a:buClr>
+                <a:schemeClr val="dk1"/>
+              </a:buClr>
+              <a:buFont typeface="Arial"/>
               <a:buNone/>
             </a:pPr>
             <a:r>
@@ -14115,83 +14748,11 @@
               </a:solidFill>
             </a:endParaRPr>
           </a:p>
-          <a:p>
-            <a:pPr lvl="0">
-              <a:spcBef>
-                <a:spcPts val="0"/>
-              </a:spcBef>
-              <a:buNone/>
-            </a:pPr>
-            <a:r>
-              <a:rPr b="1" lang="en" sz="2000">
-                <a:solidFill>
-                  <a:schemeClr val="dk1"/>
-                </a:solidFill>
-                <a:latin typeface="Economica"/>
-                <a:ea typeface="Economica"/>
-                <a:cs typeface="Economica"/>
-                <a:sym typeface="Economica"/>
-              </a:rPr>
-              <a:t>It would be game changing to:</a:t>
-            </a:r>
-            <a:r>
-              <a:rPr lang="en" sz="1800">
-                <a:solidFill>
-                  <a:schemeClr val="dk1"/>
-                </a:solidFill>
-              </a:rPr>
-              <a:t> </a:t>
-            </a:r>
-            <a:r>
-              <a:rPr lang="en" sz="2000">
-                <a:solidFill>
-                  <a:schemeClr val="dk1"/>
-                </a:solidFill>
-                <a:latin typeface="Economica"/>
-                <a:ea typeface="Economica"/>
-                <a:cs typeface="Economica"/>
-                <a:sym typeface="Economica"/>
-              </a:rPr>
-              <a:t>provide a service that can help in evaluating the skills of an individual and choose a field</a:t>
-            </a:r>
-          </a:p>
-          <a:p>
-            <a:pPr lvl="0">
-              <a:spcBef>
-                <a:spcPts val="0"/>
-              </a:spcBef>
-              <a:buClr>
-                <a:schemeClr val="dk1"/>
-              </a:buClr>
-              <a:buFont typeface="Arial"/>
-              <a:buNone/>
-            </a:pPr>
-            <a:r>
-              <a:t/>
-            </a:r>
-            <a:endParaRPr sz="1800">
-              <a:solidFill>
-                <a:schemeClr val="dk1"/>
-              </a:solidFill>
-            </a:endParaRPr>
-          </a:p>
-          <a:p>
-            <a:pPr lvl="0">
-              <a:spcBef>
-                <a:spcPts val="0"/>
-              </a:spcBef>
-              <a:buNone/>
-            </a:pPr>
-            <a:r>
-              <a:t/>
-            </a:r>
-            <a:endParaRPr/>
-          </a:p>
-        </p:txBody>
-      </p:sp>
-      <p:sp>
-        <p:nvSpPr>
-          <p:cNvPr id="266" name="Shape 266"/>
+        </p:txBody>
+      </p:sp>
+      <p:sp>
+        <p:nvSpPr>
+          <p:cNvPr id="267" name="Shape 267"/>
           <p:cNvSpPr/>
           <p:nvPr/>
         </p:nvSpPr>
@@ -14255,7 +14816,7 @@
                 <a:cs typeface="Economica"/>
                 <a:sym typeface="Economica"/>
               </a:rPr>
-              <a:t>Assess the skills of person accurately?</a:t>
+              <a:t>Evaluate new systems quickly </a:t>
             </a:r>
           </a:p>
           <a:p>
@@ -14292,7 +14853,7 @@
                 <a:cs typeface="Economica"/>
                 <a:sym typeface="Economica"/>
               </a:rPr>
-              <a:t>Help a person in choosing the right field?</a:t>
+              <a:t>Find appropriate systems that can be used to as a replacement</a:t>
             </a:r>
           </a:p>
           <a:p>
@@ -14329,7 +14890,7 @@
                 <a:cs typeface="Economica"/>
                 <a:sym typeface="Economica"/>
               </a:rPr>
-              <a:t>Provide the service that caters to his needs?</a:t>
+              <a:t>Allow to make changes quickly to the system</a:t>
             </a:r>
           </a:p>
         </p:txBody>
@@ -14347,7 +14908,7 @@
   <p:cSld>
     <p:spTree>
       <p:nvGrpSpPr>
-        <p:cNvPr id="270" name="Shape 270"/>
+        <p:cNvPr id="271" name="Shape 271"/>
         <p:cNvGrpSpPr/>
         <p:nvPr/>
       </p:nvGrpSpPr>
@@ -14361,7 +14922,7 @@
       </p:grpSpPr>
       <p:sp>
         <p:nvSpPr>
-          <p:cNvPr id="271" name="Shape 271"/>
+          <p:cNvPr id="272" name="Shape 272"/>
           <p:cNvSpPr txBox="1"/>
           <p:nvPr>
             <p:ph type="title"/>
@@ -14369,44 +14930,35 @@
         </p:nvSpPr>
         <p:spPr>
           <a:xfrm>
-            <a:off x="311700" y="315925"/>
-            <a:ext cx="8520600" cy="831300"/>
+            <a:off x="311700" y="957125"/>
+            <a:ext cx="8520600" cy="2128800"/>
           </a:xfrm>
           <a:prstGeom prst="rect">
             <a:avLst/>
           </a:prstGeom>
-          <a:ln cap="flat" cmpd="sng" w="38100">
-            <a:solidFill>
-              <a:schemeClr val="lt2"/>
-            </a:solidFill>
-            <a:prstDash val="solid"/>
-            <a:round/>
-            <a:headEnd len="med" w="med" type="none"/>
-            <a:tailEnd len="med" w="med" type="none"/>
-          </a:ln>
-        </p:spPr>
-        <p:txBody>
-          <a:bodyPr anchorCtr="0" anchor="b" bIns="91425" lIns="91425" rIns="91425" tIns="91425">
+        </p:spPr>
+        <p:txBody>
+          <a:bodyPr anchorCtr="0" anchor="ctr" bIns="91425" lIns="91425" rIns="91425" tIns="91425">
             <a:noAutofit/>
           </a:bodyPr>
           <a:lstStyle/>
           <a:p>
-            <a:pPr lvl="0" rtl="0">
-              <a:spcBef>
-                <a:spcPts val="0"/>
-              </a:spcBef>
-              <a:buNone/>
-            </a:pPr>
-            <a:r>
-              <a:rPr lang="en"/>
-              <a:t>HMW # 3</a:t>
-            </a:r>
-          </a:p>
-        </p:txBody>
-      </p:sp>
-      <p:sp>
-        <p:nvSpPr>
-          <p:cNvPr id="272" name="Shape 272"/>
+            <a:pPr lvl="0">
+              <a:spcBef>
+                <a:spcPts val="0"/>
+              </a:spcBef>
+              <a:buNone/>
+            </a:pPr>
+            <a:r>
+              <a:rPr lang="en" sz="7200"/>
+              <a:t>Prototypes</a:t>
+            </a:r>
+          </a:p>
+        </p:txBody>
+      </p:sp>
+      <p:sp>
+        <p:nvSpPr>
+          <p:cNvPr id="273" name="Shape 273"/>
           <p:cNvSpPr txBox="1"/>
           <p:nvPr>
             <p:ph idx="1" type="body"/>
@@ -14414,8 +14966,8 @@
         </p:nvSpPr>
         <p:spPr>
           <a:xfrm>
-            <a:off x="311700" y="1225225"/>
-            <a:ext cx="8520600" cy="3354000"/>
+            <a:off x="311700" y="3162000"/>
+            <a:ext cx="8520600" cy="1071600"/>
           </a:xfrm>
           <a:prstGeom prst="rect">
             <a:avLst/>
@@ -14427,7 +14979,7 @@
           </a:bodyPr>
           <a:lstStyle/>
           <a:p>
-            <a:pPr lvl="0" rtl="0">
+            <a:pPr lvl="0">
               <a:spcBef>
                 <a:spcPts val="0"/>
               </a:spcBef>
@@ -14436,247 +14988,6 @@
             <a:r>
               <a:rPr lang="en"/>
               <a:t> </a:t>
-            </a:r>
-          </a:p>
-        </p:txBody>
-      </p:sp>
-      <p:sp>
-        <p:nvSpPr>
-          <p:cNvPr id="273" name="Shape 273"/>
-          <p:cNvSpPr/>
-          <p:nvPr/>
-        </p:nvSpPr>
-        <p:spPr>
-          <a:xfrm>
-            <a:off x="923625" y="1425575"/>
-            <a:ext cx="7244700" cy="1484100"/>
-          </a:xfrm>
-          <a:prstGeom prst="downArrowCallout">
-            <a:avLst>
-              <a:gd fmla="val 25000" name="adj1"/>
-              <a:gd fmla="val 25000" name="adj2"/>
-              <a:gd fmla="val 25000" name="adj3"/>
-              <a:gd fmla="val 64977" name="adj4"/>
-            </a:avLst>
-          </a:prstGeom>
-          <a:solidFill>
-            <a:srgbClr val="FFFFFF"/>
-          </a:solidFill>
-          <a:ln cap="flat" cmpd="sng" w="38100">
-            <a:solidFill>
-              <a:srgbClr val="6FA8DC"/>
-            </a:solidFill>
-            <a:prstDash val="solid"/>
-            <a:round/>
-            <a:headEnd len="med" w="med" type="none"/>
-            <a:tailEnd len="med" w="med" type="none"/>
-          </a:ln>
-        </p:spPr>
-        <p:txBody>
-          <a:bodyPr anchorCtr="0" anchor="ctr" bIns="91425" lIns="91425" rIns="91425" tIns="91425">
-            <a:noAutofit/>
-          </a:bodyPr>
-          <a:lstStyle/>
-          <a:p>
-            <a:pPr lvl="0">
-              <a:spcBef>
-                <a:spcPts val="0"/>
-              </a:spcBef>
-              <a:buClr>
-                <a:schemeClr val="dk1"/>
-              </a:buClr>
-              <a:buSzPct val="55000"/>
-              <a:buFont typeface="Arial"/>
-              <a:buNone/>
-            </a:pPr>
-            <a:r>
-              <a:rPr b="1" lang="en" sz="2000">
-                <a:solidFill>
-                  <a:schemeClr val="dk1"/>
-                </a:solidFill>
-                <a:latin typeface="Economica"/>
-                <a:ea typeface="Economica"/>
-                <a:cs typeface="Economica"/>
-                <a:sym typeface="Economica"/>
-              </a:rPr>
-              <a:t>It would be game changing to: </a:t>
-            </a:r>
-            <a:r>
-              <a:rPr lang="en" sz="2000">
-                <a:solidFill>
-                  <a:schemeClr val="dk1"/>
-                </a:solidFill>
-                <a:latin typeface="Economica"/>
-                <a:ea typeface="Economica"/>
-                <a:cs typeface="Economica"/>
-                <a:sym typeface="Economica"/>
-              </a:rPr>
-              <a:t>evaluate new systems or make alterations in existing testing services</a:t>
-            </a:r>
-          </a:p>
-          <a:p>
-            <a:pPr lvl="0">
-              <a:spcBef>
-                <a:spcPts val="0"/>
-              </a:spcBef>
-              <a:buClr>
-                <a:schemeClr val="dk1"/>
-              </a:buClr>
-              <a:buFont typeface="Arial"/>
-              <a:buNone/>
-            </a:pPr>
-            <a:r>
-              <a:t/>
-            </a:r>
-            <a:endParaRPr b="1" sz="1800">
-              <a:solidFill>
-                <a:schemeClr val="dk1"/>
-              </a:solidFill>
-            </a:endParaRPr>
-          </a:p>
-        </p:txBody>
-      </p:sp>
-      <p:sp>
-        <p:nvSpPr>
-          <p:cNvPr id="274" name="Shape 274"/>
-          <p:cNvSpPr/>
-          <p:nvPr/>
-        </p:nvSpPr>
-        <p:spPr>
-          <a:xfrm>
-            <a:off x="1021800" y="3094175"/>
-            <a:ext cx="7192800" cy="1062300"/>
-          </a:xfrm>
-          <a:prstGeom prst="flowChartAlternateProcess">
-            <a:avLst/>
-          </a:prstGeom>
-          <a:solidFill>
-            <a:schemeClr val="lt2"/>
-          </a:solidFill>
-          <a:ln cap="flat" cmpd="sng" w="9525">
-            <a:solidFill>
-              <a:schemeClr val="dk2"/>
-            </a:solidFill>
-            <a:prstDash val="solid"/>
-            <a:round/>
-            <a:headEnd len="med" w="med" type="none"/>
-            <a:tailEnd len="med" w="med" type="none"/>
-          </a:ln>
-        </p:spPr>
-        <p:txBody>
-          <a:bodyPr anchorCtr="0" anchor="ctr" bIns="91425" lIns="91425" rIns="91425" tIns="91425">
-            <a:noAutofit/>
-          </a:bodyPr>
-          <a:lstStyle/>
-          <a:p>
-            <a:pPr lvl="0">
-              <a:spcBef>
-                <a:spcPts val="0"/>
-              </a:spcBef>
-              <a:buClr>
-                <a:schemeClr val="dk1"/>
-              </a:buClr>
-              <a:buSzPct val="55000"/>
-              <a:buFont typeface="Arial"/>
-              <a:buNone/>
-            </a:pPr>
-            <a:r>
-              <a:rPr b="1" lang="en" sz="2000">
-                <a:solidFill>
-                  <a:schemeClr val="dk1"/>
-                </a:solidFill>
-                <a:latin typeface="Economica"/>
-                <a:ea typeface="Economica"/>
-                <a:cs typeface="Economica"/>
-                <a:sym typeface="Economica"/>
-              </a:rPr>
-              <a:t>HMW: </a:t>
-            </a:r>
-            <a:r>
-              <a:rPr lang="en" sz="2000">
-                <a:solidFill>
-                  <a:schemeClr val="dk1"/>
-                </a:solidFill>
-                <a:latin typeface="Economica"/>
-                <a:ea typeface="Economica"/>
-                <a:cs typeface="Economica"/>
-                <a:sym typeface="Economica"/>
-              </a:rPr>
-              <a:t>Evaluate new systems quickly </a:t>
-            </a:r>
-          </a:p>
-          <a:p>
-            <a:pPr lvl="0">
-              <a:spcBef>
-                <a:spcPts val="0"/>
-              </a:spcBef>
-              <a:buClr>
-                <a:schemeClr val="dk1"/>
-              </a:buClr>
-              <a:buSzPct val="55000"/>
-              <a:buFont typeface="Arial"/>
-              <a:buNone/>
-            </a:pPr>
-            <a:r>
-              <a:rPr b="1" lang="en" sz="2000">
-                <a:solidFill>
-                  <a:schemeClr val="dk1"/>
-                </a:solidFill>
-                <a:latin typeface="Economica"/>
-                <a:ea typeface="Economica"/>
-                <a:cs typeface="Economica"/>
-                <a:sym typeface="Economica"/>
-              </a:rPr>
-              <a:t>HMW: </a:t>
-            </a:r>
-            <a:r>
-              <a:rPr lang="en" sz="2000">
-                <a:solidFill>
-                  <a:schemeClr val="dk1"/>
-                </a:solidFill>
-                <a:latin typeface="Economica"/>
-                <a:ea typeface="Economica"/>
-                <a:cs typeface="Economica"/>
-                <a:sym typeface="Economica"/>
-              </a:rPr>
-              <a:t>Find appropriate systems that can be used to as a replacement</a:t>
-            </a:r>
-          </a:p>
-          <a:p>
-            <a:pPr lvl="0">
-              <a:spcBef>
-                <a:spcPts val="0"/>
-              </a:spcBef>
-              <a:buClr>
-                <a:schemeClr val="dk1"/>
-              </a:buClr>
-              <a:buSzPct val="55000"/>
-              <a:buFont typeface="Arial"/>
-              <a:buNone/>
-            </a:pPr>
-            <a:r>
-              <a:rPr b="1" lang="en" sz="2000">
-                <a:solidFill>
-                  <a:schemeClr val="dk1"/>
-                </a:solidFill>
-                <a:latin typeface="Economica"/>
-                <a:ea typeface="Economica"/>
-                <a:cs typeface="Economica"/>
-                <a:sym typeface="Economica"/>
-              </a:rPr>
-              <a:t>HMW: </a:t>
-            </a:r>
-            <a:r>
-              <a:rPr lang="en" sz="2000">
-                <a:solidFill>
-                  <a:schemeClr val="dk1"/>
-                </a:solidFill>
-                <a:latin typeface="Economica"/>
-                <a:ea typeface="Economica"/>
-                <a:cs typeface="Economica"/>
-                <a:sym typeface="Economica"/>
-              </a:rPr>
-              <a:t>Allow to make changes quickly to the system</a:t>
             </a:r>
           </a:p>
         </p:txBody>
@@ -14694,7 +15005,7 @@
   <p:cSld>
     <p:spTree>
       <p:nvGrpSpPr>
-        <p:cNvPr id="278" name="Shape 278"/>
+        <p:cNvPr id="277" name="Shape 277"/>
         <p:cNvGrpSpPr/>
         <p:nvPr/>
       </p:nvGrpSpPr>
@@ -14708,7 +15019,7 @@
       </p:grpSpPr>
       <p:sp>
         <p:nvSpPr>
-          <p:cNvPr id="279" name="Shape 279"/>
+          <p:cNvPr id="278" name="Shape 278"/>
           <p:cNvSpPr txBox="1"/>
           <p:nvPr>
             <p:ph type="title"/>
@@ -14716,15 +15027,15 @@
         </p:nvSpPr>
         <p:spPr>
           <a:xfrm>
-            <a:off x="311700" y="957125"/>
-            <a:ext cx="8520600" cy="2128800"/>
+            <a:off x="311700" y="315925"/>
+            <a:ext cx="8520600" cy="831300"/>
           </a:xfrm>
           <a:prstGeom prst="rect">
             <a:avLst/>
           </a:prstGeom>
         </p:spPr>
         <p:txBody>
-          <a:bodyPr anchorCtr="0" anchor="ctr" bIns="91425" lIns="91425" rIns="91425" tIns="91425">
+          <a:bodyPr anchorCtr="0" anchor="b" bIns="91425" lIns="91425" rIns="91425" tIns="91425">
             <a:noAutofit/>
           </a:bodyPr>
           <a:lstStyle/>
@@ -14736,15 +15047,15 @@
               <a:buNone/>
             </a:pPr>
             <a:r>
-              <a:rPr lang="en" sz="7200"/>
-              <a:t>Prototypes</a:t>
-            </a:r>
-          </a:p>
-        </p:txBody>
-      </p:sp>
-      <p:sp>
-        <p:nvSpPr>
-          <p:cNvPr id="280" name="Shape 280"/>
+              <a:rPr lang="en"/>
+              <a:t>Prototype # 1 Crowdsourced Platform Testing </a:t>
+            </a:r>
+          </a:p>
+        </p:txBody>
+      </p:sp>
+      <p:sp>
+        <p:nvSpPr>
+          <p:cNvPr id="279" name="Shape 279"/>
           <p:cNvSpPr txBox="1"/>
           <p:nvPr>
             <p:ph idx="1" type="body"/>
@@ -14752,8 +15063,8 @@
         </p:nvSpPr>
         <p:spPr>
           <a:xfrm>
-            <a:off x="311700" y="3162000"/>
-            <a:ext cx="8520600" cy="1071600"/>
+            <a:off x="311700" y="1225225"/>
+            <a:ext cx="8520600" cy="3354000"/>
           </a:xfrm>
           <a:prstGeom prst="rect">
             <a:avLst/>
@@ -14765,19 +15076,118 @@
           </a:bodyPr>
           <a:lstStyle/>
           <a:p>
-            <a:pPr lvl="0">
-              <a:spcBef>
-                <a:spcPts val="0"/>
-              </a:spcBef>
-              <a:buNone/>
-            </a:pPr>
-            <a:r>
-              <a:rPr lang="en"/>
-              <a:t> </a:t>
-            </a:r>
-          </a:p>
-        </p:txBody>
-      </p:sp>
+            <a:pPr indent="-355600" lvl="0" marL="457200" rtl="0">
+              <a:spcBef>
+                <a:spcPts val="0"/>
+              </a:spcBef>
+              <a:buSzPct val="100000"/>
+            </a:pPr>
+            <a:r>
+              <a:rPr lang="en" sz="2000"/>
+              <a:t>A platform where public</a:t>
+            </a:r>
+            <a:br>
+              <a:rPr lang="en" sz="2000"/>
+            </a:br>
+            <a:r>
+              <a:rPr lang="en" sz="2000"/>
+              <a:t>can rate different tests</a:t>
+            </a:r>
+          </a:p>
+          <a:p>
+            <a:pPr indent="-355600" lvl="0" marL="457200" rtl="0">
+              <a:spcBef>
+                <a:spcPts val="0"/>
+              </a:spcBef>
+              <a:buSzPct val="100000"/>
+            </a:pPr>
+            <a:r>
+              <a:rPr lang="en" sz="2000"/>
+              <a:t>You can take tests to get</a:t>
+            </a:r>
+            <a:br>
+              <a:rPr lang="en" sz="2000"/>
+            </a:br>
+            <a:r>
+              <a:rPr lang="en" sz="2000"/>
+              <a:t> recommendations</a:t>
+            </a:r>
+          </a:p>
+          <a:p>
+            <a:pPr indent="-355600" lvl="0" marL="457200" rtl="0">
+              <a:spcBef>
+                <a:spcPts val="0"/>
+              </a:spcBef>
+              <a:buSzPct val="100000"/>
+            </a:pPr>
+            <a:r>
+              <a:rPr lang="en" sz="2000"/>
+              <a:t>You can get help and </a:t>
+            </a:r>
+            <a:br>
+              <a:rPr lang="en" sz="2000"/>
+            </a:br>
+            <a:r>
+              <a:rPr lang="en" sz="2000"/>
+              <a:t>description of tests</a:t>
+            </a:r>
+          </a:p>
+          <a:p>
+            <a:pPr indent="-355600" lvl="0" marL="457200" rtl="0">
+              <a:spcBef>
+                <a:spcPts val="0"/>
+              </a:spcBef>
+              <a:buSzPct val="100000"/>
+            </a:pPr>
+            <a:r>
+              <a:rPr lang="en" sz="2000"/>
+              <a:t>User will be able to </a:t>
+            </a:r>
+            <a:br>
+              <a:rPr lang="en" sz="2000"/>
+            </a:br>
+            <a:r>
+              <a:rPr lang="en" sz="2000"/>
+              <a:t>Propose changes to </a:t>
+            </a:r>
+            <a:br>
+              <a:rPr lang="en" sz="2000"/>
+            </a:br>
+            <a:r>
+              <a:rPr lang="en" sz="2000"/>
+              <a:t>existing tests</a:t>
+            </a:r>
+          </a:p>
+        </p:txBody>
+      </p:sp>
+      <p:pic>
+        <p:nvPicPr>
+          <p:cNvPr descr="20170320_115836.jpg" id="280" name="Shape 280"/>
+          <p:cNvPicPr preferRelativeResize="0"/>
+          <p:nvPr/>
+        </p:nvPicPr>
+        <p:blipFill>
+          <a:blip r:embed="rId3">
+            <a:alphaModFix/>
+          </a:blip>
+          <a:stretch>
+            <a:fillRect/>
+          </a:stretch>
+        </p:blipFill>
+        <p:spPr>
+          <a:xfrm>
+            <a:off x="4017175" y="1147224"/>
+            <a:ext cx="3938000" cy="3825198"/>
+          </a:xfrm>
+          <a:prstGeom prst="rect">
+            <a:avLst/>
+          </a:prstGeom>
+          <a:noFill/>
+          <a:ln>
+            <a:noFill/>
+          </a:ln>
+        </p:spPr>
+      </p:pic>
     </p:spTree>
   </p:cSld>
   <p:clrMapOvr>
@@ -14833,7 +15243,7 @@
               <a:buNone/>
             </a:pPr>
             <a:r>
-              <a:rPr lang="en"/>
+              <a:rPr lang="en" sz="6000"/>
               <a:t>Who Are We?</a:t>
             </a:r>
           </a:p>
@@ -14849,8 +15259,8 @@
         </p:nvSpPr>
         <p:spPr>
           <a:xfrm>
-            <a:off x="311700" y="1225225"/>
-            <a:ext cx="8520600" cy="3354000"/>
+            <a:off x="311700" y="2402625"/>
+            <a:ext cx="8520600" cy="2176500"/>
           </a:xfrm>
           <a:prstGeom prst="rect">
             <a:avLst/>
@@ -14889,7 +15299,7 @@
                 <a:cs typeface="Economica"/>
                 <a:sym typeface="Economica"/>
               </a:rPr>
-              <a:t>Sarim Zafar    (BSCS-13026)</a:t>
+              <a:t>Sarim Zafar    (Geek would be an understatement)</a:t>
             </a:r>
           </a:p>
           <a:p>
@@ -14920,7 +15330,7 @@
                 <a:cs typeface="Economica"/>
                 <a:sym typeface="Economica"/>
               </a:rPr>
-              <a:t>Ammar Ahmed    (BSCS-13034)</a:t>
+              <a:t>Ammar Ahmed    (MetalHead would be an understatement)</a:t>
             </a:r>
           </a:p>
           <a:p>
@@ -14951,7 +15361,7 @@
                 <a:cs typeface="Economica"/>
                 <a:sym typeface="Economica"/>
               </a:rPr>
-              <a:t>Shahzaib Javed (BSCS-13053)</a:t>
+              <a:t>Shahzaib Javed (Just a body builder)</a:t>
             </a:r>
           </a:p>
           <a:p>
@@ -15039,8 +15449,8 @@
         </p:nvSpPr>
         <p:spPr>
           <a:xfrm>
-            <a:off x="311700" y="315925"/>
-            <a:ext cx="8520600" cy="831300"/>
+            <a:off x="265500" y="929275"/>
+            <a:ext cx="4045200" cy="913500"/>
           </a:xfrm>
           <a:prstGeom prst="rect">
             <a:avLst/>
@@ -15052,7 +15462,7 @@
           </a:bodyPr>
           <a:lstStyle/>
           <a:p>
-            <a:pPr lvl="0">
+            <a:pPr lvl="0" algn="l">
               <a:spcBef>
                 <a:spcPts val="0"/>
               </a:spcBef>
@@ -15060,11 +15470,7 @@
             </a:pPr>
             <a:r>
               <a:rPr lang="en"/>
-              <a:t>C</a:t>
-            </a:r>
-            <a:r>
-              <a:rPr lang="en"/>
-              <a:t>rowdsourcing for validation</a:t>
+              <a:t>Testing method</a:t>
             </a:r>
           </a:p>
         </p:txBody>
@@ -15074,13 +15480,141 @@
           <p:cNvPr id="286" name="Shape 286"/>
           <p:cNvSpPr txBox="1"/>
           <p:nvPr>
-            <p:ph idx="1" type="body"/>
+            <p:ph idx="2" type="body"/>
           </p:nvPr>
         </p:nvSpPr>
         <p:spPr>
           <a:xfrm>
-            <a:off x="311700" y="1225225"/>
-            <a:ext cx="8520600" cy="3354000"/>
+            <a:off x="4939500" y="724200"/>
+            <a:ext cx="3837000" cy="3695100"/>
+          </a:xfrm>
+          <a:prstGeom prst="rect">
+            <a:avLst/>
+          </a:prstGeom>
+        </p:spPr>
+        <p:txBody>
+          <a:bodyPr anchorCtr="0" anchor="ctr" bIns="91425" lIns="91425" rIns="91425" tIns="91425">
+            <a:noAutofit/>
+          </a:bodyPr>
+          <a:lstStyle/>
+          <a:p>
+            <a:pPr lvl="0" rtl="0">
+              <a:spcBef>
+                <a:spcPts val="0"/>
+              </a:spcBef>
+              <a:buNone/>
+            </a:pPr>
+            <a:r>
+              <a:rPr lang="en" sz="4200">
+                <a:solidFill>
+                  <a:srgbClr val="FFFFFF"/>
+                </a:solidFill>
+                <a:latin typeface="Economica"/>
+                <a:ea typeface="Economica"/>
+                <a:cs typeface="Economica"/>
+                <a:sym typeface="Economica"/>
+              </a:rPr>
+              <a:t>Assumption</a:t>
+            </a:r>
+          </a:p>
+          <a:p>
+            <a:pPr indent="-228600" lvl="0" marL="457200" rtl="0">
+              <a:spcBef>
+                <a:spcPts val="0"/>
+              </a:spcBef>
+              <a:spcAft>
+                <a:spcPts val="0"/>
+              </a:spcAft>
+              <a:buClr>
+                <a:srgbClr val="FFFFFF"/>
+              </a:buClr>
+            </a:pPr>
+            <a:r>
+              <a:rPr lang="en">
+                <a:solidFill>
+                  <a:srgbClr val="FFFFFF"/>
+                </a:solidFill>
+              </a:rPr>
+              <a:t>User wants to test his abilities</a:t>
+            </a:r>
+          </a:p>
+          <a:p>
+            <a:pPr indent="-228600" lvl="0" marL="457200" rtl="0">
+              <a:spcBef>
+                <a:spcPts val="0"/>
+              </a:spcBef>
+              <a:spcAft>
+                <a:spcPts val="0"/>
+              </a:spcAft>
+              <a:buClr>
+                <a:srgbClr val="FFFFFF"/>
+              </a:buClr>
+            </a:pPr>
+            <a:r>
+              <a:rPr lang="en">
+                <a:solidFill>
+                  <a:srgbClr val="FFFFFF"/>
+                </a:solidFill>
+              </a:rPr>
+              <a:t>User has access to internet</a:t>
+            </a:r>
+          </a:p>
+          <a:p>
+            <a:pPr indent="-228600" lvl="0" marL="457200" rtl="0">
+              <a:spcBef>
+                <a:spcPts val="0"/>
+              </a:spcBef>
+              <a:spcAft>
+                <a:spcPts val="0"/>
+              </a:spcAft>
+              <a:buClr>
+                <a:srgbClr val="FFFFFF"/>
+              </a:buClr>
+            </a:pPr>
+            <a:r>
+              <a:rPr lang="en">
+                <a:solidFill>
+                  <a:srgbClr val="FFFFFF"/>
+                </a:solidFill>
+              </a:rPr>
+              <a:t>The user will feel that he has made some kind of contribution</a:t>
+            </a:r>
+          </a:p>
+          <a:p>
+            <a:pPr indent="-228600" lvl="0" marL="457200" rtl="0">
+              <a:spcBef>
+                <a:spcPts val="0"/>
+              </a:spcBef>
+              <a:spcAft>
+                <a:spcPts val="0"/>
+              </a:spcAft>
+              <a:buClr>
+                <a:srgbClr val="FFFFFF"/>
+              </a:buClr>
+            </a:pPr>
+            <a:r>
+              <a:rPr lang="en">
+                <a:solidFill>
+                  <a:srgbClr val="FFFFFF"/>
+                </a:solidFill>
+              </a:rPr>
+              <a:t>Designers will get feedback quickly</a:t>
+            </a:r>
+          </a:p>
+        </p:txBody>
+      </p:sp>
+      <p:sp>
+        <p:nvSpPr>
+          <p:cNvPr id="287" name="Shape 287"/>
+          <p:cNvSpPr txBox="1"/>
+          <p:nvPr>
+            <p:ph idx="1" type="subTitle"/>
+          </p:nvPr>
+        </p:nvSpPr>
+        <p:spPr>
+          <a:xfrm>
+            <a:off x="265500" y="1842774"/>
+            <a:ext cx="4045200" cy="2180999"/>
           </a:xfrm>
           <a:prstGeom prst="rect">
             <a:avLst/>
@@ -15092,6 +15626,161 @@
           </a:bodyPr>
           <a:lstStyle/>
           <a:p>
+            <a:pPr indent="-342900" lvl="0" marL="457200" rtl="0" algn="l">
+              <a:lnSpc>
+                <a:spcPct val="115000"/>
+              </a:lnSpc>
+              <a:spcBef>
+                <a:spcPts val="0"/>
+              </a:spcBef>
+              <a:spcAft>
+                <a:spcPts val="1600"/>
+              </a:spcAft>
+              <a:buClr>
+                <a:srgbClr val="000000"/>
+              </a:buClr>
+              <a:buSzPct val="100000"/>
+              <a:buFont typeface="Arial"/>
+              <a:buChar char="●"/>
+            </a:pPr>
+            <a:r>
+              <a:rPr b="0" lang="en" sz="1800">
+                <a:solidFill>
+                  <a:srgbClr val="000000"/>
+                </a:solidFill>
+                <a:latin typeface="Open Sans"/>
+                <a:ea typeface="Open Sans"/>
+                <a:cs typeface="Open Sans"/>
+                <a:sym typeface="Open Sans"/>
+              </a:rPr>
+              <a:t>Give a brief intro to user</a:t>
+            </a:r>
+          </a:p>
+          <a:p>
+            <a:pPr indent="-342900" lvl="0" marL="457200" rtl="0" algn="l">
+              <a:lnSpc>
+                <a:spcPct val="115000"/>
+              </a:lnSpc>
+              <a:spcBef>
+                <a:spcPts val="0"/>
+              </a:spcBef>
+              <a:spcAft>
+                <a:spcPts val="1600"/>
+              </a:spcAft>
+              <a:buClr>
+                <a:srgbClr val="000000"/>
+              </a:buClr>
+              <a:buSzPct val="100000"/>
+              <a:buFont typeface="Arial"/>
+              <a:buChar char="●"/>
+            </a:pPr>
+            <a:r>
+              <a:rPr b="0" lang="en" sz="1800">
+                <a:solidFill>
+                  <a:srgbClr val="000000"/>
+                </a:solidFill>
+                <a:latin typeface="Open Sans"/>
+                <a:ea typeface="Open Sans"/>
+                <a:cs typeface="Open Sans"/>
+                <a:sym typeface="Open Sans"/>
+              </a:rPr>
+              <a:t>Give a very rough draft of the site</a:t>
+            </a:r>
+          </a:p>
+          <a:p>
+            <a:pPr indent="-342900" lvl="0" marL="457200" rtl="0" algn="l">
+              <a:lnSpc>
+                <a:spcPct val="115000"/>
+              </a:lnSpc>
+              <a:spcBef>
+                <a:spcPts val="0"/>
+              </a:spcBef>
+              <a:spcAft>
+                <a:spcPts val="1600"/>
+              </a:spcAft>
+              <a:buClr>
+                <a:srgbClr val="000000"/>
+              </a:buClr>
+              <a:buSzPct val="100000"/>
+              <a:buFont typeface="Arial"/>
+              <a:buChar char="●"/>
+            </a:pPr>
+            <a:r>
+              <a:rPr b="0" lang="en" sz="1800">
+                <a:solidFill>
+                  <a:srgbClr val="000000"/>
+                </a:solidFill>
+                <a:latin typeface="Open Sans"/>
+                <a:ea typeface="Open Sans"/>
+                <a:cs typeface="Open Sans"/>
+                <a:sym typeface="Open Sans"/>
+              </a:rPr>
+              <a:t>We let them explore, what they can explore, unaided</a:t>
+            </a:r>
+          </a:p>
+          <a:p>
+            <a:pPr indent="-342900" lvl="0" marL="457200" rtl="0" algn="l">
+              <a:lnSpc>
+                <a:spcPct val="115000"/>
+              </a:lnSpc>
+              <a:spcBef>
+                <a:spcPts val="0"/>
+              </a:spcBef>
+              <a:spcAft>
+                <a:spcPts val="1600"/>
+              </a:spcAft>
+              <a:buClr>
+                <a:srgbClr val="000000"/>
+              </a:buClr>
+              <a:buSzPct val="100000"/>
+              <a:buFont typeface="Arial"/>
+              <a:buChar char="●"/>
+            </a:pPr>
+            <a:r>
+              <a:rPr b="0" lang="en" sz="1800">
+                <a:solidFill>
+                  <a:srgbClr val="000000"/>
+                </a:solidFill>
+                <a:latin typeface="Open Sans"/>
+                <a:ea typeface="Open Sans"/>
+                <a:cs typeface="Open Sans"/>
+                <a:sym typeface="Open Sans"/>
+              </a:rPr>
+              <a:t>Let them question design choices and features</a:t>
+            </a:r>
+          </a:p>
+          <a:p>
+            <a:pPr lvl="0" rtl="0" algn="l">
+              <a:lnSpc>
+                <a:spcPct val="115000"/>
+              </a:lnSpc>
+              <a:spcBef>
+                <a:spcPts val="0"/>
+              </a:spcBef>
+              <a:spcAft>
+                <a:spcPts val="1600"/>
+              </a:spcAft>
+              <a:buClr>
+                <a:schemeClr val="dk1"/>
+              </a:buClr>
+              <a:buSzPct val="61111"/>
+              <a:buFont typeface="Arial"/>
+              <a:buNone/>
+            </a:pPr>
+            <a:r>
+              <a:t/>
+            </a:r>
+            <a:endParaRPr b="0" sz="1800">
+              <a:solidFill>
+                <a:srgbClr val="000000"/>
+              </a:solidFill>
+              <a:latin typeface="Open Sans"/>
+              <a:ea typeface="Open Sans"/>
+              <a:cs typeface="Open Sans"/>
+              <a:sym typeface="Open Sans"/>
+            </a:endParaRPr>
+          </a:p>
+          <a:p>
             <a:pPr lvl="0">
               <a:spcBef>
                 <a:spcPts val="0"/>
@@ -15099,17 +15788,17 @@
               <a:buNone/>
             </a:pPr>
             <a:r>
-              <a:rPr lang="en"/>
-              <a:t>A platform where people can give feedback and </a:t>
-            </a:r>
-            <a:r>
-              <a:rPr lang="en"/>
-              <a:t>critique</a:t>
-            </a:r>
-            <a:r>
-              <a:rPr lang="en"/>
-              <a:t> testing systems</a:t>
-            </a:r>
+              <a:t/>
+            </a:r>
+            <a:endParaRPr b="0" sz="1800">
+              <a:solidFill>
+                <a:srgbClr val="000000"/>
+              </a:solidFill>
+              <a:latin typeface="Open Sans"/>
+              <a:ea typeface="Open Sans"/>
+              <a:cs typeface="Open Sans"/>
+              <a:sym typeface="Open Sans"/>
+            </a:endParaRPr>
           </a:p>
         </p:txBody>
       </p:sp>
@@ -15126,7 +15815,7 @@
   <p:cSld>
     <p:spTree>
       <p:nvGrpSpPr>
-        <p:cNvPr id="290" name="Shape 290"/>
+        <p:cNvPr id="291" name="Shape 291"/>
         <p:cNvGrpSpPr/>
         <p:nvPr/>
       </p:nvGrpSpPr>
@@ -15140,7 +15829,7 @@
       </p:grpSpPr>
       <p:sp>
         <p:nvSpPr>
-          <p:cNvPr id="291" name="Shape 291"/>
+          <p:cNvPr id="292" name="Shape 292"/>
           <p:cNvSpPr txBox="1"/>
           <p:nvPr>
             <p:ph type="title"/>
@@ -15168,15 +15857,15 @@
               <a:buNone/>
             </a:pPr>
             <a:r>
-              <a:rPr lang="en"/>
-              <a:t>App for </a:t>
-            </a:r>
-            <a:r>
-              <a:rPr lang="en"/>
+              <a:rPr lang="en" sz="3000"/>
+              <a:t>Prototype # 2 App for </a:t>
+            </a:r>
+            <a:r>
+              <a:rPr lang="en" sz="3000"/>
               <a:t>aptitude</a:t>
             </a:r>
             <a:r>
-              <a:rPr lang="en"/>
+              <a:rPr lang="en" sz="3000"/>
               <a:t> testing</a:t>
             </a:r>
           </a:p>
@@ -15184,7 +15873,7 @@
       </p:sp>
       <p:sp>
         <p:nvSpPr>
-          <p:cNvPr id="292" name="Shape 292"/>
+          <p:cNvPr id="293" name="Shape 293"/>
           <p:cNvSpPr txBox="1"/>
           <p:nvPr>
             <p:ph idx="1" type="body"/>
@@ -15238,8 +15927,81 @@
               <a:t>Skill sets</a:t>
             </a:r>
           </a:p>
-        </p:txBody>
-      </p:sp>
+          <a:p>
+            <a:pPr indent="-228600" lvl="0" marL="457200" rtl="0">
+              <a:spcBef>
+                <a:spcPts val="0"/>
+              </a:spcBef>
+            </a:pPr>
+            <a:r>
+              <a:rPr lang="en"/>
+              <a:t>Gives you recommendation of different</a:t>
+            </a:r>
+            <a:br>
+              <a:rPr lang="en"/>
+            </a:br>
+            <a:r>
+              <a:rPr lang="en"/>
+              <a:t>j</a:t>
+            </a:r>
+            <a:r>
+              <a:rPr lang="en"/>
+              <a:t>obs and different based on score of the </a:t>
+            </a:r>
+            <a:br>
+              <a:rPr lang="en"/>
+            </a:br>
+            <a:r>
+              <a:rPr lang="en"/>
+              <a:t>t</a:t>
+            </a:r>
+            <a:r>
+              <a:rPr lang="en"/>
+              <a:t>est. </a:t>
+            </a:r>
+          </a:p>
+          <a:p>
+            <a:pPr lvl="0" rtl="0">
+              <a:spcBef>
+                <a:spcPts val="0"/>
+              </a:spcBef>
+              <a:buNone/>
+            </a:pPr>
+            <a:r>
+              <a:t/>
+            </a:r>
+            <a:endParaRPr/>
+          </a:p>
+        </p:txBody>
+      </p:sp>
+      <p:pic>
+        <p:nvPicPr>
+          <p:cNvPr descr="20170320_115504.jpg" id="294" name="Shape 294"/>
+          <p:cNvPicPr preferRelativeResize="0"/>
+          <p:nvPr/>
+        </p:nvPicPr>
+        <p:blipFill>
+          <a:blip r:embed="rId3">
+            <a:alphaModFix/>
+          </a:blip>
+          <a:stretch>
+            <a:fillRect/>
+          </a:stretch>
+        </p:blipFill>
+        <p:spPr>
+          <a:xfrm>
+            <a:off x="5588275" y="233800"/>
+            <a:ext cx="3292873" cy="4675901"/>
+          </a:xfrm>
+          <a:prstGeom prst="rect">
+            <a:avLst/>
+          </a:prstGeom>
+          <a:noFill/>
+          <a:ln>
+            <a:noFill/>
+          </a:ln>
+        </p:spPr>
+      </p:pic>
     </p:spTree>
   </p:cSld>
   <p:clrMapOvr>
@@ -15253,7 +16015,7 @@
   <p:cSld>
     <p:spTree>
       <p:nvGrpSpPr>
-        <p:cNvPr id="296" name="Shape 296"/>
+        <p:cNvPr id="298" name="Shape 298"/>
         <p:cNvGrpSpPr/>
         <p:nvPr/>
       </p:nvGrpSpPr>
@@ -15267,7 +16029,7 @@
       </p:grpSpPr>
       <p:sp>
         <p:nvSpPr>
-          <p:cNvPr id="297" name="Shape 297"/>
+          <p:cNvPr id="299" name="Shape 299"/>
           <p:cNvSpPr txBox="1"/>
           <p:nvPr>
             <p:ph type="title"/>
@@ -15275,8 +16037,8 @@
         </p:nvSpPr>
         <p:spPr>
           <a:xfrm>
-            <a:off x="311700" y="315925"/>
-            <a:ext cx="8520600" cy="831300"/>
+            <a:off x="265500" y="929275"/>
+            <a:ext cx="4045200" cy="913500"/>
           </a:xfrm>
           <a:prstGeom prst="rect">
             <a:avLst/>
@@ -15288,6 +16050,42 @@
           </a:bodyPr>
           <a:lstStyle/>
           <a:p>
+            <a:pPr lvl="0" rtl="0" algn="l">
+              <a:spcBef>
+                <a:spcPts val="0"/>
+              </a:spcBef>
+              <a:buNone/>
+            </a:pPr>
+            <a:r>
+              <a:rPr lang="en"/>
+              <a:t>Testing method</a:t>
+            </a:r>
+          </a:p>
+        </p:txBody>
+      </p:sp>
+      <p:sp>
+        <p:nvSpPr>
+          <p:cNvPr id="300" name="Shape 300"/>
+          <p:cNvSpPr txBox="1"/>
+          <p:nvPr>
+            <p:ph idx="2" type="body"/>
+          </p:nvPr>
+        </p:nvSpPr>
+        <p:spPr>
+          <a:xfrm>
+            <a:off x="4997800" y="654225"/>
+            <a:ext cx="3837000" cy="3695100"/>
+          </a:xfrm>
+          <a:prstGeom prst="rect">
+            <a:avLst/>
+          </a:prstGeom>
+        </p:spPr>
+        <p:txBody>
+          <a:bodyPr anchorCtr="0" anchor="ctr" bIns="91425" lIns="91425" rIns="91425" tIns="91425">
+            <a:noAutofit/>
+          </a:bodyPr>
+          <a:lstStyle/>
+          <a:p>
             <a:pPr lvl="0" rtl="0">
               <a:spcBef>
                 <a:spcPts val="0"/>
@@ -15295,15 +16093,376 @@
               <a:buNone/>
             </a:pPr>
             <a:r>
+              <a:rPr lang="en" sz="4200">
+                <a:solidFill>
+                  <a:srgbClr val="FFFFFF"/>
+                </a:solidFill>
+                <a:latin typeface="Economica"/>
+                <a:ea typeface="Economica"/>
+                <a:cs typeface="Economica"/>
+                <a:sym typeface="Economica"/>
+              </a:rPr>
+              <a:t>Assumption</a:t>
+            </a:r>
+          </a:p>
+          <a:p>
+            <a:pPr indent="-228600" lvl="0" marL="457200" rtl="0">
+              <a:spcBef>
+                <a:spcPts val="0"/>
+              </a:spcBef>
+              <a:spcAft>
+                <a:spcPts val="0"/>
+              </a:spcAft>
+              <a:buClr>
+                <a:srgbClr val="FFFFFF"/>
+              </a:buClr>
+            </a:pPr>
+            <a:r>
+              <a:rPr lang="en">
+                <a:solidFill>
+                  <a:srgbClr val="FFFFFF"/>
+                </a:solidFill>
+              </a:rPr>
+              <a:t>User wants to test his abilities</a:t>
+            </a:r>
+          </a:p>
+          <a:p>
+            <a:pPr indent="-228600" lvl="0" marL="457200" rtl="0">
+              <a:spcBef>
+                <a:spcPts val="0"/>
+              </a:spcBef>
+              <a:spcAft>
+                <a:spcPts val="0"/>
+              </a:spcAft>
+              <a:buClr>
+                <a:srgbClr val="FFFFFF"/>
+              </a:buClr>
+            </a:pPr>
+            <a:r>
+              <a:rPr lang="en">
+                <a:solidFill>
+                  <a:srgbClr val="FFFFFF"/>
+                </a:solidFill>
+              </a:rPr>
+              <a:t>The user will find appropriate field after giving the exams</a:t>
+            </a:r>
+          </a:p>
+          <a:p>
+            <a:pPr indent="-228600" lvl="0" marL="457200" rtl="0">
+              <a:spcBef>
+                <a:spcPts val="0"/>
+              </a:spcBef>
+              <a:spcAft>
+                <a:spcPts val="0"/>
+              </a:spcAft>
+              <a:buClr>
+                <a:srgbClr val="FFFFFF"/>
+              </a:buClr>
+            </a:pPr>
+            <a:r>
+              <a:rPr lang="en">
+                <a:solidFill>
+                  <a:srgbClr val="FFFFFF"/>
+                </a:solidFill>
+              </a:rPr>
+              <a:t>Users have smartphone</a:t>
+            </a:r>
+          </a:p>
+          <a:p>
+            <a:pPr indent="-228600" lvl="0" marL="457200" rtl="0">
+              <a:spcBef>
+                <a:spcPts val="0"/>
+              </a:spcBef>
+              <a:spcAft>
+                <a:spcPts val="0"/>
+              </a:spcAft>
+              <a:buClr>
+                <a:srgbClr val="FFFFFF"/>
+              </a:buClr>
+            </a:pPr>
+            <a:r>
+              <a:rPr lang="en">
+                <a:solidFill>
+                  <a:srgbClr val="FFFFFF"/>
+                </a:solidFill>
+              </a:rPr>
+              <a:t>Test taking experience will be friendly</a:t>
+            </a:r>
+          </a:p>
+          <a:p>
+            <a:pPr indent="-228600" lvl="0" marL="457200" rtl="0">
+              <a:spcBef>
+                <a:spcPts val="0"/>
+              </a:spcBef>
+              <a:spcAft>
+                <a:spcPts val="0"/>
+              </a:spcAft>
+              <a:buClr>
+                <a:srgbClr val="FFFFFF"/>
+              </a:buClr>
+            </a:pPr>
+            <a:r>
+              <a:rPr lang="en">
+                <a:solidFill>
+                  <a:srgbClr val="FFFFFF"/>
+                </a:solidFill>
+              </a:rPr>
+              <a:t>The app will give a good assesment of his abilities</a:t>
+            </a:r>
+          </a:p>
+        </p:txBody>
+      </p:sp>
+      <p:sp>
+        <p:nvSpPr>
+          <p:cNvPr id="301" name="Shape 301"/>
+          <p:cNvSpPr txBox="1"/>
+          <p:nvPr>
+            <p:ph idx="1" type="subTitle"/>
+          </p:nvPr>
+        </p:nvSpPr>
+        <p:spPr>
+          <a:xfrm>
+            <a:off x="265500" y="1842774"/>
+            <a:ext cx="4045200" cy="2180999"/>
+          </a:xfrm>
+          <a:prstGeom prst="rect">
+            <a:avLst/>
+          </a:prstGeom>
+        </p:spPr>
+        <p:txBody>
+          <a:bodyPr anchorCtr="0" anchor="t" bIns="91425" lIns="91425" rIns="91425" tIns="91425">
+            <a:noAutofit/>
+          </a:bodyPr>
+          <a:lstStyle/>
+          <a:p>
+            <a:pPr indent="-342900" lvl="0" marL="457200" rtl="0" algn="l">
+              <a:lnSpc>
+                <a:spcPct val="115000"/>
+              </a:lnSpc>
+              <a:spcBef>
+                <a:spcPts val="0"/>
+              </a:spcBef>
+              <a:spcAft>
+                <a:spcPts val="1600"/>
+              </a:spcAft>
+              <a:buSzPct val="100000"/>
+              <a:buFont typeface="Arial"/>
+              <a:buChar char="●"/>
+            </a:pPr>
+            <a:r>
+              <a:rPr b="0" lang="en" sz="1800">
+                <a:solidFill>
+                  <a:schemeClr val="dk1"/>
+                </a:solidFill>
+                <a:latin typeface="Open Sans"/>
+                <a:ea typeface="Open Sans"/>
+                <a:cs typeface="Open Sans"/>
+                <a:sym typeface="Open Sans"/>
+              </a:rPr>
+              <a:t>Give a brief intro to user</a:t>
+            </a:r>
+          </a:p>
+          <a:p>
+            <a:pPr indent="-342900" lvl="0" marL="457200" rtl="0" algn="l">
+              <a:lnSpc>
+                <a:spcPct val="115000"/>
+              </a:lnSpc>
+              <a:spcBef>
+                <a:spcPts val="0"/>
+              </a:spcBef>
+              <a:spcAft>
+                <a:spcPts val="1600"/>
+              </a:spcAft>
+              <a:buSzPct val="100000"/>
+              <a:buFont typeface="Arial"/>
+              <a:buChar char="●"/>
+            </a:pPr>
+            <a:r>
+              <a:rPr b="0" lang="en" sz="1800">
+                <a:solidFill>
+                  <a:schemeClr val="dk1"/>
+                </a:solidFill>
+                <a:latin typeface="Open Sans"/>
+                <a:ea typeface="Open Sans"/>
+                <a:cs typeface="Open Sans"/>
+                <a:sym typeface="Open Sans"/>
+              </a:rPr>
+              <a:t>Give a very rough draft of the App</a:t>
+            </a:r>
+          </a:p>
+          <a:p>
+            <a:pPr indent="-342900" lvl="0" marL="457200" rtl="0" algn="l">
+              <a:lnSpc>
+                <a:spcPct val="115000"/>
+              </a:lnSpc>
+              <a:spcBef>
+                <a:spcPts val="0"/>
+              </a:spcBef>
+              <a:spcAft>
+                <a:spcPts val="1600"/>
+              </a:spcAft>
+              <a:buSzPct val="100000"/>
+              <a:buFont typeface="Arial"/>
+              <a:buChar char="●"/>
+            </a:pPr>
+            <a:r>
+              <a:rPr b="0" lang="en" sz="1800">
+                <a:solidFill>
+                  <a:schemeClr val="dk1"/>
+                </a:solidFill>
+                <a:latin typeface="Open Sans"/>
+                <a:ea typeface="Open Sans"/>
+                <a:cs typeface="Open Sans"/>
+                <a:sym typeface="Open Sans"/>
+              </a:rPr>
+              <a:t>Let them question design choices and features</a:t>
+            </a:r>
+          </a:p>
+          <a:p>
+            <a:pPr indent="-342900" lvl="0" marL="457200" rtl="0" algn="l">
+              <a:lnSpc>
+                <a:spcPct val="115000"/>
+              </a:lnSpc>
+              <a:spcBef>
+                <a:spcPts val="0"/>
+              </a:spcBef>
+              <a:spcAft>
+                <a:spcPts val="1600"/>
+              </a:spcAft>
+              <a:buSzPct val="100000"/>
+              <a:buFont typeface="Arial"/>
+              <a:buChar char="●"/>
+            </a:pPr>
+            <a:r>
+              <a:rPr b="0" lang="en" sz="1800">
+                <a:solidFill>
+                  <a:schemeClr val="dk1"/>
+                </a:solidFill>
+                <a:latin typeface="Open Sans"/>
+                <a:ea typeface="Open Sans"/>
+                <a:cs typeface="Open Sans"/>
+                <a:sym typeface="Open Sans"/>
+              </a:rPr>
+              <a:t>We asked them what they have learned or what they can do from this app</a:t>
+            </a:r>
+          </a:p>
+          <a:p>
+            <a:pPr lvl="0" rtl="0" algn="l">
+              <a:lnSpc>
+                <a:spcPct val="115000"/>
+              </a:lnSpc>
+              <a:spcBef>
+                <a:spcPts val="0"/>
+              </a:spcBef>
+              <a:spcAft>
+                <a:spcPts val="1600"/>
+              </a:spcAft>
+              <a:buClr>
+                <a:schemeClr val="dk1"/>
+              </a:buClr>
+              <a:buSzPct val="61111"/>
+              <a:buFont typeface="Arial"/>
+              <a:buNone/>
+            </a:pPr>
+            <a:r>
+              <a:t/>
+            </a:r>
+            <a:endParaRPr b="0" sz="1800">
+              <a:solidFill>
+                <a:schemeClr val="dk1"/>
+              </a:solidFill>
+              <a:latin typeface="Open Sans"/>
+              <a:ea typeface="Open Sans"/>
+              <a:cs typeface="Open Sans"/>
+              <a:sym typeface="Open Sans"/>
+            </a:endParaRPr>
+          </a:p>
+          <a:p>
+            <a:pPr lvl="0" rtl="0">
+              <a:spcBef>
+                <a:spcPts val="0"/>
+              </a:spcBef>
+              <a:buNone/>
+            </a:pPr>
+            <a:r>
+              <a:t/>
+            </a:r>
+            <a:endParaRPr b="0" sz="1800">
+              <a:solidFill>
+                <a:srgbClr val="000000"/>
+              </a:solidFill>
+              <a:latin typeface="Open Sans"/>
+              <a:ea typeface="Open Sans"/>
+              <a:cs typeface="Open Sans"/>
+              <a:sym typeface="Open Sans"/>
+            </a:endParaRPr>
+          </a:p>
+        </p:txBody>
+      </p:sp>
+    </p:spTree>
+  </p:cSld>
+  <p:clrMapOvr>
+    <a:masterClrMapping/>
+  </p:clrMapOvr>
+</p:sld>
+</file>
+
+<file path=ppt/slides/slide23.xml><?xml version="1.0" encoding="utf-8"?>
+<p:sld xmlns:a="http://schemas.openxmlformats.org/drawingml/2006/main" xmlns:r="http://schemas.openxmlformats.org/officeDocument/2006/relationships" xmlns:mc="http://schemas.openxmlformats.org/markup-compatibility/2006" xmlns:mv="urn:schemas-microsoft-com:mac:vml" xmlns:p="http://schemas.openxmlformats.org/presentationml/2006/main" xmlns:c="http://schemas.openxmlformats.org/drawingml/2006/chart" xmlns:dgm="http://schemas.openxmlformats.org/drawingml/2006/diagram" xmlns:o="urn:schemas-microsoft-com:office:office" xmlns:v="urn:schemas-microsoft-com:vml" xmlns:pvml="urn:schemas-microsoft-com:office:powerpoint" xmlns:com="http://schemas.openxmlformats.org/drawingml/2006/compatibility" xmlns:p14="http://schemas.microsoft.com/office/powerpoint/2010/main">
+  <p:cSld>
+    <p:spTree>
+      <p:nvGrpSpPr>
+        <p:cNvPr id="305" name="Shape 305"/>
+        <p:cNvGrpSpPr/>
+        <p:nvPr/>
+      </p:nvGrpSpPr>
+      <p:grpSpPr>
+        <a:xfrm>
+          <a:off x="0" y="0"/>
+          <a:ext cx="0" cy="0"/>
+          <a:chOff x="0" y="0"/>
+          <a:chExt cx="0" cy="0"/>
+        </a:xfrm>
+      </p:grpSpPr>
+      <p:sp>
+        <p:nvSpPr>
+          <p:cNvPr id="306" name="Shape 306"/>
+          <p:cNvSpPr txBox="1"/>
+          <p:nvPr>
+            <p:ph type="title"/>
+          </p:nvPr>
+        </p:nvSpPr>
+        <p:spPr>
+          <a:xfrm>
+            <a:off x="311700" y="315925"/>
+            <a:ext cx="8520600" cy="831300"/>
+          </a:xfrm>
+          <a:prstGeom prst="rect">
+            <a:avLst/>
+          </a:prstGeom>
+        </p:spPr>
+        <p:txBody>
+          <a:bodyPr anchorCtr="0" anchor="b" bIns="91425" lIns="91425" rIns="91425" tIns="91425">
+            <a:noAutofit/>
+          </a:bodyPr>
+          <a:lstStyle/>
+          <a:p>
+            <a:pPr lvl="0" rtl="0">
+              <a:spcBef>
+                <a:spcPts val="0"/>
+              </a:spcBef>
+              <a:buNone/>
+            </a:pPr>
+            <a:r>
               <a:rPr lang="en"/>
-              <a:t>An online for test taking</a:t>
-            </a:r>
-          </a:p>
-        </p:txBody>
-      </p:sp>
-      <p:sp>
-        <p:nvSpPr>
-          <p:cNvPr id="298" name="Shape 298"/>
+              <a:t>Prototype # 3 An online portal for test taking</a:t>
+            </a:r>
+          </a:p>
+        </p:txBody>
+      </p:sp>
+      <p:sp>
+        <p:nvSpPr>
+          <p:cNvPr id="307" name="Shape 307"/>
           <p:cNvSpPr txBox="1"/>
           <p:nvPr>
             <p:ph idx="1" type="body"/>
@@ -15324,16 +16483,846 @@
           </a:bodyPr>
           <a:lstStyle/>
           <a:p>
-            <a:pPr lvl="0" rtl="0">
-              <a:spcBef>
-                <a:spcPts val="0"/>
-              </a:spcBef>
-              <a:buNone/>
+            <a:pPr indent="-228600" lvl="0" marL="457200" rtl="0">
+              <a:spcBef>
+                <a:spcPts val="0"/>
+              </a:spcBef>
             </a:pPr>
             <a:r>
               <a:rPr lang="en"/>
               <a:t>The test will be based on GRE/LSAT</a:t>
             </a:r>
+          </a:p>
+          <a:p>
+            <a:pPr indent="-228600" lvl="0" marL="457200" rtl="0">
+              <a:spcBef>
+                <a:spcPts val="0"/>
+              </a:spcBef>
+            </a:pPr>
+            <a:r>
+              <a:rPr lang="en"/>
+              <a:t>Use existing tests for </a:t>
+            </a:r>
+            <a:br>
+              <a:rPr lang="en"/>
+            </a:br>
+            <a:r>
+              <a:rPr lang="en"/>
+              <a:t>e</a:t>
+            </a:r>
+            <a:r>
+              <a:rPr lang="en"/>
+              <a:t>valuating capabilities and </a:t>
+            </a:r>
+            <a:br>
+              <a:rPr lang="en"/>
+            </a:br>
+            <a:r>
+              <a:rPr lang="en"/>
+              <a:t>s</a:t>
+            </a:r>
+            <a:r>
+              <a:rPr lang="en"/>
+              <a:t>kills. </a:t>
+            </a:r>
+          </a:p>
+        </p:txBody>
+      </p:sp>
+      <p:pic>
+        <p:nvPicPr>
+          <p:cNvPr descr="20170320_115910.jpg" id="308" name="Shape 308"/>
+          <p:cNvPicPr preferRelativeResize="0"/>
+          <p:nvPr/>
+        </p:nvPicPr>
+        <p:blipFill>
+          <a:blip r:embed="rId3">
+            <a:alphaModFix/>
+          </a:blip>
+          <a:stretch>
+            <a:fillRect/>
+          </a:stretch>
+        </p:blipFill>
+        <p:spPr>
+          <a:xfrm>
+            <a:off x="4228750" y="1744900"/>
+            <a:ext cx="4603552" cy="3193297"/>
+          </a:xfrm>
+          <a:prstGeom prst="rect">
+            <a:avLst/>
+          </a:prstGeom>
+          <a:noFill/>
+          <a:ln>
+            <a:noFill/>
+          </a:ln>
+        </p:spPr>
+      </p:pic>
+    </p:spTree>
+  </p:cSld>
+  <p:clrMapOvr>
+    <a:masterClrMapping/>
+  </p:clrMapOvr>
+</p:sld>
+</file>
+
+<file path=ppt/slides/slide24.xml><?xml version="1.0" encoding="utf-8"?>
+<p:sld xmlns:a="http://schemas.openxmlformats.org/drawingml/2006/main" xmlns:r="http://schemas.openxmlformats.org/officeDocument/2006/relationships" xmlns:mc="http://schemas.openxmlformats.org/markup-compatibility/2006" xmlns:mv="urn:schemas-microsoft-com:mac:vml" xmlns:p="http://schemas.openxmlformats.org/presentationml/2006/main" xmlns:c="http://schemas.openxmlformats.org/drawingml/2006/chart" xmlns:dgm="http://schemas.openxmlformats.org/drawingml/2006/diagram" xmlns:o="urn:schemas-microsoft-com:office:office" xmlns:v="urn:schemas-microsoft-com:vml" xmlns:pvml="urn:schemas-microsoft-com:office:powerpoint" xmlns:com="http://schemas.openxmlformats.org/drawingml/2006/compatibility" xmlns:p14="http://schemas.microsoft.com/office/powerpoint/2010/main">
+  <p:cSld>
+    <p:spTree>
+      <p:nvGrpSpPr>
+        <p:cNvPr id="312" name="Shape 312"/>
+        <p:cNvGrpSpPr/>
+        <p:nvPr/>
+      </p:nvGrpSpPr>
+      <p:grpSpPr>
+        <a:xfrm>
+          <a:off x="0" y="0"/>
+          <a:ext cx="0" cy="0"/>
+          <a:chOff x="0" y="0"/>
+          <a:chExt cx="0" cy="0"/>
+        </a:xfrm>
+      </p:grpSpPr>
+      <p:sp>
+        <p:nvSpPr>
+          <p:cNvPr id="313" name="Shape 313"/>
+          <p:cNvSpPr txBox="1"/>
+          <p:nvPr>
+            <p:ph type="title"/>
+          </p:nvPr>
+        </p:nvSpPr>
+        <p:spPr>
+          <a:xfrm>
+            <a:off x="265500" y="929275"/>
+            <a:ext cx="4045200" cy="913500"/>
+          </a:xfrm>
+          <a:prstGeom prst="rect">
+            <a:avLst/>
+          </a:prstGeom>
+        </p:spPr>
+        <p:txBody>
+          <a:bodyPr anchorCtr="0" anchor="b" bIns="91425" lIns="91425" rIns="91425" tIns="91425">
+            <a:noAutofit/>
+          </a:bodyPr>
+          <a:lstStyle/>
+          <a:p>
+            <a:pPr lvl="0" rtl="0" algn="l">
+              <a:spcBef>
+                <a:spcPts val="0"/>
+              </a:spcBef>
+              <a:buNone/>
+            </a:pPr>
+            <a:r>
+              <a:rPr lang="en"/>
+              <a:t>Testing method</a:t>
+            </a:r>
+          </a:p>
+        </p:txBody>
+      </p:sp>
+      <p:sp>
+        <p:nvSpPr>
+          <p:cNvPr id="314" name="Shape 314"/>
+          <p:cNvSpPr txBox="1"/>
+          <p:nvPr>
+            <p:ph idx="2" type="body"/>
+          </p:nvPr>
+        </p:nvSpPr>
+        <p:spPr>
+          <a:xfrm>
+            <a:off x="4939500" y="503625"/>
+            <a:ext cx="3837000" cy="3695100"/>
+          </a:xfrm>
+          <a:prstGeom prst="rect">
+            <a:avLst/>
+          </a:prstGeom>
+        </p:spPr>
+        <p:txBody>
+          <a:bodyPr anchorCtr="0" anchor="ctr" bIns="91425" lIns="91425" rIns="91425" tIns="91425">
+            <a:noAutofit/>
+          </a:bodyPr>
+          <a:lstStyle/>
+          <a:p>
+            <a:pPr lvl="0" rtl="0">
+              <a:spcBef>
+                <a:spcPts val="0"/>
+              </a:spcBef>
+              <a:buNone/>
+            </a:pPr>
+            <a:r>
+              <a:rPr lang="en" sz="4200">
+                <a:solidFill>
+                  <a:srgbClr val="FFFFFF"/>
+                </a:solidFill>
+                <a:latin typeface="Economica"/>
+                <a:ea typeface="Economica"/>
+                <a:cs typeface="Economica"/>
+                <a:sym typeface="Economica"/>
+              </a:rPr>
+              <a:t>Assumption</a:t>
+            </a:r>
+          </a:p>
+          <a:p>
+            <a:pPr indent="-228600" lvl="0" marL="457200" rtl="0">
+              <a:spcBef>
+                <a:spcPts val="0"/>
+              </a:spcBef>
+              <a:spcAft>
+                <a:spcPts val="0"/>
+              </a:spcAft>
+              <a:buClr>
+                <a:srgbClr val="FFFFFF"/>
+              </a:buClr>
+            </a:pPr>
+            <a:r>
+              <a:rPr lang="en">
+                <a:solidFill>
+                  <a:srgbClr val="FFFFFF"/>
+                </a:solidFill>
+              </a:rPr>
+              <a:t>The users have access to material for test</a:t>
+            </a:r>
+          </a:p>
+          <a:p>
+            <a:pPr indent="-228600" lvl="0" marL="457200" rtl="0">
+              <a:spcBef>
+                <a:spcPts val="0"/>
+              </a:spcBef>
+              <a:spcAft>
+                <a:spcPts val="0"/>
+              </a:spcAft>
+              <a:buClr>
+                <a:srgbClr val="FFFFFF"/>
+              </a:buClr>
+            </a:pPr>
+            <a:r>
+              <a:rPr lang="en">
+                <a:solidFill>
+                  <a:srgbClr val="FFFFFF"/>
+                </a:solidFill>
+              </a:rPr>
+              <a:t>The users can afford the test</a:t>
+            </a:r>
+          </a:p>
+          <a:p>
+            <a:pPr indent="-228600" lvl="0" marL="457200" rtl="0">
+              <a:spcBef>
+                <a:spcPts val="0"/>
+              </a:spcBef>
+              <a:spcAft>
+                <a:spcPts val="0"/>
+              </a:spcAft>
+              <a:buClr>
+                <a:srgbClr val="FFFFFF"/>
+              </a:buClr>
+            </a:pPr>
+            <a:r>
+              <a:rPr lang="en">
+                <a:solidFill>
+                  <a:srgbClr val="FFFFFF"/>
+                </a:solidFill>
+              </a:rPr>
+              <a:t>The users will get result instantly</a:t>
+            </a:r>
+          </a:p>
+        </p:txBody>
+      </p:sp>
+      <p:sp>
+        <p:nvSpPr>
+          <p:cNvPr id="315" name="Shape 315"/>
+          <p:cNvSpPr txBox="1"/>
+          <p:nvPr>
+            <p:ph idx="1" type="subTitle"/>
+          </p:nvPr>
+        </p:nvSpPr>
+        <p:spPr>
+          <a:xfrm>
+            <a:off x="265500" y="1842774"/>
+            <a:ext cx="4045200" cy="2180999"/>
+          </a:xfrm>
+          <a:prstGeom prst="rect">
+            <a:avLst/>
+          </a:prstGeom>
+        </p:spPr>
+        <p:txBody>
+          <a:bodyPr anchorCtr="0" anchor="t" bIns="91425" lIns="91425" rIns="91425" tIns="91425">
+            <a:noAutofit/>
+          </a:bodyPr>
+          <a:lstStyle/>
+          <a:p>
+            <a:pPr indent="-342900" lvl="0" marL="457200" rtl="0" algn="l">
+              <a:lnSpc>
+                <a:spcPct val="115000"/>
+              </a:lnSpc>
+              <a:spcBef>
+                <a:spcPts val="0"/>
+              </a:spcBef>
+              <a:spcAft>
+                <a:spcPts val="1600"/>
+              </a:spcAft>
+              <a:buSzPct val="100000"/>
+              <a:buFont typeface="Arial"/>
+              <a:buChar char="●"/>
+            </a:pPr>
+            <a:r>
+              <a:rPr b="0" lang="en" sz="1800">
+                <a:solidFill>
+                  <a:schemeClr val="dk1"/>
+                </a:solidFill>
+                <a:latin typeface="Open Sans"/>
+                <a:ea typeface="Open Sans"/>
+                <a:cs typeface="Open Sans"/>
+                <a:sym typeface="Open Sans"/>
+              </a:rPr>
+              <a:t>Give a brief intro to user</a:t>
+            </a:r>
+          </a:p>
+          <a:p>
+            <a:pPr indent="-342900" lvl="0" marL="457200" rtl="0" algn="l">
+              <a:lnSpc>
+                <a:spcPct val="115000"/>
+              </a:lnSpc>
+              <a:spcBef>
+                <a:spcPts val="0"/>
+              </a:spcBef>
+              <a:spcAft>
+                <a:spcPts val="1600"/>
+              </a:spcAft>
+              <a:buSzPct val="100000"/>
+              <a:buFont typeface="Arial"/>
+              <a:buChar char="●"/>
+            </a:pPr>
+            <a:r>
+              <a:rPr b="0" lang="en" sz="1800">
+                <a:solidFill>
+                  <a:schemeClr val="dk1"/>
+                </a:solidFill>
+                <a:latin typeface="Open Sans"/>
+                <a:ea typeface="Open Sans"/>
+                <a:cs typeface="Open Sans"/>
+                <a:sym typeface="Open Sans"/>
+              </a:rPr>
+              <a:t>Give a very rough draft of the Site</a:t>
+            </a:r>
+          </a:p>
+          <a:p>
+            <a:pPr indent="-342900" lvl="0" marL="457200" rtl="0" algn="l">
+              <a:lnSpc>
+                <a:spcPct val="115000"/>
+              </a:lnSpc>
+              <a:spcBef>
+                <a:spcPts val="0"/>
+              </a:spcBef>
+              <a:spcAft>
+                <a:spcPts val="1600"/>
+              </a:spcAft>
+              <a:buSzPct val="100000"/>
+              <a:buFont typeface="Arial"/>
+              <a:buChar char="●"/>
+            </a:pPr>
+            <a:r>
+              <a:rPr b="0" lang="en" sz="1800">
+                <a:solidFill>
+                  <a:schemeClr val="dk1"/>
+                </a:solidFill>
+                <a:latin typeface="Open Sans"/>
+                <a:ea typeface="Open Sans"/>
+                <a:cs typeface="Open Sans"/>
+                <a:sym typeface="Open Sans"/>
+              </a:rPr>
+              <a:t>Let them question design choices and features</a:t>
+            </a:r>
+          </a:p>
+          <a:p>
+            <a:pPr lvl="0" rtl="0" algn="l">
+              <a:lnSpc>
+                <a:spcPct val="115000"/>
+              </a:lnSpc>
+              <a:spcBef>
+                <a:spcPts val="0"/>
+              </a:spcBef>
+              <a:spcAft>
+                <a:spcPts val="1600"/>
+              </a:spcAft>
+              <a:buClr>
+                <a:schemeClr val="dk1"/>
+              </a:buClr>
+              <a:buSzPct val="61111"/>
+              <a:buFont typeface="Arial"/>
+              <a:buNone/>
+            </a:pPr>
+            <a:r>
+              <a:t/>
+            </a:r>
+            <a:endParaRPr b="0" sz="1800">
+              <a:solidFill>
+                <a:schemeClr val="dk1"/>
+              </a:solidFill>
+              <a:latin typeface="Open Sans"/>
+              <a:ea typeface="Open Sans"/>
+              <a:cs typeface="Open Sans"/>
+              <a:sym typeface="Open Sans"/>
+            </a:endParaRPr>
+          </a:p>
+          <a:p>
+            <a:pPr lvl="0" rtl="0">
+              <a:spcBef>
+                <a:spcPts val="0"/>
+              </a:spcBef>
+              <a:buNone/>
+            </a:pPr>
+            <a:r>
+              <a:t/>
+            </a:r>
+            <a:endParaRPr b="0" sz="1800">
+              <a:solidFill>
+                <a:schemeClr val="dk1"/>
+              </a:solidFill>
+              <a:latin typeface="Open Sans"/>
+              <a:ea typeface="Open Sans"/>
+              <a:cs typeface="Open Sans"/>
+              <a:sym typeface="Open Sans"/>
+            </a:endParaRPr>
+          </a:p>
+        </p:txBody>
+      </p:sp>
+    </p:spTree>
+  </p:cSld>
+  <p:clrMapOvr>
+    <a:masterClrMapping/>
+  </p:clrMapOvr>
+</p:sld>
+</file>
+
+<file path=ppt/slides/slide25.xml><?xml version="1.0" encoding="utf-8"?>
+<p:sld xmlns:a="http://schemas.openxmlformats.org/drawingml/2006/main" xmlns:r="http://schemas.openxmlformats.org/officeDocument/2006/relationships" xmlns:mc="http://schemas.openxmlformats.org/markup-compatibility/2006" xmlns:mv="urn:schemas-microsoft-com:mac:vml" xmlns:p="http://schemas.openxmlformats.org/presentationml/2006/main" xmlns:c="http://schemas.openxmlformats.org/drawingml/2006/chart" xmlns:dgm="http://schemas.openxmlformats.org/drawingml/2006/diagram" xmlns:o="urn:schemas-microsoft-com:office:office" xmlns:v="urn:schemas-microsoft-com:vml" xmlns:pvml="urn:schemas-microsoft-com:office:powerpoint" xmlns:com="http://schemas.openxmlformats.org/drawingml/2006/compatibility" xmlns:p14="http://schemas.microsoft.com/office/powerpoint/2010/main">
+  <p:cSld>
+    <p:spTree>
+      <p:nvGrpSpPr>
+        <p:cNvPr id="319" name="Shape 319"/>
+        <p:cNvGrpSpPr/>
+        <p:nvPr/>
+      </p:nvGrpSpPr>
+      <p:grpSpPr>
+        <a:xfrm>
+          <a:off x="0" y="0"/>
+          <a:ext cx="0" cy="0"/>
+          <a:chOff x="0" y="0"/>
+          <a:chExt cx="0" cy="0"/>
+        </a:xfrm>
+      </p:grpSpPr>
+      <p:sp>
+        <p:nvSpPr>
+          <p:cNvPr id="320" name="Shape 320"/>
+          <p:cNvSpPr txBox="1"/>
+          <p:nvPr>
+            <p:ph type="title"/>
+          </p:nvPr>
+        </p:nvSpPr>
+        <p:spPr>
+          <a:xfrm>
+            <a:off x="311700" y="315925"/>
+            <a:ext cx="8520600" cy="831300"/>
+          </a:xfrm>
+          <a:prstGeom prst="rect">
+            <a:avLst/>
+          </a:prstGeom>
+        </p:spPr>
+        <p:txBody>
+          <a:bodyPr anchorCtr="0" anchor="b" bIns="91425" lIns="91425" rIns="91425" tIns="91425">
+            <a:noAutofit/>
+          </a:bodyPr>
+          <a:lstStyle/>
+          <a:p>
+            <a:pPr lvl="0">
+              <a:spcBef>
+                <a:spcPts val="0"/>
+              </a:spcBef>
+              <a:buNone/>
+            </a:pPr>
+            <a:r>
+              <a:rPr lang="en"/>
+              <a:t>Surprises and New Learnings</a:t>
+            </a:r>
+          </a:p>
+        </p:txBody>
+      </p:sp>
+      <p:sp>
+        <p:nvSpPr>
+          <p:cNvPr id="321" name="Shape 321"/>
+          <p:cNvSpPr txBox="1"/>
+          <p:nvPr>
+            <p:ph idx="1" type="body"/>
+          </p:nvPr>
+        </p:nvSpPr>
+        <p:spPr>
+          <a:xfrm>
+            <a:off x="311700" y="1147225"/>
+            <a:ext cx="8520600" cy="3354000"/>
+          </a:xfrm>
+          <a:prstGeom prst="rect">
+            <a:avLst/>
+          </a:prstGeom>
+        </p:spPr>
+        <p:txBody>
+          <a:bodyPr anchorCtr="0" anchor="t" bIns="91425" lIns="91425" rIns="91425" tIns="91425">
+            <a:noAutofit/>
+          </a:bodyPr>
+          <a:lstStyle/>
+          <a:p>
+            <a:pPr indent="-228600" lvl="0" marL="457200" rtl="0">
+              <a:spcBef>
+                <a:spcPts val="0"/>
+              </a:spcBef>
+            </a:pPr>
+            <a:r>
+              <a:rPr lang="en"/>
+              <a:t>+</a:t>
+            </a:r>
+            <a:r>
+              <a:rPr lang="en">
+                <a:latin typeface="Arial"/>
+                <a:ea typeface="Arial"/>
+                <a:cs typeface="Arial"/>
+                <a:sym typeface="Arial"/>
+              </a:rPr>
+              <a:t>We can design an informative app for the mobile phone that can give real time notification about other test because users use the phone to stay connected and to remain updated. </a:t>
+            </a:r>
+          </a:p>
+          <a:p>
+            <a:pPr indent="-228600" lvl="0" marL="457200" rtl="0">
+              <a:spcBef>
+                <a:spcPts val="0"/>
+              </a:spcBef>
+            </a:pPr>
+            <a:r>
+              <a:rPr lang="en"/>
+              <a:t>-</a:t>
+            </a:r>
+            <a:r>
+              <a:rPr lang="en">
+                <a:latin typeface="Arial"/>
+                <a:ea typeface="Arial"/>
+                <a:cs typeface="Arial"/>
+                <a:sym typeface="Arial"/>
+              </a:rPr>
+              <a:t>User was hindered by the option for soo many features hence creating a lack of focus</a:t>
+            </a:r>
+          </a:p>
+          <a:p>
+            <a:pPr indent="-228600" lvl="0" marL="457200" rtl="0">
+              <a:spcBef>
+                <a:spcPts val="0"/>
+              </a:spcBef>
+            </a:pPr>
+            <a:r>
+              <a:rPr lang="en"/>
+              <a:t>+</a:t>
+            </a:r>
+            <a:r>
+              <a:rPr lang="en">
+                <a:latin typeface="Arial"/>
+                <a:ea typeface="Arial"/>
+                <a:cs typeface="Arial"/>
+                <a:sym typeface="Arial"/>
+              </a:rPr>
+              <a:t>User were able to extract information about the test by navigating through the website.</a:t>
+            </a:r>
+          </a:p>
+          <a:p>
+            <a:pPr indent="-228600" lvl="0" marL="457200" rtl="0">
+              <a:spcBef>
+                <a:spcPts val="0"/>
+              </a:spcBef>
+            </a:pPr>
+            <a:r>
+              <a:rPr lang="en"/>
+              <a:t>-</a:t>
+            </a:r>
+            <a:r>
+              <a:rPr lang="en">
+                <a:latin typeface="Arial"/>
+                <a:ea typeface="Arial"/>
+                <a:cs typeface="Arial"/>
+                <a:sym typeface="Arial"/>
+              </a:rPr>
+              <a:t>It can be used to prepare the user for the test but not a good medium for conducting test.</a:t>
+            </a:r>
+          </a:p>
+          <a:p>
+            <a:pPr indent="-228600" lvl="0" marL="457200" rtl="0">
+              <a:spcBef>
+                <a:spcPts val="0"/>
+              </a:spcBef>
+            </a:pPr>
+            <a:r>
+              <a:rPr lang="en"/>
+              <a:t>+</a:t>
+            </a:r>
+            <a:r>
+              <a:rPr lang="en">
+                <a:latin typeface="Arial"/>
+                <a:ea typeface="Arial"/>
+                <a:cs typeface="Arial"/>
+                <a:sym typeface="Arial"/>
+              </a:rPr>
+              <a:t>The UI was easy and user was able to carry out the procedure by itself.</a:t>
+            </a:r>
+          </a:p>
+          <a:p>
+            <a:pPr indent="-228600" lvl="0" marL="457200" rtl="0">
+              <a:spcBef>
+                <a:spcPts val="0"/>
+              </a:spcBef>
+            </a:pPr>
+            <a:r>
+              <a:rPr lang="en"/>
+              <a:t>-</a:t>
+            </a:r>
+            <a:r>
+              <a:rPr lang="en">
+                <a:latin typeface="Arial"/>
+                <a:ea typeface="Arial"/>
+                <a:cs typeface="Arial"/>
+                <a:sym typeface="Arial"/>
+              </a:rPr>
+              <a:t>There are many distractions when you try to give a test online by sitting at home or at workplace.</a:t>
+            </a:r>
+          </a:p>
+        </p:txBody>
+      </p:sp>
+    </p:spTree>
+  </p:cSld>
+  <p:clrMapOvr>
+    <a:masterClrMapping/>
+  </p:clrMapOvr>
+</p:sld>
+</file>
+
+<file path=ppt/slides/slide26.xml><?xml version="1.0" encoding="utf-8"?>
+<p:sld xmlns:a="http://schemas.openxmlformats.org/drawingml/2006/main" xmlns:r="http://schemas.openxmlformats.org/officeDocument/2006/relationships" xmlns:mc="http://schemas.openxmlformats.org/markup-compatibility/2006" xmlns:mv="urn:schemas-microsoft-com:mac:vml" xmlns:p="http://schemas.openxmlformats.org/presentationml/2006/main" xmlns:c="http://schemas.openxmlformats.org/drawingml/2006/chart" xmlns:dgm="http://schemas.openxmlformats.org/drawingml/2006/diagram" xmlns:o="urn:schemas-microsoft-com:office:office" xmlns:v="urn:schemas-microsoft-com:vml" xmlns:pvml="urn:schemas-microsoft-com:office:powerpoint" xmlns:com="http://schemas.openxmlformats.org/drawingml/2006/compatibility" xmlns:p14="http://schemas.microsoft.com/office/powerpoint/2010/main">
+  <p:cSld>
+    <p:spTree>
+      <p:nvGrpSpPr>
+        <p:cNvPr id="325" name="Shape 325"/>
+        <p:cNvGrpSpPr/>
+        <p:nvPr/>
+      </p:nvGrpSpPr>
+      <p:grpSpPr>
+        <a:xfrm>
+          <a:off x="0" y="0"/>
+          <a:ext cx="0" cy="0"/>
+          <a:chOff x="0" y="0"/>
+          <a:chExt cx="0" cy="0"/>
+        </a:xfrm>
+      </p:grpSpPr>
+      <p:sp>
+        <p:nvSpPr>
+          <p:cNvPr id="326" name="Shape 326"/>
+          <p:cNvSpPr txBox="1"/>
+          <p:nvPr>
+            <p:ph type="title"/>
+          </p:nvPr>
+        </p:nvSpPr>
+        <p:spPr>
+          <a:xfrm>
+            <a:off x="311700" y="315925"/>
+            <a:ext cx="8520600" cy="831300"/>
+          </a:xfrm>
+          <a:prstGeom prst="rect">
+            <a:avLst/>
+          </a:prstGeom>
+        </p:spPr>
+        <p:txBody>
+          <a:bodyPr anchorCtr="0" anchor="b" bIns="91425" lIns="91425" rIns="91425" tIns="91425">
+            <a:noAutofit/>
+          </a:bodyPr>
+          <a:lstStyle/>
+          <a:p>
+            <a:pPr lvl="0">
+              <a:spcBef>
+                <a:spcPts val="0"/>
+              </a:spcBef>
+              <a:buNone/>
+            </a:pPr>
+            <a:r>
+              <a:rPr lang="en"/>
+              <a:t>Derived Conclusions</a:t>
+            </a:r>
+          </a:p>
+        </p:txBody>
+      </p:sp>
+      <p:sp>
+        <p:nvSpPr>
+          <p:cNvPr id="327" name="Shape 327"/>
+          <p:cNvSpPr txBox="1"/>
+          <p:nvPr>
+            <p:ph idx="1" type="body"/>
+          </p:nvPr>
+        </p:nvSpPr>
+        <p:spPr>
+          <a:xfrm>
+            <a:off x="311700" y="1225225"/>
+            <a:ext cx="8520600" cy="3354000"/>
+          </a:xfrm>
+          <a:prstGeom prst="rect">
+            <a:avLst/>
+          </a:prstGeom>
+        </p:spPr>
+        <p:txBody>
+          <a:bodyPr anchorCtr="0" anchor="t" bIns="91425" lIns="91425" rIns="91425" tIns="91425">
+            <a:noAutofit/>
+          </a:bodyPr>
+          <a:lstStyle/>
+          <a:p>
+            <a:pPr lvl="0">
+              <a:spcBef>
+                <a:spcPts val="0"/>
+              </a:spcBef>
+              <a:buNone/>
+            </a:pPr>
+            <a:r>
+              <a:rPr lang="en"/>
+              <a:t>Best Prototype : #1 with slight modification</a:t>
+            </a:r>
+          </a:p>
+          <a:p>
+            <a:pPr lvl="0">
+              <a:spcBef>
+                <a:spcPts val="0"/>
+              </a:spcBef>
+              <a:buNone/>
+            </a:pPr>
+            <a:r>
+              <a:rPr lang="en"/>
+              <a:t>Reasoning: This is the most productive option out of all the proposed prototypes as it is not </a:t>
+            </a:r>
+            <a:r>
+              <a:rPr lang="en"/>
+              <a:t>severely</a:t>
+            </a:r>
+            <a:r>
+              <a:rPr lang="en"/>
+              <a:t> affected by distractions as others</a:t>
+            </a:r>
+          </a:p>
+          <a:p>
+            <a:pPr lvl="0">
+              <a:spcBef>
+                <a:spcPts val="0"/>
+              </a:spcBef>
+              <a:buNone/>
+            </a:pPr>
+            <a:r>
+              <a:rPr lang="en"/>
+              <a:t>Why others were not chosen: Mostly because of lack of focus and disturbances that might affect the judgment</a:t>
+            </a:r>
+          </a:p>
+          <a:p>
+            <a:pPr lvl="0">
+              <a:spcBef>
+                <a:spcPts val="0"/>
+              </a:spcBef>
+              <a:buNone/>
+            </a:pPr>
+            <a:r>
+              <a:rPr lang="en"/>
+              <a:t>Takeaways: Create  focused platforms where people can propose and evaluate tests without any test taking features</a:t>
+            </a:r>
+          </a:p>
+        </p:txBody>
+      </p:sp>
+    </p:spTree>
+  </p:cSld>
+  <p:clrMapOvr>
+    <a:masterClrMapping/>
+  </p:clrMapOvr>
+</p:sld>
+</file>
+
+<file path=ppt/slides/slide27.xml><?xml version="1.0" encoding="utf-8"?>
+<p:sld xmlns:a="http://schemas.openxmlformats.org/drawingml/2006/main" xmlns:r="http://schemas.openxmlformats.org/officeDocument/2006/relationships" xmlns:mc="http://schemas.openxmlformats.org/markup-compatibility/2006" xmlns:mv="urn:schemas-microsoft-com:mac:vml" xmlns:p="http://schemas.openxmlformats.org/presentationml/2006/main" xmlns:c="http://schemas.openxmlformats.org/drawingml/2006/chart" xmlns:dgm="http://schemas.openxmlformats.org/drawingml/2006/diagram" xmlns:o="urn:schemas-microsoft-com:office:office" xmlns:v="urn:schemas-microsoft-com:vml" xmlns:pvml="urn:schemas-microsoft-com:office:powerpoint" xmlns:com="http://schemas.openxmlformats.org/drawingml/2006/compatibility" xmlns:p14="http://schemas.microsoft.com/office/powerpoint/2010/main">
+  <p:cSld>
+    <p:spTree>
+      <p:nvGrpSpPr>
+        <p:cNvPr id="331" name="Shape 331"/>
+        <p:cNvGrpSpPr/>
+        <p:nvPr/>
+      </p:nvGrpSpPr>
+      <p:grpSpPr>
+        <a:xfrm>
+          <a:off x="0" y="0"/>
+          <a:ext cx="0" cy="0"/>
+          <a:chOff x="0" y="0"/>
+          <a:chExt cx="0" cy="0"/>
+        </a:xfrm>
+      </p:grpSpPr>
+      <p:sp>
+        <p:nvSpPr>
+          <p:cNvPr id="332" name="Shape 332"/>
+          <p:cNvSpPr txBox="1"/>
+          <p:nvPr>
+            <p:ph type="title"/>
+          </p:nvPr>
+        </p:nvSpPr>
+        <p:spPr>
+          <a:xfrm>
+            <a:off x="311700" y="957125"/>
+            <a:ext cx="8520600" cy="2128800"/>
+          </a:xfrm>
+          <a:prstGeom prst="rect">
+            <a:avLst/>
+          </a:prstGeom>
+        </p:spPr>
+        <p:txBody>
+          <a:bodyPr anchorCtr="0" anchor="ctr" bIns="91425" lIns="91425" rIns="91425" tIns="91425">
+            <a:noAutofit/>
+          </a:bodyPr>
+          <a:lstStyle/>
+          <a:p>
+            <a:pPr lvl="0">
+              <a:spcBef>
+                <a:spcPts val="0"/>
+              </a:spcBef>
+              <a:buNone/>
+            </a:pPr>
+            <a:r>
+              <a:rPr lang="en"/>
+              <a:t>Questions?</a:t>
+            </a:r>
+          </a:p>
+        </p:txBody>
+      </p:sp>
+      <p:sp>
+        <p:nvSpPr>
+          <p:cNvPr id="333" name="Shape 333"/>
+          <p:cNvSpPr txBox="1"/>
+          <p:nvPr>
+            <p:ph idx="1" type="body"/>
+          </p:nvPr>
+        </p:nvSpPr>
+        <p:spPr>
+          <a:xfrm>
+            <a:off x="311700" y="3162000"/>
+            <a:ext cx="8520600" cy="1071600"/>
+          </a:xfrm>
+          <a:prstGeom prst="rect">
+            <a:avLst/>
+          </a:prstGeom>
+        </p:spPr>
+        <p:txBody>
+          <a:bodyPr anchorCtr="0" anchor="t" bIns="91425" lIns="91425" rIns="91425" tIns="91425">
+            <a:noAutofit/>
+          </a:bodyPr>
+          <a:lstStyle/>
+          <a:p>
+            <a:pPr lvl="0">
+              <a:spcBef>
+                <a:spcPts val="0"/>
+              </a:spcBef>
+              <a:buNone/>
+            </a:pPr>
+            <a:r>
+              <a:t/>
+            </a:r>
+            <a:endParaRPr/>
           </a:p>
         </p:txBody>
       </p:sp>
@@ -15514,8 +17503,8 @@
         </p:nvSpPr>
         <p:spPr>
           <a:xfrm>
-            <a:off x="265500" y="929275"/>
-            <a:ext cx="4045200" cy="1786200"/>
+            <a:off x="311700" y="152650"/>
+            <a:ext cx="8520600" cy="1314900"/>
           </a:xfrm>
           <a:prstGeom prst="rect">
             <a:avLst/>
@@ -15527,15 +17516,24 @@
           </a:bodyPr>
           <a:lstStyle/>
           <a:p>
-            <a:pPr lvl="0">
-              <a:spcBef>
-                <a:spcPts val="0"/>
-              </a:spcBef>
-              <a:buNone/>
-            </a:pPr>
-            <a:r>
-              <a:rPr lang="en"/>
-              <a:t>Initial POV</a:t>
+            <a:pPr lvl="0" rtl="0">
+              <a:spcBef>
+                <a:spcPts val="0"/>
+              </a:spcBef>
+              <a:buClr>
+                <a:schemeClr val="dk1"/>
+              </a:buClr>
+              <a:buSzPct val="25000"/>
+              <a:buFont typeface="Arial"/>
+              <a:buNone/>
+            </a:pPr>
+            <a:r>
+              <a:rPr b="1" lang="en" sz="4800">
+                <a:solidFill>
+                  <a:srgbClr val="212121"/>
+                </a:solidFill>
+              </a:rPr>
+              <a:t>Some of the Questions</a:t>
             </a:r>
           </a:p>
         </p:txBody>
@@ -15545,13 +17543,13 @@
           <p:cNvPr id="156" name="Shape 156"/>
           <p:cNvSpPr txBox="1"/>
           <p:nvPr>
-            <p:ph idx="1" type="subTitle"/>
+            <p:ph idx="1" type="body"/>
           </p:nvPr>
         </p:nvSpPr>
         <p:spPr>
           <a:xfrm>
-            <a:off x="265500" y="2769000"/>
-            <a:ext cx="4045200" cy="1574100"/>
+            <a:off x="311700" y="1630875"/>
+            <a:ext cx="8520600" cy="2948400"/>
           </a:xfrm>
           <a:prstGeom prst="rect">
             <a:avLst/>
@@ -15563,52 +17561,92 @@
           </a:bodyPr>
           <a:lstStyle/>
           <a:p>
-            <a:pPr lvl="0">
-              <a:spcBef>
-                <a:spcPts val="0"/>
-              </a:spcBef>
-              <a:buNone/>
-            </a:pPr>
-            <a:r>
-              <a:t/>
-            </a:r>
-            <a:endParaRPr/>
-          </a:p>
-        </p:txBody>
-      </p:sp>
-      <p:sp>
-        <p:nvSpPr>
-          <p:cNvPr id="157" name="Shape 157"/>
-          <p:cNvSpPr txBox="1"/>
-          <p:nvPr>
-            <p:ph idx="2" type="body"/>
-          </p:nvPr>
-        </p:nvSpPr>
-        <p:spPr>
-          <a:xfrm>
-            <a:off x="4939500" y="724200"/>
-            <a:ext cx="3837000" cy="3695100"/>
-          </a:xfrm>
-          <a:prstGeom prst="rect">
-            <a:avLst/>
-          </a:prstGeom>
-        </p:spPr>
-        <p:txBody>
-          <a:bodyPr anchorCtr="0" anchor="ctr" bIns="91425" lIns="91425" rIns="91425" tIns="91425">
-            <a:noAutofit/>
-          </a:bodyPr>
-          <a:lstStyle/>
-          <a:p>
-            <a:pPr lvl="0">
-              <a:spcBef>
-                <a:spcPts val="0"/>
-              </a:spcBef>
-              <a:buNone/>
-            </a:pPr>
-            <a:r>
-              <a:t/>
-            </a:r>
-            <a:endParaRPr/>
+            <a:pPr indent="-228600" lvl="0" marL="457200" rtl="0">
+              <a:spcBef>
+                <a:spcPts val="0"/>
+              </a:spcBef>
+            </a:pPr>
+            <a:r>
+              <a:rPr lang="en"/>
+              <a:t>When was the last time you gave a test?</a:t>
+            </a:r>
+          </a:p>
+          <a:p>
+            <a:pPr indent="-228600" lvl="0" marL="457200" rtl="0">
+              <a:spcBef>
+                <a:spcPts val="0"/>
+              </a:spcBef>
+            </a:pPr>
+            <a:r>
+              <a:rPr lang="en"/>
+              <a:t>How did it go?</a:t>
+            </a:r>
+          </a:p>
+          <a:p>
+            <a:pPr indent="-228600" lvl="0" marL="457200" rtl="0">
+              <a:spcBef>
+                <a:spcPts val="0"/>
+              </a:spcBef>
+            </a:pPr>
+            <a:r>
+              <a:rPr lang="en"/>
+              <a:t>Were you able to succeed?</a:t>
+            </a:r>
+          </a:p>
+          <a:p>
+            <a:pPr indent="-228600" lvl="0" marL="457200" rtl="0">
+              <a:spcBef>
+                <a:spcPts val="0"/>
+              </a:spcBef>
+            </a:pPr>
+            <a:r>
+              <a:rPr lang="en"/>
+              <a:t>Did you switch your field after the test?</a:t>
+            </a:r>
+          </a:p>
+          <a:p>
+            <a:pPr indent="-228600" lvl="0" marL="457200" rtl="0">
+              <a:spcBef>
+                <a:spcPts val="0"/>
+              </a:spcBef>
+            </a:pPr>
+            <a:r>
+              <a:rPr lang="en"/>
+              <a:t>Can you summarize your journey from that test and onward?</a:t>
+            </a:r>
+          </a:p>
+          <a:p>
+            <a:pPr indent="-228600" lvl="0" marL="457200" rtl="0">
+              <a:spcBef>
+                <a:spcPts val="0"/>
+              </a:spcBef>
+            </a:pPr>
+            <a:r>
+              <a:rPr lang="en"/>
+              <a:t>What do you do now?</a:t>
+            </a:r>
+          </a:p>
+          <a:p>
+            <a:pPr indent="-228600" lvl="0" marL="457200" rtl="0">
+              <a:spcBef>
+                <a:spcPts val="0"/>
+              </a:spcBef>
+            </a:pPr>
+            <a:r>
+              <a:rPr lang="en"/>
+              <a:t>Do you think these tests are good representative of a person abilities?</a:t>
+            </a:r>
+          </a:p>
+          <a:p>
+            <a:pPr indent="-228600" lvl="0" marL="457200" rtl="0">
+              <a:spcBef>
+                <a:spcPts val="0"/>
+              </a:spcBef>
+            </a:pPr>
+            <a:r>
+              <a:rPr lang="en"/>
+              <a:t>What do you think about NTS and entry tests for universities across Pakistan?</a:t>
+            </a:r>
           </a:p>
         </p:txBody>
       </p:sp>
@@ -15625,7 +17663,7 @@
   <p:cSld>
     <p:spTree>
       <p:nvGrpSpPr>
-        <p:cNvPr id="161" name="Shape 161"/>
+        <p:cNvPr id="160" name="Shape 160"/>
         <p:cNvGrpSpPr/>
         <p:nvPr/>
       </p:nvGrpSpPr>
@@ -15639,7 +17677,7 @@
       </p:grpSpPr>
       <p:sp>
         <p:nvSpPr>
-          <p:cNvPr id="162" name="Shape 162"/>
+          <p:cNvPr id="161" name="Shape 161"/>
           <p:cNvSpPr txBox="1"/>
           <p:nvPr>
             <p:ph type="title"/>
@@ -15647,8 +17685,8 @@
         </p:nvSpPr>
         <p:spPr>
           <a:xfrm>
-            <a:off x="311700" y="315925"/>
-            <a:ext cx="8520600" cy="1314900"/>
+            <a:off x="265500" y="929275"/>
+            <a:ext cx="4045200" cy="1786200"/>
           </a:xfrm>
           <a:prstGeom prst="rect">
             <a:avLst/>
@@ -15664,11 +17702,6 @@
               <a:spcBef>
                 <a:spcPts val="0"/>
               </a:spcBef>
-              <a:buClr>
-                <a:schemeClr val="dk1"/>
-              </a:buClr>
-              <a:buSzPct val="25000"/>
-              <a:buFont typeface="Arial"/>
               <a:buNone/>
             </a:pPr>
             <a:r>
@@ -15677,23 +17710,23 @@
                   <a:srgbClr val="212121"/>
                 </a:solidFill>
               </a:rPr>
-              <a:t>Some of the Questions (in a particular order)</a:t>
-            </a:r>
-          </a:p>
-        </p:txBody>
-      </p:sp>
-      <p:sp>
-        <p:nvSpPr>
-          <p:cNvPr id="163" name="Shape 163"/>
+              <a:t>Interviewee 1</a:t>
+            </a:r>
+          </a:p>
+        </p:txBody>
+      </p:sp>
+      <p:sp>
+        <p:nvSpPr>
+          <p:cNvPr id="162" name="Shape 162"/>
           <p:cNvSpPr txBox="1"/>
           <p:nvPr>
-            <p:ph idx="1" type="body"/>
+            <p:ph idx="1" type="subTitle"/>
           </p:nvPr>
         </p:nvSpPr>
         <p:spPr>
           <a:xfrm>
-            <a:off x="311700" y="1630875"/>
-            <a:ext cx="8520600" cy="2948400"/>
+            <a:off x="265500" y="2769000"/>
+            <a:ext cx="4045200" cy="1574100"/>
           </a:xfrm>
           <a:prstGeom prst="rect">
             <a:avLst/>
@@ -15705,92 +17738,243 @@
           </a:bodyPr>
           <a:lstStyle/>
           <a:p>
-            <a:pPr indent="-228600" lvl="0" marL="457200" rtl="0">
-              <a:spcBef>
-                <a:spcPts val="0"/>
-              </a:spcBef>
+            <a:pPr lvl="0" rtl="0">
+              <a:spcBef>
+                <a:spcPts val="0"/>
+              </a:spcBef>
+              <a:buNone/>
             </a:pPr>
             <a:r>
               <a:rPr lang="en"/>
-              <a:t>When was the last time you gave a test?</a:t>
-            </a:r>
-          </a:p>
-          <a:p>
-            <a:pPr indent="-228600" lvl="0" marL="457200" rtl="0">
-              <a:spcBef>
-                <a:spcPts val="0"/>
-              </a:spcBef>
-            </a:pPr>
-            <a:r>
-              <a:rPr lang="en"/>
-              <a:t>How did it go?</a:t>
-            </a:r>
-          </a:p>
-          <a:p>
-            <a:pPr indent="-228600" lvl="0" marL="457200" rtl="0">
-              <a:spcBef>
-                <a:spcPts val="0"/>
-              </a:spcBef>
-            </a:pPr>
-            <a:r>
-              <a:rPr lang="en"/>
-              <a:t>Were you able to succeed?</a:t>
-            </a:r>
-          </a:p>
-          <a:p>
-            <a:pPr indent="-228600" lvl="0" marL="457200" rtl="0">
-              <a:spcBef>
-                <a:spcPts val="0"/>
-              </a:spcBef>
-            </a:pPr>
-            <a:r>
-              <a:rPr lang="en"/>
-              <a:t>Did you switch your field after the test?</a:t>
-            </a:r>
-          </a:p>
-          <a:p>
-            <a:pPr indent="-228600" lvl="0" marL="457200" rtl="0">
-              <a:spcBef>
-                <a:spcPts val="0"/>
-              </a:spcBef>
-            </a:pPr>
-            <a:r>
-              <a:rPr lang="en"/>
-              <a:t>Can you summarize your journey from that test and onward?</a:t>
-            </a:r>
-          </a:p>
-          <a:p>
-            <a:pPr indent="-228600" lvl="0" marL="457200" rtl="0">
-              <a:spcBef>
-                <a:spcPts val="0"/>
-              </a:spcBef>
-            </a:pPr>
-            <a:r>
-              <a:rPr lang="en"/>
-              <a:t>What do you do now?</a:t>
-            </a:r>
-          </a:p>
-          <a:p>
-            <a:pPr indent="-228600" lvl="0" marL="457200" rtl="0">
-              <a:spcBef>
-                <a:spcPts val="0"/>
-              </a:spcBef>
-            </a:pPr>
-            <a:r>
-              <a:rPr lang="en"/>
-              <a:t>Do you think these tests are good representative of a person abilities?</a:t>
-            </a:r>
-          </a:p>
-          <a:p>
-            <a:pPr indent="-228600" lvl="0" marL="457200" rtl="0">
-              <a:spcBef>
-                <a:spcPts val="0"/>
-              </a:spcBef>
-            </a:pPr>
-            <a:r>
-              <a:rPr lang="en"/>
-              <a:t>What do you think about NTS and entry tests for universities across Pakistan?</a:t>
-            </a:r>
+              <a:t>Student and part time software developer</a:t>
+            </a:r>
+          </a:p>
+        </p:txBody>
+      </p:sp>
+      <p:sp>
+        <p:nvSpPr>
+          <p:cNvPr id="163" name="Shape 163"/>
+          <p:cNvSpPr txBox="1"/>
+          <p:nvPr>
+            <p:ph idx="2" type="body"/>
+          </p:nvPr>
+        </p:nvSpPr>
+        <p:spPr>
+          <a:xfrm>
+            <a:off x="4939500" y="929275"/>
+            <a:ext cx="3837000" cy="3695100"/>
+          </a:xfrm>
+          <a:prstGeom prst="rect">
+            <a:avLst/>
+          </a:prstGeom>
+        </p:spPr>
+        <p:txBody>
+          <a:bodyPr anchorCtr="0" anchor="ctr" bIns="91425" lIns="91425" rIns="91425" tIns="91425">
+            <a:noAutofit/>
+          </a:bodyPr>
+          <a:lstStyle/>
+          <a:p>
+            <a:pPr lvl="0">
+              <a:spcBef>
+                <a:spcPts val="0"/>
+              </a:spcBef>
+              <a:buClr>
+                <a:schemeClr val="dk1"/>
+              </a:buClr>
+              <a:buSzPct val="45833"/>
+              <a:buFont typeface="Arial"/>
+              <a:buNone/>
+            </a:pPr>
+            <a:r>
+              <a:rPr b="1" lang="en" sz="2400">
+                <a:solidFill>
+                  <a:srgbClr val="212121"/>
+                </a:solidFill>
+                <a:latin typeface="Economica"/>
+                <a:ea typeface="Economica"/>
+                <a:cs typeface="Economica"/>
+                <a:sym typeface="Economica"/>
+              </a:rPr>
+              <a:t>NAME: </a:t>
+            </a:r>
+            <a:r>
+              <a:rPr lang="en" sz="2400">
+                <a:solidFill>
+                  <a:srgbClr val="212121"/>
+                </a:solidFill>
+                <a:latin typeface="Economica"/>
+                <a:ea typeface="Economica"/>
+                <a:cs typeface="Economica"/>
+                <a:sym typeface="Economica"/>
+              </a:rPr>
+              <a:t>Ali Jibran</a:t>
+            </a:r>
+          </a:p>
+          <a:p>
+            <a:pPr lvl="0">
+              <a:spcBef>
+                <a:spcPts val="0"/>
+              </a:spcBef>
+              <a:buClr>
+                <a:schemeClr val="dk1"/>
+              </a:buClr>
+              <a:buSzPct val="45833"/>
+              <a:buFont typeface="Arial"/>
+              <a:buNone/>
+            </a:pPr>
+            <a:r>
+              <a:rPr b="1" lang="en" sz="2400">
+                <a:solidFill>
+                  <a:srgbClr val="212121"/>
+                </a:solidFill>
+                <a:latin typeface="Economica"/>
+                <a:ea typeface="Economica"/>
+                <a:cs typeface="Economica"/>
+                <a:sym typeface="Economica"/>
+              </a:rPr>
+              <a:t>REASON FOR INTERVIEW: </a:t>
+            </a:r>
+            <a:r>
+              <a:rPr lang="en" sz="2400">
+                <a:solidFill>
+                  <a:srgbClr val="212121"/>
+                </a:solidFill>
+                <a:latin typeface="Economica"/>
+                <a:ea typeface="Economica"/>
+                <a:cs typeface="Economica"/>
+                <a:sym typeface="Economica"/>
+              </a:rPr>
+              <a:t>Performed good in the tests</a:t>
+            </a:r>
+          </a:p>
+          <a:p>
+            <a:pPr lvl="0">
+              <a:spcBef>
+                <a:spcPts val="0"/>
+              </a:spcBef>
+              <a:buClr>
+                <a:schemeClr val="dk1"/>
+              </a:buClr>
+              <a:buSzPct val="45833"/>
+              <a:buFont typeface="Arial"/>
+              <a:buNone/>
+            </a:pPr>
+            <a:r>
+              <a:rPr b="1" lang="en" sz="2400">
+                <a:solidFill>
+                  <a:srgbClr val="212121"/>
+                </a:solidFill>
+                <a:latin typeface="Economica"/>
+                <a:ea typeface="Economica"/>
+                <a:cs typeface="Economica"/>
+                <a:sym typeface="Economica"/>
+              </a:rPr>
+              <a:t>PLACE OF INTERVIEW: </a:t>
+            </a:r>
+            <a:r>
+              <a:rPr lang="en" sz="2400">
+                <a:solidFill>
+                  <a:srgbClr val="212121"/>
+                </a:solidFill>
+                <a:latin typeface="Economica"/>
+                <a:ea typeface="Economica"/>
+                <a:cs typeface="Economica"/>
+                <a:sym typeface="Economica"/>
+              </a:rPr>
+              <a:t>Skype</a:t>
+            </a:r>
+          </a:p>
+          <a:p>
+            <a:pPr lvl="0">
+              <a:spcBef>
+                <a:spcPts val="0"/>
+              </a:spcBef>
+              <a:buClr>
+                <a:schemeClr val="dk1"/>
+              </a:buClr>
+              <a:buSzPct val="45833"/>
+              <a:buFont typeface="Arial"/>
+              <a:buNone/>
+            </a:pPr>
+            <a:r>
+              <a:rPr b="1" lang="en" sz="2400">
+                <a:solidFill>
+                  <a:srgbClr val="212121"/>
+                </a:solidFill>
+                <a:latin typeface="Economica"/>
+                <a:ea typeface="Economica"/>
+                <a:cs typeface="Economica"/>
+                <a:sym typeface="Economica"/>
+              </a:rPr>
+              <a:t>METHOD OF RECRUITMENT: </a:t>
+            </a:r>
+            <a:r>
+              <a:rPr lang="en" sz="2400">
+                <a:solidFill>
+                  <a:srgbClr val="212121"/>
+                </a:solidFill>
+                <a:latin typeface="Economica"/>
+                <a:ea typeface="Economica"/>
+                <a:cs typeface="Economica"/>
+                <a:sym typeface="Economica"/>
+              </a:rPr>
+              <a:t>Contacted by phone</a:t>
+            </a:r>
+          </a:p>
+          <a:p>
+            <a:pPr lvl="0">
+              <a:spcBef>
+                <a:spcPts val="0"/>
+              </a:spcBef>
+              <a:buNone/>
+            </a:pPr>
+            <a:r>
+              <a:t/>
+            </a:r>
+            <a:endParaRPr b="1" sz="2400">
+              <a:latin typeface="Economica"/>
+              <a:ea typeface="Economica"/>
+              <a:cs typeface="Economica"/>
+              <a:sym typeface="Economica"/>
+            </a:endParaRPr>
+          </a:p>
+        </p:txBody>
+      </p:sp>
+      <p:sp>
+        <p:nvSpPr>
+          <p:cNvPr id="164" name="Shape 164"/>
+          <p:cNvSpPr txBox="1"/>
+          <p:nvPr/>
+        </p:nvSpPr>
+        <p:spPr>
+          <a:xfrm>
+            <a:off x="-900975" y="1083450"/>
+            <a:ext cx="6569100" cy="766500"/>
+          </a:xfrm>
+          <a:prstGeom prst="rect">
+            <a:avLst/>
+          </a:prstGeom>
+          <a:noFill/>
+          <a:ln>
+            <a:noFill/>
+          </a:ln>
+        </p:spPr>
+        <p:txBody>
+          <a:bodyPr anchorCtr="0" anchor="t" bIns="91425" lIns="91425" rIns="91425" tIns="91425">
+            <a:noAutofit/>
+          </a:bodyPr>
+          <a:lstStyle/>
+          <a:p>
+            <a:pPr lvl="0">
+              <a:spcBef>
+                <a:spcPts val="0"/>
+              </a:spcBef>
+              <a:buNone/>
+            </a:pPr>
+            <a:r>
+              <a:t/>
+            </a:r>
+            <a:endParaRPr/>
           </a:p>
         </p:txBody>
       </p:sp>
@@ -15807,7 +17991,7 @@
   <p:cSld>
     <p:spTree>
       <p:nvGrpSpPr>
-        <p:cNvPr id="167" name="Shape 167"/>
+        <p:cNvPr id="168" name="Shape 168"/>
         <p:cNvGrpSpPr/>
         <p:nvPr/>
       </p:nvGrpSpPr>
@@ -15819,62 +18003,76 @@
           <a:chExt cx="0" cy="0"/>
         </a:xfrm>
       </p:grpSpPr>
-      <p:sp>
-        <p:nvSpPr>
-          <p:cNvPr id="168" name="Shape 168"/>
+      <p:cxnSp>
+        <p:nvCxnSpPr>
+          <p:cNvPr id="169" name="Shape 169"/>
+          <p:cNvCxnSpPr/>
+          <p:nvPr/>
+        </p:nvCxnSpPr>
+        <p:spPr>
+          <a:xfrm>
+            <a:off x="4565300" y="12050"/>
+            <a:ext cx="0" cy="5119500"/>
+          </a:xfrm>
+          <a:prstGeom prst="straightConnector1">
+            <a:avLst/>
+          </a:prstGeom>
+          <a:noFill/>
+          <a:ln cap="flat" cmpd="sng" w="9525">
+            <a:solidFill>
+              <a:schemeClr val="dk2"/>
+            </a:solidFill>
+            <a:prstDash val="solid"/>
+            <a:round/>
+            <a:headEnd len="lg" w="lg" type="none"/>
+            <a:tailEnd len="lg" w="lg" type="none"/>
+          </a:ln>
+        </p:spPr>
+      </p:cxnSp>
+      <p:cxnSp>
+        <p:nvCxnSpPr>
+          <p:cNvPr id="170" name="Shape 170"/>
+          <p:cNvCxnSpPr/>
+          <p:nvPr/>
+        </p:nvCxnSpPr>
+        <p:spPr>
+          <a:xfrm>
+            <a:off x="-23400" y="2650050"/>
+            <a:ext cx="9190800" cy="12000"/>
+          </a:xfrm>
+          <a:prstGeom prst="straightConnector1">
+            <a:avLst/>
+          </a:prstGeom>
+          <a:noFill/>
+          <a:ln cap="flat" cmpd="sng" w="9525">
+            <a:solidFill>
+              <a:schemeClr val="dk2"/>
+            </a:solidFill>
+            <a:prstDash val="solid"/>
+            <a:round/>
+            <a:headEnd len="lg" w="lg" type="none"/>
+            <a:tailEnd len="lg" w="lg" type="none"/>
+          </a:ln>
+        </p:spPr>
+      </p:cxnSp>
+      <p:sp>
+        <p:nvSpPr>
+          <p:cNvPr id="171" name="Shape 171"/>
           <p:cNvSpPr txBox="1"/>
-          <p:nvPr>
-            <p:ph type="title"/>
-          </p:nvPr>
-        </p:nvSpPr>
-        <p:spPr>
-          <a:xfrm>
-            <a:off x="265500" y="929275"/>
-            <a:ext cx="4045200" cy="1786200"/>
+          <p:nvPr/>
+        </p:nvSpPr>
+        <p:spPr>
+          <a:xfrm>
+            <a:off x="0" y="12050"/>
+            <a:ext cx="1879200" cy="578100"/>
           </a:xfrm>
           <a:prstGeom prst="rect">
             <a:avLst/>
           </a:prstGeom>
-        </p:spPr>
-        <p:txBody>
-          <a:bodyPr anchorCtr="0" anchor="b" bIns="91425" lIns="91425" rIns="91425" tIns="91425">
-            <a:noAutofit/>
-          </a:bodyPr>
-          <a:lstStyle/>
-          <a:p>
-            <a:pPr lvl="0" rtl="0">
-              <a:spcBef>
-                <a:spcPts val="0"/>
-              </a:spcBef>
-              <a:buNone/>
-            </a:pPr>
-            <a:r>
-              <a:rPr b="1" lang="en" sz="4800">
-                <a:solidFill>
-                  <a:srgbClr val="212121"/>
-                </a:solidFill>
-              </a:rPr>
-              <a:t>Interviewee 1</a:t>
-            </a:r>
-          </a:p>
-        </p:txBody>
-      </p:sp>
-      <p:sp>
-        <p:nvSpPr>
-          <p:cNvPr id="169" name="Shape 169"/>
-          <p:cNvSpPr txBox="1"/>
-          <p:nvPr>
-            <p:ph idx="1" type="subTitle"/>
-          </p:nvPr>
-        </p:nvSpPr>
-        <p:spPr>
-          <a:xfrm>
-            <a:off x="265500" y="2769000"/>
-            <a:ext cx="4045200" cy="1574100"/>
-          </a:xfrm>
-          <a:prstGeom prst="rect">
-            <a:avLst/>
-          </a:prstGeom>
+          <a:noFill/>
+          <a:ln>
+            <a:noFill/>
+          </a:ln>
         </p:spPr>
         <p:txBody>
           <a:bodyPr anchorCtr="0" anchor="t" bIns="91425" lIns="91425" rIns="91425" tIns="91425">
@@ -15882,218 +18080,348 @@
           </a:bodyPr>
           <a:lstStyle/>
           <a:p>
-            <a:pPr lvl="0" rtl="0">
-              <a:spcBef>
-                <a:spcPts val="0"/>
-              </a:spcBef>
-              <a:buNone/>
-            </a:pPr>
-            <a:r>
-              <a:rPr lang="en"/>
-              <a:t>Student and part time software developer</a:t>
-            </a:r>
-          </a:p>
-        </p:txBody>
-      </p:sp>
-      <p:sp>
-        <p:nvSpPr>
-          <p:cNvPr id="170" name="Shape 170"/>
-          <p:cNvSpPr txBox="1"/>
-          <p:nvPr>
-            <p:ph idx="2" type="body"/>
-          </p:nvPr>
-        </p:nvSpPr>
-        <p:spPr>
-          <a:xfrm>
-            <a:off x="4939500" y="929275"/>
-            <a:ext cx="3837000" cy="3695100"/>
-          </a:xfrm>
-          <a:prstGeom prst="rect">
-            <a:avLst/>
-          </a:prstGeom>
-        </p:spPr>
-        <p:txBody>
-          <a:bodyPr anchorCtr="0" anchor="ctr" bIns="91425" lIns="91425" rIns="91425" tIns="91425">
-            <a:noAutofit/>
-          </a:bodyPr>
-          <a:lstStyle/>
-          <a:p>
-            <a:pPr lvl="0">
-              <a:spcBef>
-                <a:spcPts val="0"/>
-              </a:spcBef>
-              <a:buClr>
-                <a:schemeClr val="dk1"/>
-              </a:buClr>
-              <a:buSzPct val="45833"/>
-              <a:buFont typeface="Arial"/>
-              <a:buNone/>
-            </a:pPr>
-            <a:r>
-              <a:rPr b="1" lang="en" sz="2400">
-                <a:solidFill>
-                  <a:srgbClr val="212121"/>
+            <a:pPr lvl="0" rtl="0" algn="ctr">
+              <a:spcBef>
+                <a:spcPts val="0"/>
+              </a:spcBef>
+              <a:buNone/>
+            </a:pPr>
+            <a:r>
+              <a:rPr b="1" lang="en" sz="3600">
+                <a:solidFill>
+                  <a:schemeClr val="accent1"/>
                 </a:solidFill>
                 <a:latin typeface="Economica"/>
                 <a:ea typeface="Economica"/>
                 <a:cs typeface="Economica"/>
                 <a:sym typeface="Economica"/>
               </a:rPr>
-              <a:t>NAME: </a:t>
-            </a:r>
-            <a:r>
-              <a:rPr lang="en" sz="2400">
-                <a:solidFill>
-                  <a:srgbClr val="212121"/>
+              <a:t>Say</a:t>
+            </a:r>
+          </a:p>
+        </p:txBody>
+      </p:sp>
+      <p:sp>
+        <p:nvSpPr>
+          <p:cNvPr id="172" name="Shape 172"/>
+          <p:cNvSpPr txBox="1"/>
+          <p:nvPr/>
+        </p:nvSpPr>
+        <p:spPr>
+          <a:xfrm>
+            <a:off x="6018600" y="2750075"/>
+            <a:ext cx="1879200" cy="578100"/>
+          </a:xfrm>
+          <a:prstGeom prst="rect">
+            <a:avLst/>
+          </a:prstGeom>
+          <a:noFill/>
+          <a:ln>
+            <a:noFill/>
+          </a:ln>
+        </p:spPr>
+        <p:txBody>
+          <a:bodyPr anchorCtr="0" anchor="t" bIns="91425" lIns="91425" rIns="91425" tIns="91425">
+            <a:noAutofit/>
+          </a:bodyPr>
+          <a:lstStyle/>
+          <a:p>
+            <a:pPr lvl="0" rtl="0" algn="ctr">
+              <a:spcBef>
+                <a:spcPts val="0"/>
+              </a:spcBef>
+              <a:buNone/>
+            </a:pPr>
+            <a:r>
+              <a:rPr b="1" lang="en" sz="3600">
+                <a:solidFill>
+                  <a:schemeClr val="accent1"/>
                 </a:solidFill>
                 <a:latin typeface="Economica"/>
                 <a:ea typeface="Economica"/>
                 <a:cs typeface="Economica"/>
                 <a:sym typeface="Economica"/>
               </a:rPr>
-              <a:t>Ali Jibran</a:t>
-            </a:r>
-          </a:p>
-          <a:p>
-            <a:pPr lvl="0">
-              <a:spcBef>
-                <a:spcPts val="0"/>
-              </a:spcBef>
-              <a:buClr>
-                <a:schemeClr val="dk1"/>
-              </a:buClr>
-              <a:buSzPct val="45833"/>
-              <a:buFont typeface="Arial"/>
-              <a:buNone/>
-            </a:pPr>
-            <a:r>
-              <a:rPr b="1" lang="en" sz="2400">
-                <a:solidFill>
-                  <a:srgbClr val="212121"/>
+              <a:t>Feel</a:t>
+            </a:r>
+          </a:p>
+        </p:txBody>
+      </p:sp>
+      <p:sp>
+        <p:nvSpPr>
+          <p:cNvPr id="173" name="Shape 173"/>
+          <p:cNvSpPr txBox="1"/>
+          <p:nvPr/>
+        </p:nvSpPr>
+        <p:spPr>
+          <a:xfrm>
+            <a:off x="497550" y="2750075"/>
+            <a:ext cx="1879200" cy="578100"/>
+          </a:xfrm>
+          <a:prstGeom prst="rect">
+            <a:avLst/>
+          </a:prstGeom>
+          <a:noFill/>
+          <a:ln>
+            <a:noFill/>
+          </a:ln>
+        </p:spPr>
+        <p:txBody>
+          <a:bodyPr anchorCtr="0" anchor="t" bIns="91425" lIns="91425" rIns="91425" tIns="91425">
+            <a:noAutofit/>
+          </a:bodyPr>
+          <a:lstStyle/>
+          <a:p>
+            <a:pPr lvl="0" rtl="0" algn="ctr">
+              <a:spcBef>
+                <a:spcPts val="0"/>
+              </a:spcBef>
+              <a:buNone/>
+            </a:pPr>
+            <a:r>
+              <a:rPr b="1" lang="en" sz="3600">
+                <a:solidFill>
+                  <a:schemeClr val="accent1"/>
                 </a:solidFill>
                 <a:latin typeface="Economica"/>
                 <a:ea typeface="Economica"/>
                 <a:cs typeface="Economica"/>
                 <a:sym typeface="Economica"/>
               </a:rPr>
-              <a:t>REASON FOR INTERVIEW: </a:t>
-            </a:r>
-            <a:r>
-              <a:rPr lang="en" sz="2400">
-                <a:solidFill>
-                  <a:srgbClr val="212121"/>
+              <a:t>Do</a:t>
+            </a:r>
+          </a:p>
+        </p:txBody>
+      </p:sp>
+      <p:sp>
+        <p:nvSpPr>
+          <p:cNvPr id="174" name="Shape 174"/>
+          <p:cNvSpPr txBox="1"/>
+          <p:nvPr/>
+        </p:nvSpPr>
+        <p:spPr>
+          <a:xfrm>
+            <a:off x="4745475" y="12050"/>
+            <a:ext cx="1879200" cy="578100"/>
+          </a:xfrm>
+          <a:prstGeom prst="rect">
+            <a:avLst/>
+          </a:prstGeom>
+          <a:noFill/>
+          <a:ln>
+            <a:noFill/>
+          </a:ln>
+        </p:spPr>
+        <p:txBody>
+          <a:bodyPr anchorCtr="0" anchor="t" bIns="91425" lIns="91425" rIns="91425" tIns="91425">
+            <a:noAutofit/>
+          </a:bodyPr>
+          <a:lstStyle/>
+          <a:p>
+            <a:pPr lvl="0" rtl="0" algn="ctr">
+              <a:spcBef>
+                <a:spcPts val="0"/>
+              </a:spcBef>
+              <a:buNone/>
+            </a:pPr>
+            <a:r>
+              <a:rPr b="1" lang="en" sz="3600">
+                <a:solidFill>
+                  <a:schemeClr val="accent1"/>
                 </a:solidFill>
                 <a:latin typeface="Economica"/>
                 <a:ea typeface="Economica"/>
                 <a:cs typeface="Economica"/>
                 <a:sym typeface="Economica"/>
               </a:rPr>
-              <a:t>Performed good in the tests</a:t>
-            </a:r>
-          </a:p>
-          <a:p>
-            <a:pPr lvl="0">
-              <a:spcBef>
-                <a:spcPts val="0"/>
-              </a:spcBef>
-              <a:buClr>
-                <a:schemeClr val="dk1"/>
-              </a:buClr>
-              <a:buSzPct val="45833"/>
-              <a:buFont typeface="Arial"/>
-              <a:buNone/>
-            </a:pPr>
-            <a:r>
-              <a:rPr b="1" lang="en" sz="2400">
-                <a:solidFill>
-                  <a:srgbClr val="212121"/>
-                </a:solidFill>
+              <a:t>Think</a:t>
+            </a:r>
+          </a:p>
+        </p:txBody>
+      </p:sp>
+      <p:sp>
+        <p:nvSpPr>
+          <p:cNvPr id="175" name="Shape 175"/>
+          <p:cNvSpPr txBox="1"/>
+          <p:nvPr/>
+        </p:nvSpPr>
+        <p:spPr>
+          <a:xfrm>
+            <a:off x="180625" y="590150"/>
+            <a:ext cx="4204500" cy="1818900"/>
+          </a:xfrm>
+          <a:prstGeom prst="rect">
+            <a:avLst/>
+          </a:prstGeom>
+          <a:noFill/>
+          <a:ln>
+            <a:noFill/>
+          </a:ln>
+        </p:spPr>
+        <p:txBody>
+          <a:bodyPr anchorCtr="0" anchor="t" bIns="91425" lIns="91425" rIns="91425" tIns="91425">
+            <a:noAutofit/>
+          </a:bodyPr>
+          <a:lstStyle/>
+          <a:p>
+            <a:pPr indent="-355600" lvl="0" marL="457200" rtl="0">
+              <a:spcBef>
+                <a:spcPts val="0"/>
+              </a:spcBef>
+              <a:buSzPct val="100000"/>
+              <a:buFont typeface="Economica"/>
+              <a:buChar char="●"/>
+            </a:pPr>
+            <a:r>
+              <a:rPr b="1" lang="en" sz="2000">
                 <a:latin typeface="Economica"/>
                 <a:ea typeface="Economica"/>
                 <a:cs typeface="Economica"/>
                 <a:sym typeface="Economica"/>
               </a:rPr>
-              <a:t>PLACE OF INTERVIEW: </a:t>
-            </a:r>
-            <a:r>
-              <a:rPr lang="en" sz="2400">
-                <a:solidFill>
-                  <a:srgbClr val="212121"/>
-                </a:solidFill>
+              <a:t>Entry tests are a good representative but of a very small number of fields and skill sets</a:t>
+            </a:r>
+          </a:p>
+          <a:p>
+            <a:pPr indent="-355600" lvl="0" marL="457200" rtl="0">
+              <a:spcBef>
+                <a:spcPts val="0"/>
+              </a:spcBef>
+              <a:buSzPct val="100000"/>
+              <a:buFont typeface="Economica"/>
+              <a:buChar char="●"/>
+            </a:pPr>
+            <a:r>
+              <a:rPr b="1" lang="en" sz="2000">
                 <a:latin typeface="Economica"/>
                 <a:ea typeface="Economica"/>
                 <a:cs typeface="Economica"/>
                 <a:sym typeface="Economica"/>
               </a:rPr>
-              <a:t>Skype</a:t>
-            </a:r>
-          </a:p>
-          <a:p>
-            <a:pPr lvl="0">
-              <a:spcBef>
-                <a:spcPts val="0"/>
-              </a:spcBef>
-              <a:buClr>
-                <a:schemeClr val="dk1"/>
-              </a:buClr>
-              <a:buSzPct val="45833"/>
-              <a:buFont typeface="Arial"/>
-              <a:buNone/>
-            </a:pPr>
-            <a:r>
-              <a:rPr b="1" lang="en" sz="2400">
-                <a:solidFill>
-                  <a:srgbClr val="212121"/>
-                </a:solidFill>
+              <a:t>NTS is a big shame and I am grateful that its operations have halted</a:t>
+            </a:r>
+          </a:p>
+        </p:txBody>
+      </p:sp>
+      <p:sp>
+        <p:nvSpPr>
+          <p:cNvPr id="176" name="Shape 176"/>
+          <p:cNvSpPr txBox="1"/>
+          <p:nvPr/>
+        </p:nvSpPr>
+        <p:spPr>
+          <a:xfrm>
+            <a:off x="5118925" y="3657675"/>
+            <a:ext cx="3493200" cy="843300"/>
+          </a:xfrm>
+          <a:prstGeom prst="rect">
+            <a:avLst/>
+          </a:prstGeom>
+          <a:noFill/>
+          <a:ln>
+            <a:noFill/>
+          </a:ln>
+        </p:spPr>
+        <p:txBody>
+          <a:bodyPr anchorCtr="0" anchor="t" bIns="91425" lIns="91425" rIns="91425" tIns="91425">
+            <a:noAutofit/>
+          </a:bodyPr>
+          <a:lstStyle/>
+          <a:p>
+            <a:pPr indent="-355600" lvl="0" marL="457200" rtl="0">
+              <a:spcBef>
+                <a:spcPts val="0"/>
+              </a:spcBef>
+              <a:buSzPct val="100000"/>
+              <a:buFont typeface="Economica"/>
+              <a:buChar char="●"/>
+            </a:pPr>
+            <a:r>
+              <a:rPr b="1" lang="en" sz="2000">
                 <a:latin typeface="Economica"/>
                 <a:ea typeface="Economica"/>
                 <a:cs typeface="Economica"/>
                 <a:sym typeface="Economica"/>
               </a:rPr>
-              <a:t>METHOD OF RECRUITMENT: </a:t>
-            </a:r>
-            <a:r>
-              <a:rPr lang="en" sz="2400">
-                <a:solidFill>
-                  <a:srgbClr val="212121"/>
-                </a:solidFill>
+              <a:t>Disappointed in current evaluation system</a:t>
+            </a:r>
+          </a:p>
+        </p:txBody>
+      </p:sp>
+      <p:sp>
+        <p:nvSpPr>
+          <p:cNvPr id="177" name="Shape 177"/>
+          <p:cNvSpPr txBox="1"/>
+          <p:nvPr/>
+        </p:nvSpPr>
+        <p:spPr>
+          <a:xfrm>
+            <a:off x="180700" y="3416200"/>
+            <a:ext cx="3493200" cy="1245600"/>
+          </a:xfrm>
+          <a:prstGeom prst="rect">
+            <a:avLst/>
+          </a:prstGeom>
+          <a:noFill/>
+          <a:ln>
+            <a:noFill/>
+          </a:ln>
+        </p:spPr>
+        <p:txBody>
+          <a:bodyPr anchorCtr="0" anchor="t" bIns="91425" lIns="91425" rIns="91425" tIns="91425">
+            <a:noAutofit/>
+          </a:bodyPr>
+          <a:lstStyle/>
+          <a:p>
+            <a:pPr indent="-355600" lvl="0" marL="457200">
+              <a:spcBef>
+                <a:spcPts val="0"/>
+              </a:spcBef>
+              <a:buSzPct val="100000"/>
+              <a:buFont typeface="Economica"/>
+              <a:buChar char="●"/>
+            </a:pPr>
+            <a:r>
+              <a:rPr b="1" lang="en" sz="2000">
                 <a:latin typeface="Economica"/>
                 <a:ea typeface="Economica"/>
                 <a:cs typeface="Economica"/>
                 <a:sym typeface="Economica"/>
               </a:rPr>
-              <a:t>Contacted by phone</a:t>
-            </a:r>
-          </a:p>
-          <a:p>
-            <a:pPr lvl="0">
-              <a:spcBef>
-                <a:spcPts val="0"/>
-              </a:spcBef>
-              <a:buNone/>
-            </a:pPr>
-            <a:r>
-              <a:t/>
-            </a:r>
-            <a:endParaRPr b="1" sz="2400">
-              <a:latin typeface="Economica"/>
-              <a:ea typeface="Economica"/>
-              <a:cs typeface="Economica"/>
-              <a:sym typeface="Economica"/>
-            </a:endParaRPr>
-          </a:p>
-        </p:txBody>
-      </p:sp>
-      <p:sp>
-        <p:nvSpPr>
-          <p:cNvPr id="171" name="Shape 171"/>
+              <a:t>Sarcastic, against the evaluation system in Pakistan</a:t>
+            </a:r>
+          </a:p>
+          <a:p>
+            <a:pPr indent="-355600" lvl="0" marL="457200" rtl="0">
+              <a:spcBef>
+                <a:spcPts val="0"/>
+              </a:spcBef>
+              <a:buSzPct val="100000"/>
+              <a:buFont typeface="Economica"/>
+              <a:buChar char="●"/>
+            </a:pPr>
+            <a:r>
+              <a:rPr b="1" lang="en" sz="2000">
+                <a:latin typeface="Economica"/>
+                <a:ea typeface="Economica"/>
+                <a:cs typeface="Economica"/>
+                <a:sym typeface="Economica"/>
+              </a:rPr>
+              <a:t>Was looking forward to a major overhaul</a:t>
+            </a:r>
+          </a:p>
+        </p:txBody>
+      </p:sp>
+      <p:sp>
+        <p:nvSpPr>
+          <p:cNvPr id="178" name="Shape 178"/>
           <p:cNvSpPr txBox="1"/>
           <p:nvPr/>
         </p:nvSpPr>
         <p:spPr>
           <a:xfrm>
-            <a:off x="-900975" y="1083450"/>
-            <a:ext cx="6569100" cy="766500"/>
+            <a:off x="4745475" y="774575"/>
+            <a:ext cx="3493200" cy="1245600"/>
           </a:xfrm>
           <a:prstGeom prst="rect">
             <a:avLst/>
@@ -16109,16 +18437,42 @@
           </a:bodyPr>
           <a:lstStyle/>
           <a:p>
-            <a:pPr lvl="0">
-              <a:spcBef>
-                <a:spcPts val="0"/>
-              </a:spcBef>
-              <a:buNone/>
-            </a:pPr>
-            <a:r>
-              <a:t/>
-            </a:r>
-            <a:endParaRPr/>
+            <a:pPr indent="-355600" lvl="0" marL="457200" rtl="0">
+              <a:spcBef>
+                <a:spcPts val="0"/>
+              </a:spcBef>
+              <a:buSzPct val="100000"/>
+              <a:buFont typeface="Economica"/>
+              <a:buChar char="●"/>
+            </a:pPr>
+            <a:r>
+              <a:rPr b="1" lang="en" sz="2000">
+                <a:latin typeface="Economica"/>
+                <a:ea typeface="Economica"/>
+                <a:cs typeface="Economica"/>
+                <a:sym typeface="Economica"/>
+              </a:rPr>
+              <a:t>There should be a functioning authority that prevents anything like NTS.</a:t>
+            </a:r>
+          </a:p>
+          <a:p>
+            <a:pPr indent="-355600" lvl="0" marL="457200" rtl="0">
+              <a:spcBef>
+                <a:spcPts val="0"/>
+              </a:spcBef>
+              <a:buSzPct val="100000"/>
+              <a:buFont typeface="Economica"/>
+              <a:buChar char="●"/>
+            </a:pPr>
+            <a:r>
+              <a:rPr b="1" lang="en" sz="2000">
+                <a:latin typeface="Economica"/>
+                <a:ea typeface="Economica"/>
+                <a:cs typeface="Economica"/>
+                <a:sym typeface="Economica"/>
+              </a:rPr>
+              <a:t>Regulations for testing exams relevant to the field</a:t>
+            </a:r>
           </a:p>
         </p:txBody>
       </p:sp>
@@ -16135,7 +18489,7 @@
   <p:cSld>
     <p:spTree>
       <p:nvGrpSpPr>
-        <p:cNvPr id="175" name="Shape 175"/>
+        <p:cNvPr id="182" name="Shape 182"/>
         <p:cNvGrpSpPr/>
         <p:nvPr/>
       </p:nvGrpSpPr>
@@ -16147,76 +18501,62 @@
           <a:chExt cx="0" cy="0"/>
         </a:xfrm>
       </p:grpSpPr>
-      <p:cxnSp>
-        <p:nvCxnSpPr>
-          <p:cNvPr id="176" name="Shape 176"/>
-          <p:cNvCxnSpPr/>
-          <p:nvPr/>
-        </p:nvCxnSpPr>
-        <p:spPr>
-          <a:xfrm>
-            <a:off x="4565300" y="12050"/>
-            <a:ext cx="0" cy="5119500"/>
-          </a:xfrm>
-          <a:prstGeom prst="straightConnector1">
-            <a:avLst/>
-          </a:prstGeom>
-          <a:noFill/>
-          <a:ln cap="flat" cmpd="sng" w="9525">
-            <a:solidFill>
-              <a:schemeClr val="dk2"/>
-            </a:solidFill>
-            <a:prstDash val="solid"/>
-            <a:round/>
-            <a:headEnd len="lg" w="lg" type="none"/>
-            <a:tailEnd len="lg" w="lg" type="none"/>
-          </a:ln>
-        </p:spPr>
-      </p:cxnSp>
-      <p:cxnSp>
-        <p:nvCxnSpPr>
-          <p:cNvPr id="177" name="Shape 177"/>
-          <p:cNvCxnSpPr/>
-          <p:nvPr/>
-        </p:nvCxnSpPr>
-        <p:spPr>
-          <a:xfrm>
-            <a:off x="-23400" y="2650050"/>
-            <a:ext cx="9190800" cy="12000"/>
-          </a:xfrm>
-          <a:prstGeom prst="straightConnector1">
-            <a:avLst/>
-          </a:prstGeom>
-          <a:noFill/>
-          <a:ln cap="flat" cmpd="sng" w="9525">
-            <a:solidFill>
-              <a:schemeClr val="dk2"/>
-            </a:solidFill>
-            <a:prstDash val="solid"/>
-            <a:round/>
-            <a:headEnd len="lg" w="lg" type="none"/>
-            <a:tailEnd len="lg" w="lg" type="none"/>
-          </a:ln>
-        </p:spPr>
-      </p:cxnSp>
-      <p:sp>
-        <p:nvSpPr>
-          <p:cNvPr id="178" name="Shape 178"/>
+      <p:sp>
+        <p:nvSpPr>
+          <p:cNvPr id="183" name="Shape 183"/>
           <p:cNvSpPr txBox="1"/>
-          <p:nvPr/>
-        </p:nvSpPr>
-        <p:spPr>
-          <a:xfrm>
-            <a:off x="0" y="12050"/>
-            <a:ext cx="1879200" cy="578100"/>
+          <p:nvPr>
+            <p:ph type="title"/>
+          </p:nvPr>
+        </p:nvSpPr>
+        <p:spPr>
+          <a:xfrm>
+            <a:off x="265500" y="929275"/>
+            <a:ext cx="4045200" cy="1786200"/>
           </a:xfrm>
           <a:prstGeom prst="rect">
             <a:avLst/>
           </a:prstGeom>
-          <a:noFill/>
-          <a:ln>
-            <a:noFill/>
-          </a:ln>
+        </p:spPr>
+        <p:txBody>
+          <a:bodyPr anchorCtr="0" anchor="b" bIns="91425" lIns="91425" rIns="91425" tIns="91425">
+            <a:noAutofit/>
+          </a:bodyPr>
+          <a:lstStyle/>
+          <a:p>
+            <a:pPr lvl="0" rtl="0">
+              <a:spcBef>
+                <a:spcPts val="0"/>
+              </a:spcBef>
+              <a:buNone/>
+            </a:pPr>
+            <a:r>
+              <a:rPr b="1" lang="en" sz="4800">
+                <a:solidFill>
+                  <a:srgbClr val="212121"/>
+                </a:solidFill>
+              </a:rPr>
+              <a:t>Interviewee 2</a:t>
+            </a:r>
+          </a:p>
+        </p:txBody>
+      </p:sp>
+      <p:sp>
+        <p:nvSpPr>
+          <p:cNvPr id="184" name="Shape 184"/>
+          <p:cNvSpPr txBox="1"/>
+          <p:nvPr>
+            <p:ph idx="1" type="subTitle"/>
+          </p:nvPr>
+        </p:nvSpPr>
+        <p:spPr>
+          <a:xfrm>
+            <a:off x="265500" y="2769000"/>
+            <a:ext cx="4045200" cy="1574100"/>
+          </a:xfrm>
+          <a:prstGeom prst="rect">
+            <a:avLst/>
+          </a:prstGeom>
         </p:spPr>
         <p:txBody>
           <a:bodyPr anchorCtr="0" anchor="t" bIns="91425" lIns="91425" rIns="91425" tIns="91425">
@@ -16224,398 +18564,182 @@
           </a:bodyPr>
           <a:lstStyle/>
           <a:p>
-            <a:pPr lvl="0" rtl="0" algn="ctr">
-              <a:spcBef>
-                <a:spcPts val="0"/>
-              </a:spcBef>
-              <a:buNone/>
-            </a:pPr>
-            <a:r>
-              <a:rPr b="1" lang="en" sz="3600">
-                <a:solidFill>
-                  <a:schemeClr val="accent1"/>
+            <a:pPr lvl="0" rtl="0">
+              <a:spcBef>
+                <a:spcPts val="0"/>
+              </a:spcBef>
+              <a:buNone/>
+            </a:pPr>
+            <a:r>
+              <a:rPr lang="en"/>
+              <a:t>Project Manager</a:t>
+            </a:r>
+          </a:p>
+        </p:txBody>
+      </p:sp>
+      <p:sp>
+        <p:nvSpPr>
+          <p:cNvPr id="185" name="Shape 185"/>
+          <p:cNvSpPr txBox="1"/>
+          <p:nvPr>
+            <p:ph idx="2" type="body"/>
+          </p:nvPr>
+        </p:nvSpPr>
+        <p:spPr>
+          <a:xfrm>
+            <a:off x="4939500" y="929275"/>
+            <a:ext cx="3837000" cy="3695100"/>
+          </a:xfrm>
+          <a:prstGeom prst="rect">
+            <a:avLst/>
+          </a:prstGeom>
+        </p:spPr>
+        <p:txBody>
+          <a:bodyPr anchorCtr="0" anchor="ctr" bIns="91425" lIns="91425" rIns="91425" tIns="91425">
+            <a:noAutofit/>
+          </a:bodyPr>
+          <a:lstStyle/>
+          <a:p>
+            <a:pPr lvl="0">
+              <a:spcBef>
+                <a:spcPts val="0"/>
+              </a:spcBef>
+              <a:buClr>
+                <a:schemeClr val="dk1"/>
+              </a:buClr>
+              <a:buSzPct val="45833"/>
+              <a:buFont typeface="Arial"/>
+              <a:buNone/>
+            </a:pPr>
+            <a:r>
+              <a:rPr b="1" lang="en" sz="2400">
+                <a:solidFill>
+                  <a:srgbClr val="212121"/>
                 </a:solidFill>
                 <a:latin typeface="Economica"/>
                 <a:ea typeface="Economica"/>
                 <a:cs typeface="Economica"/>
                 <a:sym typeface="Economica"/>
               </a:rPr>
-              <a:t>Say</a:t>
-            </a:r>
-          </a:p>
-        </p:txBody>
-      </p:sp>
-      <p:sp>
-        <p:nvSpPr>
-          <p:cNvPr id="179" name="Shape 179"/>
-          <p:cNvSpPr txBox="1"/>
-          <p:nvPr/>
-        </p:nvSpPr>
-        <p:spPr>
-          <a:xfrm>
-            <a:off x="6018600" y="2750075"/>
-            <a:ext cx="1879200" cy="578100"/>
-          </a:xfrm>
-          <a:prstGeom prst="rect">
-            <a:avLst/>
-          </a:prstGeom>
-          <a:noFill/>
-          <a:ln>
-            <a:noFill/>
-          </a:ln>
-        </p:spPr>
-        <p:txBody>
-          <a:bodyPr anchorCtr="0" anchor="t" bIns="91425" lIns="91425" rIns="91425" tIns="91425">
-            <a:noAutofit/>
-          </a:bodyPr>
-          <a:lstStyle/>
-          <a:p>
-            <a:pPr lvl="0" rtl="0" algn="ctr">
-              <a:spcBef>
-                <a:spcPts val="0"/>
-              </a:spcBef>
-              <a:buNone/>
-            </a:pPr>
-            <a:r>
-              <a:rPr b="1" lang="en" sz="3600">
-                <a:solidFill>
-                  <a:schemeClr val="accent1"/>
+              <a:t>NAME: </a:t>
+            </a:r>
+            <a:r>
+              <a:rPr lang="en" sz="2400">
+                <a:solidFill>
+                  <a:srgbClr val="212121"/>
                 </a:solidFill>
                 <a:latin typeface="Economica"/>
                 <a:ea typeface="Economica"/>
                 <a:cs typeface="Economica"/>
                 <a:sym typeface="Economica"/>
               </a:rPr>
-              <a:t>Feel</a:t>
-            </a:r>
-          </a:p>
-        </p:txBody>
-      </p:sp>
-      <p:sp>
-        <p:nvSpPr>
-          <p:cNvPr id="180" name="Shape 180"/>
-          <p:cNvSpPr txBox="1"/>
-          <p:nvPr/>
-        </p:nvSpPr>
-        <p:spPr>
-          <a:xfrm>
-            <a:off x="497550" y="2750075"/>
-            <a:ext cx="1879200" cy="578100"/>
-          </a:xfrm>
-          <a:prstGeom prst="rect">
-            <a:avLst/>
-          </a:prstGeom>
-          <a:noFill/>
-          <a:ln>
-            <a:noFill/>
-          </a:ln>
-        </p:spPr>
-        <p:txBody>
-          <a:bodyPr anchorCtr="0" anchor="t" bIns="91425" lIns="91425" rIns="91425" tIns="91425">
-            <a:noAutofit/>
-          </a:bodyPr>
-          <a:lstStyle/>
-          <a:p>
-            <a:pPr lvl="0" rtl="0" algn="ctr">
-              <a:spcBef>
-                <a:spcPts val="0"/>
-              </a:spcBef>
-              <a:buNone/>
-            </a:pPr>
-            <a:r>
-              <a:rPr b="1" lang="en" sz="3600">
-                <a:solidFill>
-                  <a:schemeClr val="accent1"/>
+              <a:t>Bilal Hanif</a:t>
+            </a:r>
+          </a:p>
+          <a:p>
+            <a:pPr lvl="0">
+              <a:spcBef>
+                <a:spcPts val="0"/>
+              </a:spcBef>
+              <a:buClr>
+                <a:schemeClr val="dk1"/>
+              </a:buClr>
+              <a:buSzPct val="45833"/>
+              <a:buFont typeface="Arial"/>
+              <a:buNone/>
+            </a:pPr>
+            <a:r>
+              <a:rPr b="1" lang="en" sz="2400">
+                <a:solidFill>
+                  <a:srgbClr val="212121"/>
                 </a:solidFill>
                 <a:latin typeface="Economica"/>
                 <a:ea typeface="Economica"/>
                 <a:cs typeface="Economica"/>
                 <a:sym typeface="Economica"/>
               </a:rPr>
-              <a:t>Do</a:t>
-            </a:r>
-          </a:p>
-        </p:txBody>
-      </p:sp>
-      <p:sp>
-        <p:nvSpPr>
-          <p:cNvPr id="181" name="Shape 181"/>
-          <p:cNvSpPr txBox="1"/>
-          <p:nvPr/>
-        </p:nvSpPr>
-        <p:spPr>
-          <a:xfrm>
-            <a:off x="4745475" y="12050"/>
-            <a:ext cx="1879200" cy="578100"/>
-          </a:xfrm>
-          <a:prstGeom prst="rect">
-            <a:avLst/>
-          </a:prstGeom>
-          <a:noFill/>
-          <a:ln>
-            <a:noFill/>
-          </a:ln>
-        </p:spPr>
-        <p:txBody>
-          <a:bodyPr anchorCtr="0" anchor="t" bIns="91425" lIns="91425" rIns="91425" tIns="91425">
-            <a:noAutofit/>
-          </a:bodyPr>
-          <a:lstStyle/>
-          <a:p>
-            <a:pPr lvl="0" rtl="0" algn="ctr">
-              <a:spcBef>
-                <a:spcPts val="0"/>
-              </a:spcBef>
-              <a:buNone/>
-            </a:pPr>
-            <a:r>
-              <a:rPr b="1" lang="en" sz="3600">
-                <a:solidFill>
-                  <a:schemeClr val="accent1"/>
+              <a:t>REASON FOR INTERVIEW: </a:t>
+            </a:r>
+            <a:r>
+              <a:rPr lang="en" sz="2400">
+                <a:solidFill>
+                  <a:srgbClr val="212121"/>
                 </a:solidFill>
                 <a:latin typeface="Economica"/>
                 <a:ea typeface="Economica"/>
                 <a:cs typeface="Economica"/>
                 <a:sym typeface="Economica"/>
               </a:rPr>
-              <a:t>Think</a:t>
-            </a:r>
-          </a:p>
-        </p:txBody>
-      </p:sp>
-      <p:sp>
-        <p:nvSpPr>
-          <p:cNvPr id="182" name="Shape 182"/>
-          <p:cNvSpPr txBox="1"/>
-          <p:nvPr/>
-        </p:nvSpPr>
-        <p:spPr>
-          <a:xfrm>
-            <a:off x="180625" y="590150"/>
-            <a:ext cx="4204500" cy="1818900"/>
-          </a:xfrm>
-          <a:prstGeom prst="rect">
-            <a:avLst/>
-          </a:prstGeom>
-          <a:noFill/>
-          <a:ln>
-            <a:noFill/>
-          </a:ln>
-        </p:spPr>
-        <p:txBody>
-          <a:bodyPr anchorCtr="0" anchor="t" bIns="91425" lIns="91425" rIns="91425" tIns="91425">
-            <a:noAutofit/>
-          </a:bodyPr>
-          <a:lstStyle/>
-          <a:p>
-            <a:pPr indent="-355600" lvl="0" marL="457200" rtl="0">
-              <a:spcBef>
-                <a:spcPts val="0"/>
-              </a:spcBef>
-              <a:buSzPct val="100000"/>
-              <a:buFont typeface="Economica"/>
-              <a:buChar char="●"/>
-            </a:pPr>
-            <a:r>
-              <a:rPr b="1" lang="en" sz="2000">
+              <a:t>Performed bad in the tests</a:t>
+            </a:r>
+          </a:p>
+          <a:p>
+            <a:pPr lvl="0">
+              <a:spcBef>
+                <a:spcPts val="0"/>
+              </a:spcBef>
+              <a:buClr>
+                <a:schemeClr val="dk1"/>
+              </a:buClr>
+              <a:buSzPct val="45833"/>
+              <a:buFont typeface="Arial"/>
+              <a:buNone/>
+            </a:pPr>
+            <a:r>
+              <a:rPr b="1" lang="en" sz="2400">
+                <a:solidFill>
+                  <a:srgbClr val="212121"/>
+                </a:solidFill>
                 <a:latin typeface="Economica"/>
                 <a:ea typeface="Economica"/>
                 <a:cs typeface="Economica"/>
                 <a:sym typeface="Economica"/>
               </a:rPr>
-              <a:t>Entry tests are a good representative but of a very small number of fields and skill sets</a:t>
-            </a:r>
-          </a:p>
-          <a:p>
-            <a:pPr indent="-355600" lvl="0" marL="457200" rtl="0">
-              <a:spcBef>
-                <a:spcPts val="0"/>
-              </a:spcBef>
-              <a:buSzPct val="100000"/>
-              <a:buFont typeface="Economica"/>
-              <a:buChar char="●"/>
-            </a:pPr>
-            <a:r>
-              <a:rPr b="1" lang="en" sz="2000">
+              <a:t>PLACE OF INTERVIEW: </a:t>
+            </a:r>
+            <a:r>
+              <a:rPr lang="en" sz="2400">
+                <a:solidFill>
+                  <a:srgbClr val="212121"/>
+                </a:solidFill>
                 <a:latin typeface="Economica"/>
                 <a:ea typeface="Economica"/>
                 <a:cs typeface="Economica"/>
                 <a:sym typeface="Economica"/>
               </a:rPr>
-              <a:t>NTS is a big shame and I am grateful that its operations have halted</a:t>
-            </a:r>
-          </a:p>
-        </p:txBody>
-      </p:sp>
-      <p:sp>
-        <p:nvSpPr>
-          <p:cNvPr id="183" name="Shape 183"/>
-          <p:cNvSpPr txBox="1"/>
-          <p:nvPr/>
-        </p:nvSpPr>
-        <p:spPr>
-          <a:xfrm>
-            <a:off x="5118925" y="3657675"/>
-            <a:ext cx="3493200" cy="843300"/>
-          </a:xfrm>
-          <a:prstGeom prst="rect">
-            <a:avLst/>
-          </a:prstGeom>
-          <a:noFill/>
-          <a:ln>
-            <a:noFill/>
-          </a:ln>
-        </p:spPr>
-        <p:txBody>
-          <a:bodyPr anchorCtr="0" anchor="t" bIns="91425" lIns="91425" rIns="91425" tIns="91425">
-            <a:noAutofit/>
-          </a:bodyPr>
-          <a:lstStyle/>
-          <a:p>
-            <a:pPr indent="-355600" lvl="0" marL="457200" rtl="0">
-              <a:spcBef>
-                <a:spcPts val="0"/>
-              </a:spcBef>
-              <a:buSzPct val="100000"/>
-              <a:buFont typeface="Economica"/>
-              <a:buChar char="●"/>
-            </a:pPr>
-            <a:r>
-              <a:rPr b="1" lang="en" sz="2000">
+              <a:t>Skype</a:t>
+            </a:r>
+          </a:p>
+          <a:p>
+            <a:pPr lvl="0" rtl="0">
+              <a:spcBef>
+                <a:spcPts val="0"/>
+              </a:spcBef>
+              <a:buNone/>
+            </a:pPr>
+            <a:r>
+              <a:rPr b="1" lang="en" sz="2400">
+                <a:solidFill>
+                  <a:srgbClr val="212121"/>
+                </a:solidFill>
                 <a:latin typeface="Economica"/>
                 <a:ea typeface="Economica"/>
                 <a:cs typeface="Economica"/>
                 <a:sym typeface="Economica"/>
               </a:rPr>
-              <a:t>Disappointed in current evaluation system</a:t>
-            </a:r>
-          </a:p>
-        </p:txBody>
-      </p:sp>
-      <p:sp>
-        <p:nvSpPr>
-          <p:cNvPr id="184" name="Shape 184"/>
-          <p:cNvSpPr txBox="1"/>
-          <p:nvPr/>
-        </p:nvSpPr>
-        <p:spPr>
-          <a:xfrm>
-            <a:off x="180700" y="3416200"/>
-            <a:ext cx="3493200" cy="1245600"/>
-          </a:xfrm>
-          <a:prstGeom prst="rect">
-            <a:avLst/>
-          </a:prstGeom>
-          <a:noFill/>
-          <a:ln>
-            <a:noFill/>
-          </a:ln>
-        </p:spPr>
-        <p:txBody>
-          <a:bodyPr anchorCtr="0" anchor="t" bIns="91425" lIns="91425" rIns="91425" tIns="91425">
-            <a:noAutofit/>
-          </a:bodyPr>
-          <a:lstStyle/>
-          <a:p>
-            <a:pPr indent="-355600" lvl="0" marL="457200">
-              <a:spcBef>
-                <a:spcPts val="0"/>
-              </a:spcBef>
-              <a:buSzPct val="100000"/>
-              <a:buFont typeface="Economica"/>
-              <a:buChar char="●"/>
-            </a:pPr>
-            <a:r>
-              <a:rPr b="1" lang="en" sz="2000">
+              <a:t>METHOD OF RECRUITMENT: </a:t>
+            </a:r>
+            <a:r>
+              <a:rPr lang="en" sz="2400">
+                <a:solidFill>
+                  <a:srgbClr val="212121"/>
+                </a:solidFill>
                 <a:latin typeface="Economica"/>
                 <a:ea typeface="Economica"/>
                 <a:cs typeface="Economica"/>
                 <a:sym typeface="Economica"/>
               </a:rPr>
-              <a:t>Sarcastic, against the evaluation system in Pakistan</a:t>
-            </a:r>
-          </a:p>
-          <a:p>
-            <a:pPr indent="-355600" lvl="0" marL="457200" rtl="0">
-              <a:spcBef>
-                <a:spcPts val="0"/>
-              </a:spcBef>
-              <a:buSzPct val="100000"/>
-              <a:buFont typeface="Economica"/>
-              <a:buChar char="●"/>
-            </a:pPr>
-            <a:r>
-              <a:rPr b="1" lang="en" sz="2000">
-                <a:latin typeface="Economica"/>
-                <a:ea typeface="Economica"/>
-                <a:cs typeface="Economica"/>
-                <a:sym typeface="Economica"/>
-              </a:rPr>
-              <a:t>Was looking forward to a major overhaul</a:t>
-            </a:r>
-          </a:p>
-        </p:txBody>
-      </p:sp>
-      <p:sp>
-        <p:nvSpPr>
-          <p:cNvPr id="185" name="Shape 185"/>
-          <p:cNvSpPr txBox="1"/>
-          <p:nvPr/>
-        </p:nvSpPr>
-        <p:spPr>
-          <a:xfrm>
-            <a:off x="4745475" y="774575"/>
-            <a:ext cx="3493200" cy="1245600"/>
-          </a:xfrm>
-          <a:prstGeom prst="rect">
-            <a:avLst/>
-          </a:prstGeom>
-          <a:noFill/>
-          <a:ln>
-            <a:noFill/>
-          </a:ln>
-        </p:spPr>
-        <p:txBody>
-          <a:bodyPr anchorCtr="0" anchor="t" bIns="91425" lIns="91425" rIns="91425" tIns="91425">
-            <a:noAutofit/>
-          </a:bodyPr>
-          <a:lstStyle/>
-          <a:p>
-            <a:pPr indent="-355600" lvl="0" marL="457200" rtl="0">
-              <a:spcBef>
-                <a:spcPts val="0"/>
-              </a:spcBef>
-              <a:buSzPct val="100000"/>
-              <a:buFont typeface="Economica"/>
-              <a:buChar char="●"/>
-            </a:pPr>
-            <a:r>
-              <a:rPr b="1" lang="en" sz="2000">
-                <a:latin typeface="Economica"/>
-                <a:ea typeface="Economica"/>
-                <a:cs typeface="Economica"/>
-                <a:sym typeface="Economica"/>
-              </a:rPr>
-              <a:t>There should be a functioning authority that prevents anything like NTS.</a:t>
-            </a:r>
-          </a:p>
-          <a:p>
-            <a:pPr indent="-355600" lvl="0" marL="457200" rtl="0">
-              <a:spcBef>
-                <a:spcPts val="0"/>
-              </a:spcBef>
-              <a:buSzPct val="100000"/>
-              <a:buFont typeface="Economica"/>
-              <a:buChar char="●"/>
-            </a:pPr>
-            <a:r>
-              <a:rPr b="1" lang="en" sz="2000">
-                <a:latin typeface="Economica"/>
-                <a:ea typeface="Economica"/>
-                <a:cs typeface="Economica"/>
-                <a:sym typeface="Economica"/>
-              </a:rPr>
-              <a:t>Regulations for testing exams relevant to the field</a:t>
+              <a:t>Contacted by phone</a:t>
             </a:r>
           </a:p>
         </p:txBody>
@@ -16645,62 +18769,76 @@
           <a:chExt cx="0" cy="0"/>
         </a:xfrm>
       </p:grpSpPr>
-      <p:sp>
-        <p:nvSpPr>
+      <p:cxnSp>
+        <p:nvCxnSpPr>
           <p:cNvPr id="190" name="Shape 190"/>
+          <p:cNvCxnSpPr/>
+          <p:nvPr/>
+        </p:nvCxnSpPr>
+        <p:spPr>
+          <a:xfrm>
+            <a:off x="4565300" y="12050"/>
+            <a:ext cx="0" cy="5119500"/>
+          </a:xfrm>
+          <a:prstGeom prst="straightConnector1">
+            <a:avLst/>
+          </a:prstGeom>
+          <a:noFill/>
+          <a:ln cap="flat" cmpd="sng" w="9525">
+            <a:solidFill>
+              <a:schemeClr val="dk2"/>
+            </a:solidFill>
+            <a:prstDash val="solid"/>
+            <a:round/>
+            <a:headEnd len="lg" w="lg" type="none"/>
+            <a:tailEnd len="lg" w="lg" type="none"/>
+          </a:ln>
+        </p:spPr>
+      </p:cxnSp>
+      <p:cxnSp>
+        <p:nvCxnSpPr>
+          <p:cNvPr id="191" name="Shape 191"/>
+          <p:cNvCxnSpPr/>
+          <p:nvPr/>
+        </p:nvCxnSpPr>
+        <p:spPr>
+          <a:xfrm>
+            <a:off x="-23400" y="2650050"/>
+            <a:ext cx="9190800" cy="12000"/>
+          </a:xfrm>
+          <a:prstGeom prst="straightConnector1">
+            <a:avLst/>
+          </a:prstGeom>
+          <a:noFill/>
+          <a:ln cap="flat" cmpd="sng" w="9525">
+            <a:solidFill>
+              <a:schemeClr val="dk2"/>
+            </a:solidFill>
+            <a:prstDash val="solid"/>
+            <a:round/>
+            <a:headEnd len="lg" w="lg" type="none"/>
+            <a:tailEnd len="lg" w="lg" type="none"/>
+          </a:ln>
+        </p:spPr>
+      </p:cxnSp>
+      <p:sp>
+        <p:nvSpPr>
+          <p:cNvPr id="192" name="Shape 192"/>
           <p:cNvSpPr txBox="1"/>
-          <p:nvPr>
-            <p:ph type="title"/>
-          </p:nvPr>
-        </p:nvSpPr>
-        <p:spPr>
-          <a:xfrm>
-            <a:off x="265500" y="929275"/>
-            <a:ext cx="4045200" cy="1786200"/>
+          <p:nvPr/>
+        </p:nvSpPr>
+        <p:spPr>
+          <a:xfrm>
+            <a:off x="0" y="12050"/>
+            <a:ext cx="1879200" cy="578100"/>
           </a:xfrm>
           <a:prstGeom prst="rect">
             <a:avLst/>
           </a:prstGeom>
-        </p:spPr>
-        <p:txBody>
-          <a:bodyPr anchorCtr="0" anchor="b" bIns="91425" lIns="91425" rIns="91425" tIns="91425">
-            <a:noAutofit/>
-          </a:bodyPr>
-          <a:lstStyle/>
-          <a:p>
-            <a:pPr lvl="0" rtl="0">
-              <a:spcBef>
-                <a:spcPts val="0"/>
-              </a:spcBef>
-              <a:buNone/>
-            </a:pPr>
-            <a:r>
-              <a:rPr b="1" lang="en" sz="4800">
-                <a:solidFill>
-                  <a:srgbClr val="212121"/>
-                </a:solidFill>
-              </a:rPr>
-              <a:t>Interviewee 2</a:t>
-            </a:r>
-          </a:p>
-        </p:txBody>
-      </p:sp>
-      <p:sp>
-        <p:nvSpPr>
-          <p:cNvPr id="191" name="Shape 191"/>
-          <p:cNvSpPr txBox="1"/>
-          <p:nvPr>
-            <p:ph idx="1" type="subTitle"/>
-          </p:nvPr>
-        </p:nvSpPr>
-        <p:spPr>
-          <a:xfrm>
-            <a:off x="265500" y="2769000"/>
-            <a:ext cx="4045200" cy="1574100"/>
-          </a:xfrm>
-          <a:prstGeom prst="rect">
-            <a:avLst/>
-          </a:prstGeom>
+          <a:noFill/>
+          <a:ln>
+            <a:noFill/>
+          </a:ln>
         </p:spPr>
         <p:txBody>
           <a:bodyPr anchorCtr="0" anchor="t" bIns="91425" lIns="91425" rIns="91425" tIns="91425">
@@ -16708,182 +18846,411 @@
           </a:bodyPr>
           <a:lstStyle/>
           <a:p>
-            <a:pPr lvl="0" rtl="0">
-              <a:spcBef>
-                <a:spcPts val="0"/>
-              </a:spcBef>
-              <a:buNone/>
-            </a:pPr>
-            <a:r>
-              <a:rPr lang="en"/>
-              <a:t>Project Manager</a:t>
-            </a:r>
-          </a:p>
-        </p:txBody>
-      </p:sp>
-      <p:sp>
-        <p:nvSpPr>
-          <p:cNvPr id="192" name="Shape 192"/>
-          <p:cNvSpPr txBox="1"/>
-          <p:nvPr>
-            <p:ph idx="2" type="body"/>
-          </p:nvPr>
-        </p:nvSpPr>
-        <p:spPr>
-          <a:xfrm>
-            <a:off x="4939500" y="929275"/>
-            <a:ext cx="3837000" cy="3695100"/>
-          </a:xfrm>
-          <a:prstGeom prst="rect">
-            <a:avLst/>
-          </a:prstGeom>
-        </p:spPr>
-        <p:txBody>
-          <a:bodyPr anchorCtr="0" anchor="ctr" bIns="91425" lIns="91425" rIns="91425" tIns="91425">
-            <a:noAutofit/>
-          </a:bodyPr>
-          <a:lstStyle/>
-          <a:p>
-            <a:pPr lvl="0">
-              <a:spcBef>
-                <a:spcPts val="0"/>
-              </a:spcBef>
-              <a:buClr>
-                <a:schemeClr val="dk1"/>
-              </a:buClr>
-              <a:buSzPct val="45833"/>
-              <a:buFont typeface="Arial"/>
-              <a:buNone/>
-            </a:pPr>
-            <a:r>
-              <a:rPr b="1" lang="en" sz="2400">
-                <a:solidFill>
-                  <a:srgbClr val="212121"/>
+            <a:pPr lvl="0" rtl="0" algn="ctr">
+              <a:spcBef>
+                <a:spcPts val="0"/>
+              </a:spcBef>
+              <a:buNone/>
+            </a:pPr>
+            <a:r>
+              <a:rPr b="1" lang="en" sz="3600">
+                <a:solidFill>
+                  <a:schemeClr val="accent1"/>
                 </a:solidFill>
                 <a:latin typeface="Economica"/>
                 <a:ea typeface="Economica"/>
                 <a:cs typeface="Economica"/>
                 <a:sym typeface="Economica"/>
               </a:rPr>
-              <a:t>NAME: </a:t>
-            </a:r>
-            <a:r>
-              <a:rPr lang="en" sz="2400">
-                <a:solidFill>
-                  <a:srgbClr val="212121"/>
+              <a:t>Say</a:t>
+            </a:r>
+          </a:p>
+        </p:txBody>
+      </p:sp>
+      <p:sp>
+        <p:nvSpPr>
+          <p:cNvPr id="193" name="Shape 193"/>
+          <p:cNvSpPr txBox="1"/>
+          <p:nvPr/>
+        </p:nvSpPr>
+        <p:spPr>
+          <a:xfrm>
+            <a:off x="6018600" y="2750075"/>
+            <a:ext cx="1879200" cy="578100"/>
+          </a:xfrm>
+          <a:prstGeom prst="rect">
+            <a:avLst/>
+          </a:prstGeom>
+          <a:noFill/>
+          <a:ln>
+            <a:noFill/>
+          </a:ln>
+        </p:spPr>
+        <p:txBody>
+          <a:bodyPr anchorCtr="0" anchor="t" bIns="91425" lIns="91425" rIns="91425" tIns="91425">
+            <a:noAutofit/>
+          </a:bodyPr>
+          <a:lstStyle/>
+          <a:p>
+            <a:pPr lvl="0" rtl="0" algn="ctr">
+              <a:spcBef>
+                <a:spcPts val="0"/>
+              </a:spcBef>
+              <a:buNone/>
+            </a:pPr>
+            <a:r>
+              <a:rPr b="1" lang="en" sz="3600">
+                <a:solidFill>
+                  <a:schemeClr val="accent1"/>
                 </a:solidFill>
                 <a:latin typeface="Economica"/>
                 <a:ea typeface="Economica"/>
                 <a:cs typeface="Economica"/>
                 <a:sym typeface="Economica"/>
               </a:rPr>
-              <a:t>Bilal Hanif</a:t>
-            </a:r>
-          </a:p>
-          <a:p>
-            <a:pPr lvl="0">
-              <a:spcBef>
-                <a:spcPts val="0"/>
-              </a:spcBef>
-              <a:buClr>
-                <a:schemeClr val="dk1"/>
-              </a:buClr>
-              <a:buSzPct val="45833"/>
-              <a:buFont typeface="Arial"/>
-              <a:buNone/>
-            </a:pPr>
-            <a:r>
-              <a:rPr b="1" lang="en" sz="2400">
-                <a:solidFill>
-                  <a:srgbClr val="212121"/>
+              <a:t>Feel</a:t>
+            </a:r>
+          </a:p>
+        </p:txBody>
+      </p:sp>
+      <p:sp>
+        <p:nvSpPr>
+          <p:cNvPr id="194" name="Shape 194"/>
+          <p:cNvSpPr txBox="1"/>
+          <p:nvPr/>
+        </p:nvSpPr>
+        <p:spPr>
+          <a:xfrm>
+            <a:off x="497550" y="2750075"/>
+            <a:ext cx="1879200" cy="578100"/>
+          </a:xfrm>
+          <a:prstGeom prst="rect">
+            <a:avLst/>
+          </a:prstGeom>
+          <a:noFill/>
+          <a:ln>
+            <a:noFill/>
+          </a:ln>
+        </p:spPr>
+        <p:txBody>
+          <a:bodyPr anchorCtr="0" anchor="t" bIns="91425" lIns="91425" rIns="91425" tIns="91425">
+            <a:noAutofit/>
+          </a:bodyPr>
+          <a:lstStyle/>
+          <a:p>
+            <a:pPr lvl="0" rtl="0" algn="ctr">
+              <a:spcBef>
+                <a:spcPts val="0"/>
+              </a:spcBef>
+              <a:buNone/>
+            </a:pPr>
+            <a:r>
+              <a:rPr b="1" lang="en" sz="3600">
+                <a:solidFill>
+                  <a:schemeClr val="accent1"/>
                 </a:solidFill>
                 <a:latin typeface="Economica"/>
                 <a:ea typeface="Economica"/>
                 <a:cs typeface="Economica"/>
                 <a:sym typeface="Economica"/>
               </a:rPr>
-              <a:t>REASON FOR INTERVIEW: </a:t>
-            </a:r>
-            <a:r>
-              <a:rPr lang="en" sz="2400">
-                <a:solidFill>
-                  <a:srgbClr val="212121"/>
+              <a:t>Do</a:t>
+            </a:r>
+          </a:p>
+        </p:txBody>
+      </p:sp>
+      <p:sp>
+        <p:nvSpPr>
+          <p:cNvPr id="195" name="Shape 195"/>
+          <p:cNvSpPr txBox="1"/>
+          <p:nvPr/>
+        </p:nvSpPr>
+        <p:spPr>
+          <a:xfrm>
+            <a:off x="4745475" y="12050"/>
+            <a:ext cx="1879200" cy="578100"/>
+          </a:xfrm>
+          <a:prstGeom prst="rect">
+            <a:avLst/>
+          </a:prstGeom>
+          <a:noFill/>
+          <a:ln>
+            <a:noFill/>
+          </a:ln>
+        </p:spPr>
+        <p:txBody>
+          <a:bodyPr anchorCtr="0" anchor="t" bIns="91425" lIns="91425" rIns="91425" tIns="91425">
+            <a:noAutofit/>
+          </a:bodyPr>
+          <a:lstStyle/>
+          <a:p>
+            <a:pPr lvl="0" rtl="0" algn="ctr">
+              <a:spcBef>
+                <a:spcPts val="0"/>
+              </a:spcBef>
+              <a:buNone/>
+            </a:pPr>
+            <a:r>
+              <a:rPr b="1" lang="en" sz="3600">
+                <a:solidFill>
+                  <a:schemeClr val="accent1"/>
                 </a:solidFill>
                 <a:latin typeface="Economica"/>
                 <a:ea typeface="Economica"/>
                 <a:cs typeface="Economica"/>
                 <a:sym typeface="Economica"/>
               </a:rPr>
-              <a:t>Performed bad in the tests</a:t>
-            </a:r>
-          </a:p>
-          <a:p>
-            <a:pPr lvl="0">
-              <a:spcBef>
-                <a:spcPts val="0"/>
-              </a:spcBef>
-              <a:buClr>
-                <a:schemeClr val="dk1"/>
-              </a:buClr>
-              <a:buSzPct val="45833"/>
-              <a:buFont typeface="Arial"/>
-              <a:buNone/>
-            </a:pPr>
-            <a:r>
-              <a:rPr b="1" lang="en" sz="2400">
-                <a:solidFill>
-                  <a:srgbClr val="212121"/>
-                </a:solidFill>
+              <a:t>Think</a:t>
+            </a:r>
+          </a:p>
+        </p:txBody>
+      </p:sp>
+      <p:sp>
+        <p:nvSpPr>
+          <p:cNvPr id="196" name="Shape 196"/>
+          <p:cNvSpPr txBox="1"/>
+          <p:nvPr/>
+        </p:nvSpPr>
+        <p:spPr>
+          <a:xfrm>
+            <a:off x="180625" y="590150"/>
+            <a:ext cx="4204500" cy="1818900"/>
+          </a:xfrm>
+          <a:prstGeom prst="rect">
+            <a:avLst/>
+          </a:prstGeom>
+          <a:noFill/>
+          <a:ln>
+            <a:noFill/>
+          </a:ln>
+        </p:spPr>
+        <p:txBody>
+          <a:bodyPr anchorCtr="0" anchor="t" bIns="91425" lIns="91425" rIns="91425" tIns="91425">
+            <a:noAutofit/>
+          </a:bodyPr>
+          <a:lstStyle/>
+          <a:p>
+            <a:pPr indent="-355600" lvl="0" marL="457200" rtl="0">
+              <a:spcBef>
+                <a:spcPts val="0"/>
+              </a:spcBef>
+              <a:buSzPct val="100000"/>
+              <a:buFont typeface="Economica"/>
+              <a:buChar char="●"/>
+            </a:pPr>
+            <a:r>
+              <a:rPr b="1" lang="en" sz="2000">
                 <a:latin typeface="Economica"/>
                 <a:ea typeface="Economica"/>
                 <a:cs typeface="Economica"/>
                 <a:sym typeface="Economica"/>
               </a:rPr>
-              <a:t>PLACE OF INTERVIEW: </a:t>
-            </a:r>
-            <a:r>
-              <a:rPr lang="en" sz="2400">
-                <a:solidFill>
-                  <a:srgbClr val="212121"/>
-                </a:solidFill>
+              <a:t>NO!... Not at all. Come on look at me, I was terrible in the exams but i think I turned out alright</a:t>
+            </a:r>
+          </a:p>
+          <a:p>
+            <a:pPr indent="-355600" lvl="0" marL="457200" rtl="0">
+              <a:spcBef>
+                <a:spcPts val="0"/>
+              </a:spcBef>
+              <a:buSzPct val="100000"/>
+              <a:buFont typeface="Economica"/>
+              <a:buChar char="●"/>
+            </a:pPr>
+            <a:r>
+              <a:rPr b="1" lang="en" sz="2000">
                 <a:latin typeface="Economica"/>
                 <a:ea typeface="Economica"/>
                 <a:cs typeface="Economica"/>
                 <a:sym typeface="Economica"/>
               </a:rPr>
-              <a:t>Skype</a:t>
-            </a:r>
-          </a:p>
-          <a:p>
-            <a:pPr lvl="0" rtl="0">
-              <a:spcBef>
-                <a:spcPts val="0"/>
-              </a:spcBef>
-              <a:buNone/>
-            </a:pPr>
-            <a:r>
-              <a:rPr b="1" lang="en" sz="2400">
-                <a:solidFill>
-                  <a:srgbClr val="212121"/>
-                </a:solidFill>
+              <a:t>I have </a:t>
+            </a:r>
+            <a:r>
+              <a:rPr b="1" lang="en" sz="2000">
+                <a:solidFill>
+                  <a:srgbClr val="222222"/>
+                </a:solidFill>
+                <a:highlight>
+                  <a:srgbClr val="FFFFFF"/>
+                </a:highlight>
                 <a:latin typeface="Economica"/>
                 <a:ea typeface="Economica"/>
                 <a:cs typeface="Economica"/>
                 <a:sym typeface="Economica"/>
               </a:rPr>
-              <a:t>METHOD OF RECRUITMENT: </a:t>
-            </a:r>
-            <a:r>
-              <a:rPr lang="en" sz="2400">
-                <a:solidFill>
-                  <a:srgbClr val="212121"/>
-                </a:solidFill>
+              <a:t>dyslexia</a:t>
+            </a:r>
+          </a:p>
+          <a:p>
+            <a:pPr indent="-355600" lvl="0" marL="457200" rtl="0">
+              <a:spcBef>
+                <a:spcPts val="0"/>
+              </a:spcBef>
+              <a:buSzPct val="100000"/>
+              <a:buFont typeface="Economica"/>
+              <a:buChar char="●"/>
+            </a:pPr>
+            <a:r>
+              <a:rPr b="1" lang="en" sz="2000">
                 <a:latin typeface="Economica"/>
                 <a:ea typeface="Economica"/>
                 <a:cs typeface="Economica"/>
                 <a:sym typeface="Economica"/>
               </a:rPr>
-              <a:t>Contacted by phone</a:t>
+              <a:t>Yes I switched my field</a:t>
+            </a:r>
+          </a:p>
+        </p:txBody>
+      </p:sp>
+      <p:sp>
+        <p:nvSpPr>
+          <p:cNvPr id="197" name="Shape 197"/>
+          <p:cNvSpPr txBox="1"/>
+          <p:nvPr/>
+        </p:nvSpPr>
+        <p:spPr>
+          <a:xfrm>
+            <a:off x="5118925" y="3657675"/>
+            <a:ext cx="3493200" cy="843300"/>
+          </a:xfrm>
+          <a:prstGeom prst="rect">
+            <a:avLst/>
+          </a:prstGeom>
+          <a:noFill/>
+          <a:ln>
+            <a:noFill/>
+          </a:ln>
+        </p:spPr>
+        <p:txBody>
+          <a:bodyPr anchorCtr="0" anchor="t" bIns="91425" lIns="91425" rIns="91425" tIns="91425">
+            <a:noAutofit/>
+          </a:bodyPr>
+          <a:lstStyle/>
+          <a:p>
+            <a:pPr indent="-355600" lvl="0" marL="457200" rtl="0">
+              <a:spcBef>
+                <a:spcPts val="0"/>
+              </a:spcBef>
+              <a:buSzPct val="100000"/>
+              <a:buFont typeface="Economica"/>
+              <a:buChar char="●"/>
+            </a:pPr>
+            <a:r>
+              <a:rPr b="1" lang="en" sz="2000">
+                <a:latin typeface="Economica"/>
+                <a:ea typeface="Economica"/>
+                <a:cs typeface="Economica"/>
+                <a:sym typeface="Economica"/>
+              </a:rPr>
+              <a:t>With a little bit of initiative it can be improved by a huge margin</a:t>
+            </a:r>
+          </a:p>
+        </p:txBody>
+      </p:sp>
+      <p:sp>
+        <p:nvSpPr>
+          <p:cNvPr id="198" name="Shape 198"/>
+          <p:cNvSpPr txBox="1"/>
+          <p:nvPr/>
+        </p:nvSpPr>
+        <p:spPr>
+          <a:xfrm>
+            <a:off x="180700" y="3416200"/>
+            <a:ext cx="3493200" cy="1245600"/>
+          </a:xfrm>
+          <a:prstGeom prst="rect">
+            <a:avLst/>
+          </a:prstGeom>
+          <a:noFill/>
+          <a:ln>
+            <a:noFill/>
+          </a:ln>
+        </p:spPr>
+        <p:txBody>
+          <a:bodyPr anchorCtr="0" anchor="t" bIns="91425" lIns="91425" rIns="91425" tIns="91425">
+            <a:noAutofit/>
+          </a:bodyPr>
+          <a:lstStyle/>
+          <a:p>
+            <a:pPr lvl="0" rtl="0">
+              <a:spcBef>
+                <a:spcPts val="0"/>
+              </a:spcBef>
+              <a:buNone/>
+            </a:pPr>
+            <a:r>
+              <a:rPr b="1" lang="en" sz="2000">
+                <a:latin typeface="Economica"/>
+                <a:ea typeface="Economica"/>
+                <a:cs typeface="Economica"/>
+                <a:sym typeface="Economica"/>
+              </a:rPr>
+              <a:t>Interested, while having a conversation about evaluation system in Pakistan</a:t>
+            </a:r>
+          </a:p>
+        </p:txBody>
+      </p:sp>
+      <p:sp>
+        <p:nvSpPr>
+          <p:cNvPr id="199" name="Shape 199"/>
+          <p:cNvSpPr txBox="1"/>
+          <p:nvPr/>
+        </p:nvSpPr>
+        <p:spPr>
+          <a:xfrm>
+            <a:off x="4745475" y="774575"/>
+            <a:ext cx="3493200" cy="1245600"/>
+          </a:xfrm>
+          <a:prstGeom prst="rect">
+            <a:avLst/>
+          </a:prstGeom>
+          <a:noFill/>
+          <a:ln>
+            <a:noFill/>
+          </a:ln>
+        </p:spPr>
+        <p:txBody>
+          <a:bodyPr anchorCtr="0" anchor="t" bIns="91425" lIns="91425" rIns="91425" tIns="91425">
+            <a:noAutofit/>
+          </a:bodyPr>
+          <a:lstStyle/>
+          <a:p>
+            <a:pPr indent="-355600" lvl="0" marL="457200" rtl="0">
+              <a:spcBef>
+                <a:spcPts val="0"/>
+              </a:spcBef>
+              <a:buSzPct val="100000"/>
+              <a:buFont typeface="Economica"/>
+              <a:buChar char="●"/>
+            </a:pPr>
+            <a:r>
+              <a:rPr b="1" lang="en" sz="2000">
+                <a:latin typeface="Economica"/>
+                <a:ea typeface="Economica"/>
+                <a:cs typeface="Economica"/>
+                <a:sym typeface="Economica"/>
+              </a:rPr>
+              <a:t>A specific rather than generic test should be taken according to candidate's choice of field</a:t>
+            </a:r>
+          </a:p>
+          <a:p>
+            <a:pPr indent="-355600" lvl="0" marL="457200" rtl="0">
+              <a:spcBef>
+                <a:spcPts val="0"/>
+              </a:spcBef>
+              <a:buSzPct val="100000"/>
+              <a:buFont typeface="Economica"/>
+              <a:buChar char="●"/>
+            </a:pPr>
+            <a:r>
+              <a:rPr b="1" lang="en" sz="2000">
+                <a:latin typeface="Economica"/>
+                <a:ea typeface="Economica"/>
+                <a:cs typeface="Economica"/>
+                <a:sym typeface="Economica"/>
+              </a:rPr>
+              <a:t>Do Not provide handicap it makes us feel bad</a:t>
             </a:r>
           </a:p>
         </p:txBody>
@@ -16901,7 +19268,7 @@
   <p:cSld>
     <p:spTree>
       <p:nvGrpSpPr>
-        <p:cNvPr id="196" name="Shape 196"/>
+        <p:cNvPr id="203" name="Shape 203"/>
         <p:cNvGrpSpPr/>
         <p:nvPr/>
       </p:nvGrpSpPr>
@@ -16913,76 +19280,62 @@
           <a:chExt cx="0" cy="0"/>
         </a:xfrm>
       </p:grpSpPr>
-      <p:cxnSp>
-        <p:nvCxnSpPr>
-          <p:cNvPr id="197" name="Shape 197"/>
-          <p:cNvCxnSpPr/>
-          <p:nvPr/>
-        </p:nvCxnSpPr>
-        <p:spPr>
-          <a:xfrm>
-            <a:off x="4565300" y="12050"/>
-            <a:ext cx="0" cy="5119500"/>
-          </a:xfrm>
-          <a:prstGeom prst="straightConnector1">
-            <a:avLst/>
-          </a:prstGeom>
-          <a:noFill/>
-          <a:ln cap="flat" cmpd="sng" w="9525">
-            <a:solidFill>
-              <a:schemeClr val="dk2"/>
-            </a:solidFill>
-            <a:prstDash val="solid"/>
-            <a:round/>
-            <a:headEnd len="lg" w="lg" type="none"/>
-            <a:tailEnd len="lg" w="lg" type="none"/>
-          </a:ln>
-        </p:spPr>
-      </p:cxnSp>
-      <p:cxnSp>
-        <p:nvCxnSpPr>
-          <p:cNvPr id="198" name="Shape 198"/>
-          <p:cNvCxnSpPr/>
-          <p:nvPr/>
-        </p:nvCxnSpPr>
-        <p:spPr>
-          <a:xfrm>
-            <a:off x="-23400" y="2650050"/>
-            <a:ext cx="9190800" cy="12000"/>
-          </a:xfrm>
-          <a:prstGeom prst="straightConnector1">
-            <a:avLst/>
-          </a:prstGeom>
-          <a:noFill/>
-          <a:ln cap="flat" cmpd="sng" w="9525">
-            <a:solidFill>
-              <a:schemeClr val="dk2"/>
-            </a:solidFill>
-            <a:prstDash val="solid"/>
-            <a:round/>
-            <a:headEnd len="lg" w="lg" type="none"/>
-            <a:tailEnd len="lg" w="lg" type="none"/>
-          </a:ln>
-        </p:spPr>
-      </p:cxnSp>
-      <p:sp>
-        <p:nvSpPr>
-          <p:cNvPr id="199" name="Shape 199"/>
+      <p:sp>
+        <p:nvSpPr>
+          <p:cNvPr id="204" name="Shape 204"/>
           <p:cNvSpPr txBox="1"/>
-          <p:nvPr/>
-        </p:nvSpPr>
-        <p:spPr>
-          <a:xfrm>
-            <a:off x="0" y="12050"/>
-            <a:ext cx="1879200" cy="578100"/>
+          <p:nvPr>
+            <p:ph type="title"/>
+          </p:nvPr>
+        </p:nvSpPr>
+        <p:spPr>
+          <a:xfrm>
+            <a:off x="265500" y="929275"/>
+            <a:ext cx="4045200" cy="1786200"/>
           </a:xfrm>
           <a:prstGeom prst="rect">
             <a:avLst/>
           </a:prstGeom>
-          <a:noFill/>
-          <a:ln>
-            <a:noFill/>
-          </a:ln>
+        </p:spPr>
+        <p:txBody>
+          <a:bodyPr anchorCtr="0" anchor="b" bIns="91425" lIns="91425" rIns="91425" tIns="91425">
+            <a:noAutofit/>
+          </a:bodyPr>
+          <a:lstStyle/>
+          <a:p>
+            <a:pPr lvl="0" rtl="0">
+              <a:spcBef>
+                <a:spcPts val="0"/>
+              </a:spcBef>
+              <a:buNone/>
+            </a:pPr>
+            <a:r>
+              <a:rPr b="1" lang="en" sz="4800">
+                <a:solidFill>
+                  <a:srgbClr val="212121"/>
+                </a:solidFill>
+              </a:rPr>
+              <a:t>Interviewee 3</a:t>
+            </a:r>
+          </a:p>
+        </p:txBody>
+      </p:sp>
+      <p:sp>
+        <p:nvSpPr>
+          <p:cNvPr id="205" name="Shape 205"/>
+          <p:cNvSpPr txBox="1"/>
+          <p:nvPr>
+            <p:ph idx="1" type="subTitle"/>
+          </p:nvPr>
+        </p:nvSpPr>
+        <p:spPr>
+          <a:xfrm>
+            <a:off x="265500" y="2769000"/>
+            <a:ext cx="4045200" cy="1574100"/>
+          </a:xfrm>
+          <a:prstGeom prst="rect">
+            <a:avLst/>
+          </a:prstGeom>
         </p:spPr>
         <p:txBody>
           <a:bodyPr anchorCtr="0" anchor="t" bIns="91425" lIns="91425" rIns="91425" tIns="91425">
@@ -16990,411 +19343,180 @@
           </a:bodyPr>
           <a:lstStyle/>
           <a:p>
-            <a:pPr lvl="0" rtl="0" algn="ctr">
-              <a:spcBef>
-                <a:spcPts val="0"/>
-              </a:spcBef>
-              <a:buNone/>
-            </a:pPr>
-            <a:r>
-              <a:rPr b="1" lang="en" sz="3600">
-                <a:solidFill>
-                  <a:schemeClr val="accent1"/>
+            <a:pPr lvl="0" rtl="0">
+              <a:lnSpc>
+                <a:spcPct val="138461"/>
+              </a:lnSpc>
+              <a:spcBef>
+                <a:spcPts val="0"/>
+              </a:spcBef>
+              <a:spcAft>
+                <a:spcPts val="300"/>
+              </a:spcAft>
+              <a:buNone/>
+            </a:pPr>
+            <a:r>
+              <a:rPr lang="en">
+                <a:solidFill>
+                  <a:schemeClr val="dk1"/>
+                </a:solidFill>
+                <a:highlight>
+                  <a:srgbClr val="FFFFFF"/>
+                </a:highlight>
+              </a:rPr>
+              <a:t>CTO Human Resources</a:t>
+            </a:r>
+          </a:p>
+        </p:txBody>
+      </p:sp>
+      <p:sp>
+        <p:nvSpPr>
+          <p:cNvPr id="206" name="Shape 206"/>
+          <p:cNvSpPr txBox="1"/>
+          <p:nvPr>
+            <p:ph idx="2" type="body"/>
+          </p:nvPr>
+        </p:nvSpPr>
+        <p:spPr>
+          <a:xfrm>
+            <a:off x="4939500" y="929275"/>
+            <a:ext cx="3837000" cy="3695100"/>
+          </a:xfrm>
+          <a:prstGeom prst="rect">
+            <a:avLst/>
+          </a:prstGeom>
+        </p:spPr>
+        <p:txBody>
+          <a:bodyPr anchorCtr="0" anchor="ctr" bIns="91425" lIns="91425" rIns="91425" tIns="91425">
+            <a:noAutofit/>
+          </a:bodyPr>
+          <a:lstStyle/>
+          <a:p>
+            <a:pPr lvl="0" rtl="0">
+              <a:spcBef>
+                <a:spcPts val="0"/>
+              </a:spcBef>
+              <a:buNone/>
+            </a:pPr>
+            <a:r>
+              <a:rPr b="1" lang="en" sz="2400">
+                <a:solidFill>
+                  <a:srgbClr val="212121"/>
                 </a:solidFill>
                 <a:latin typeface="Economica"/>
                 <a:ea typeface="Economica"/>
                 <a:cs typeface="Economica"/>
                 <a:sym typeface="Economica"/>
               </a:rPr>
-              <a:t>Say</a:t>
-            </a:r>
-          </a:p>
-        </p:txBody>
-      </p:sp>
-      <p:sp>
-        <p:nvSpPr>
-          <p:cNvPr id="200" name="Shape 200"/>
-          <p:cNvSpPr txBox="1"/>
-          <p:nvPr/>
-        </p:nvSpPr>
-        <p:spPr>
-          <a:xfrm>
-            <a:off x="6018600" y="2750075"/>
-            <a:ext cx="1879200" cy="578100"/>
-          </a:xfrm>
-          <a:prstGeom prst="rect">
-            <a:avLst/>
-          </a:prstGeom>
-          <a:noFill/>
-          <a:ln>
-            <a:noFill/>
-          </a:ln>
-        </p:spPr>
-        <p:txBody>
-          <a:bodyPr anchorCtr="0" anchor="t" bIns="91425" lIns="91425" rIns="91425" tIns="91425">
-            <a:noAutofit/>
-          </a:bodyPr>
-          <a:lstStyle/>
-          <a:p>
-            <a:pPr lvl="0" rtl="0" algn="ctr">
-              <a:spcBef>
-                <a:spcPts val="0"/>
-              </a:spcBef>
-              <a:buNone/>
-            </a:pPr>
-            <a:r>
-              <a:rPr b="1" lang="en" sz="3600">
-                <a:solidFill>
-                  <a:schemeClr val="accent1"/>
+              <a:t>NAME: </a:t>
+            </a:r>
+            <a:r>
+              <a:rPr lang="en" sz="2400">
+                <a:solidFill>
+                  <a:srgbClr val="212121"/>
                 </a:solidFill>
                 <a:latin typeface="Economica"/>
                 <a:ea typeface="Economica"/>
                 <a:cs typeface="Economica"/>
                 <a:sym typeface="Economica"/>
               </a:rPr>
-              <a:t>Feel</a:t>
-            </a:r>
-          </a:p>
-        </p:txBody>
-      </p:sp>
-      <p:sp>
-        <p:nvSpPr>
-          <p:cNvPr id="201" name="Shape 201"/>
-          <p:cNvSpPr txBox="1"/>
-          <p:nvPr/>
-        </p:nvSpPr>
-        <p:spPr>
-          <a:xfrm>
-            <a:off x="497550" y="2750075"/>
-            <a:ext cx="1879200" cy="578100"/>
-          </a:xfrm>
-          <a:prstGeom prst="rect">
-            <a:avLst/>
-          </a:prstGeom>
-          <a:noFill/>
-          <a:ln>
-            <a:noFill/>
-          </a:ln>
-        </p:spPr>
-        <p:txBody>
-          <a:bodyPr anchorCtr="0" anchor="t" bIns="91425" lIns="91425" rIns="91425" tIns="91425">
-            <a:noAutofit/>
-          </a:bodyPr>
-          <a:lstStyle/>
-          <a:p>
-            <a:pPr lvl="0" rtl="0" algn="ctr">
-              <a:spcBef>
-                <a:spcPts val="0"/>
-              </a:spcBef>
-              <a:buNone/>
-            </a:pPr>
-            <a:r>
-              <a:rPr b="1" lang="en" sz="3600">
-                <a:solidFill>
-                  <a:schemeClr val="accent1"/>
+              <a:t>Babar Sarfraz</a:t>
+            </a:r>
+          </a:p>
+          <a:p>
+            <a:pPr lvl="0" rtl="0">
+              <a:spcBef>
+                <a:spcPts val="0"/>
+              </a:spcBef>
+              <a:buNone/>
+            </a:pPr>
+            <a:r>
+              <a:rPr b="1" lang="en" sz="2400">
+                <a:solidFill>
+                  <a:srgbClr val="212121"/>
                 </a:solidFill>
                 <a:latin typeface="Economica"/>
                 <a:ea typeface="Economica"/>
                 <a:cs typeface="Economica"/>
                 <a:sym typeface="Economica"/>
               </a:rPr>
-              <a:t>Do</a:t>
-            </a:r>
-          </a:p>
-        </p:txBody>
-      </p:sp>
-      <p:sp>
-        <p:nvSpPr>
-          <p:cNvPr id="202" name="Shape 202"/>
-          <p:cNvSpPr txBox="1"/>
-          <p:nvPr/>
-        </p:nvSpPr>
-        <p:spPr>
-          <a:xfrm>
-            <a:off x="4745475" y="12050"/>
-            <a:ext cx="1879200" cy="578100"/>
-          </a:xfrm>
-          <a:prstGeom prst="rect">
-            <a:avLst/>
-          </a:prstGeom>
-          <a:noFill/>
-          <a:ln>
-            <a:noFill/>
-          </a:ln>
-        </p:spPr>
-        <p:txBody>
-          <a:bodyPr anchorCtr="0" anchor="t" bIns="91425" lIns="91425" rIns="91425" tIns="91425">
-            <a:noAutofit/>
-          </a:bodyPr>
-          <a:lstStyle/>
-          <a:p>
-            <a:pPr lvl="0" rtl="0" algn="ctr">
-              <a:spcBef>
-                <a:spcPts val="0"/>
-              </a:spcBef>
-              <a:buNone/>
-            </a:pPr>
-            <a:r>
-              <a:rPr b="1" lang="en" sz="3600">
-                <a:solidFill>
-                  <a:schemeClr val="accent1"/>
+              <a:t>REASON FOR INTERVIEW: </a:t>
+            </a:r>
+            <a:r>
+              <a:rPr lang="en" sz="2400">
+                <a:solidFill>
+                  <a:srgbClr val="212121"/>
                 </a:solidFill>
                 <a:latin typeface="Economica"/>
                 <a:ea typeface="Economica"/>
                 <a:cs typeface="Economica"/>
                 <a:sym typeface="Economica"/>
               </a:rPr>
-              <a:t>Think</a:t>
-            </a:r>
-          </a:p>
-        </p:txBody>
-      </p:sp>
-      <p:sp>
-        <p:nvSpPr>
-          <p:cNvPr id="203" name="Shape 203"/>
-          <p:cNvSpPr txBox="1"/>
-          <p:nvPr/>
-        </p:nvSpPr>
-        <p:spPr>
-          <a:xfrm>
-            <a:off x="180625" y="590150"/>
-            <a:ext cx="4204500" cy="1818900"/>
-          </a:xfrm>
-          <a:prstGeom prst="rect">
-            <a:avLst/>
-          </a:prstGeom>
-          <a:noFill/>
-          <a:ln>
-            <a:noFill/>
-          </a:ln>
-        </p:spPr>
-        <p:txBody>
-          <a:bodyPr anchorCtr="0" anchor="t" bIns="91425" lIns="91425" rIns="91425" tIns="91425">
-            <a:noAutofit/>
-          </a:bodyPr>
-          <a:lstStyle/>
-          <a:p>
-            <a:pPr indent="-355600" lvl="0" marL="457200" rtl="0">
-              <a:spcBef>
-                <a:spcPts val="0"/>
-              </a:spcBef>
-              <a:buSzPct val="100000"/>
-              <a:buFont typeface="Economica"/>
-              <a:buChar char="●"/>
-            </a:pPr>
-            <a:r>
-              <a:rPr b="1" lang="en" sz="2000">
+              <a:t>Very good in tests</a:t>
+            </a:r>
+          </a:p>
+          <a:p>
+            <a:pPr lvl="0" rtl="0">
+              <a:spcBef>
+                <a:spcPts val="0"/>
+              </a:spcBef>
+              <a:buNone/>
+            </a:pPr>
+            <a:r>
+              <a:rPr b="1" lang="en" sz="2400">
+                <a:solidFill>
+                  <a:srgbClr val="212121"/>
+                </a:solidFill>
                 <a:latin typeface="Economica"/>
                 <a:ea typeface="Economica"/>
                 <a:cs typeface="Economica"/>
                 <a:sym typeface="Economica"/>
               </a:rPr>
-              <a:t>NO!... Not at all. Come on look at me, I was terrible in the exams but i think I turned out alright</a:t>
-            </a:r>
-          </a:p>
-          <a:p>
-            <a:pPr indent="-355600" lvl="0" marL="457200" rtl="0">
-              <a:spcBef>
-                <a:spcPts val="0"/>
-              </a:spcBef>
-              <a:buSzPct val="100000"/>
-              <a:buFont typeface="Economica"/>
-              <a:buChar char="●"/>
-            </a:pPr>
-            <a:r>
-              <a:rPr b="1" lang="en" sz="2000">
+              <a:t>PLACE OF INTERVIEW:</a:t>
+            </a:r>
+            <a:r>
+              <a:rPr lang="en" sz="2400">
+                <a:solidFill>
+                  <a:srgbClr val="212121"/>
+                </a:solidFill>
                 <a:latin typeface="Economica"/>
                 <a:ea typeface="Economica"/>
                 <a:cs typeface="Economica"/>
                 <a:sym typeface="Economica"/>
               </a:rPr>
-              <a:t>I have </a:t>
-            </a:r>
-            <a:r>
-              <a:rPr b="1" lang="en" sz="2000">
-                <a:solidFill>
-                  <a:srgbClr val="222222"/>
-                </a:solidFill>
-                <a:highlight>
-                  <a:srgbClr val="FFFFFF"/>
-                </a:highlight>
+              <a:t> Skype</a:t>
+            </a:r>
+          </a:p>
+          <a:p>
+            <a:pPr lvl="0" rtl="0">
+              <a:spcBef>
+                <a:spcPts val="0"/>
+              </a:spcBef>
+              <a:buNone/>
+            </a:pPr>
+            <a:r>
+              <a:rPr b="1" lang="en" sz="2400">
+                <a:solidFill>
+                  <a:srgbClr val="212121"/>
+                </a:solidFill>
                 <a:latin typeface="Economica"/>
                 <a:ea typeface="Economica"/>
                 <a:cs typeface="Economica"/>
                 <a:sym typeface="Economica"/>
               </a:rPr>
-              <a:t>dyslexia</a:t>
-            </a:r>
-          </a:p>
-          <a:p>
-            <a:pPr indent="-355600" lvl="0" marL="457200" rtl="0">
-              <a:spcBef>
-                <a:spcPts val="0"/>
-              </a:spcBef>
-              <a:buSzPct val="100000"/>
-              <a:buFont typeface="Economica"/>
-              <a:buChar char="●"/>
-            </a:pPr>
-            <a:r>
-              <a:rPr b="1" lang="en" sz="2000">
+              <a:t>METHOD OF RECRUITMENT: </a:t>
+            </a:r>
+            <a:r>
+              <a:rPr lang="en" sz="2400">
+                <a:solidFill>
+                  <a:srgbClr val="212121"/>
+                </a:solidFill>
                 <a:latin typeface="Economica"/>
                 <a:ea typeface="Economica"/>
                 <a:cs typeface="Economica"/>
                 <a:sym typeface="Economica"/>
               </a:rPr>
-              <a:t>Yes I switched my field</a:t>
-            </a:r>
-          </a:p>
-        </p:txBody>
-      </p:sp>
-      <p:sp>
-        <p:nvSpPr>
-          <p:cNvPr id="204" name="Shape 204"/>
-          <p:cNvSpPr txBox="1"/>
-          <p:nvPr/>
-        </p:nvSpPr>
-        <p:spPr>
-          <a:xfrm>
-            <a:off x="5118925" y="3657675"/>
-            <a:ext cx="3493200" cy="843300"/>
-          </a:xfrm>
-          <a:prstGeom prst="rect">
-            <a:avLst/>
-          </a:prstGeom>
-          <a:noFill/>
-          <a:ln>
-            <a:noFill/>
-          </a:ln>
-        </p:spPr>
-        <p:txBody>
-          <a:bodyPr anchorCtr="0" anchor="t" bIns="91425" lIns="91425" rIns="91425" tIns="91425">
-            <a:noAutofit/>
-          </a:bodyPr>
-          <a:lstStyle/>
-          <a:p>
-            <a:pPr indent="-355600" lvl="0" marL="457200" rtl="0">
-              <a:spcBef>
-                <a:spcPts val="0"/>
-              </a:spcBef>
-              <a:buSzPct val="100000"/>
-              <a:buFont typeface="Economica"/>
-              <a:buChar char="●"/>
-            </a:pPr>
-            <a:r>
-              <a:rPr b="1" lang="en" sz="2000">
-                <a:latin typeface="Economica"/>
-                <a:ea typeface="Economica"/>
-                <a:cs typeface="Economica"/>
-                <a:sym typeface="Economica"/>
-              </a:rPr>
-              <a:t>With a little bit of initiative it can be improved by a huge margin</a:t>
-            </a:r>
-          </a:p>
-        </p:txBody>
-      </p:sp>
-      <p:sp>
-        <p:nvSpPr>
-          <p:cNvPr id="205" name="Shape 205"/>
-          <p:cNvSpPr txBox="1"/>
-          <p:nvPr/>
-        </p:nvSpPr>
-        <p:spPr>
-          <a:xfrm>
-            <a:off x="180700" y="3416200"/>
-            <a:ext cx="3493200" cy="1245600"/>
-          </a:xfrm>
-          <a:prstGeom prst="rect">
-            <a:avLst/>
-          </a:prstGeom>
-          <a:noFill/>
-          <a:ln>
-            <a:noFill/>
-          </a:ln>
-        </p:spPr>
-        <p:txBody>
-          <a:bodyPr anchorCtr="0" anchor="t" bIns="91425" lIns="91425" rIns="91425" tIns="91425">
-            <a:noAutofit/>
-          </a:bodyPr>
-          <a:lstStyle/>
-          <a:p>
-            <a:pPr lvl="0" rtl="0">
-              <a:spcBef>
-                <a:spcPts val="0"/>
-              </a:spcBef>
-              <a:buNone/>
-            </a:pPr>
-            <a:r>
-              <a:rPr b="1" lang="en" sz="2000">
-                <a:latin typeface="Economica"/>
-                <a:ea typeface="Economica"/>
-                <a:cs typeface="Economica"/>
-                <a:sym typeface="Economica"/>
-              </a:rPr>
-              <a:t>Interested, while having a conversation about evaluation system in Pakistan</a:t>
-            </a:r>
-          </a:p>
-        </p:txBody>
-      </p:sp>
-      <p:sp>
-        <p:nvSpPr>
-          <p:cNvPr id="206" name="Shape 206"/>
-          <p:cNvSpPr txBox="1"/>
-          <p:nvPr/>
-        </p:nvSpPr>
-        <p:spPr>
-          <a:xfrm>
-            <a:off x="4745475" y="774575"/>
-            <a:ext cx="3493200" cy="1245600"/>
-          </a:xfrm>
-          <a:prstGeom prst="rect">
-            <a:avLst/>
-          </a:prstGeom>
-          <a:noFill/>
-          <a:ln>
-            <a:noFill/>
-          </a:ln>
-        </p:spPr>
-        <p:txBody>
-          <a:bodyPr anchorCtr="0" anchor="t" bIns="91425" lIns="91425" rIns="91425" tIns="91425">
-            <a:noAutofit/>
-          </a:bodyPr>
-          <a:lstStyle/>
-          <a:p>
-            <a:pPr indent="-355600" lvl="0" marL="457200" rtl="0">
-              <a:spcBef>
-                <a:spcPts val="0"/>
-              </a:spcBef>
-              <a:buSzPct val="100000"/>
-              <a:buFont typeface="Economica"/>
-              <a:buChar char="●"/>
-            </a:pPr>
-            <a:r>
-              <a:rPr b="1" lang="en" sz="2000">
-                <a:latin typeface="Economica"/>
-                <a:ea typeface="Economica"/>
-                <a:cs typeface="Economica"/>
-                <a:sym typeface="Economica"/>
-              </a:rPr>
-              <a:t>A specific rather than generic test should be taken according to candidate's choice of field</a:t>
-            </a:r>
-          </a:p>
-          <a:p>
-            <a:pPr indent="-355600" lvl="0" marL="457200" rtl="0">
-              <a:spcBef>
-                <a:spcPts val="0"/>
-              </a:spcBef>
-              <a:buSzPct val="100000"/>
-              <a:buFont typeface="Economica"/>
-              <a:buChar char="●"/>
-            </a:pPr>
-            <a:r>
-              <a:rPr b="1" lang="en" sz="2000">
-                <a:latin typeface="Economica"/>
-                <a:ea typeface="Economica"/>
-                <a:cs typeface="Economica"/>
-                <a:sym typeface="Economica"/>
-              </a:rPr>
-              <a:t>Do Not provide handicap it makes us feel bad</a:t>
+              <a:t>Contacted by phone</a:t>
             </a:r>
           </a:p>
         </p:txBody>
@@ -17687,6 +19809,285 @@
 </file>
 
 <file path=ppt/theme/theme2.xml><?xml version="1.0" encoding="utf-8"?>
+<a:theme xmlns:a="http://schemas.openxmlformats.org/drawingml/2006/main" xmlns:r="http://schemas.openxmlformats.org/officeDocument/2006/relationships" name="beach-day">
+  <a:themeElements>
+    <a:clrScheme name="Beach Day">
+      <a:dk1>
+        <a:srgbClr val="00FDC8"/>
+      </a:dk1>
+      <a:lt1>
+        <a:srgbClr val="FFFFFF"/>
+      </a:lt1>
+      <a:dk2>
+        <a:srgbClr val="666666"/>
+      </a:dk2>
+      <a:lt2>
+        <a:srgbClr val="EEEEEE"/>
+      </a:lt2>
+      <a:accent1>
+        <a:srgbClr val="212121"/>
+      </a:accent1>
+      <a:accent2>
+        <a:srgbClr val="455A64"/>
+      </a:accent2>
+      <a:accent3>
+        <a:srgbClr val="78909C"/>
+      </a:accent3>
+      <a:accent4>
+        <a:srgbClr val="7C7CE0"/>
+      </a:accent4>
+      <a:accent5>
+        <a:srgbClr val="DB4437"/>
+      </a:accent5>
+      <a:accent6>
+        <a:srgbClr val="F6CD4C"/>
+      </a:accent6>
+      <a:hlink>
+        <a:srgbClr val="DB4437"/>
+      </a:hlink>
+      <a:folHlink>
+        <a:srgbClr val="DB4437"/>
+      </a:folHlink>
+    </a:clrScheme>
+    <a:fontScheme name="Office">
+      <a:majorFont>
+        <a:latin typeface="Arial"/>
+        <a:ea typeface=""/>
+        <a:cs typeface=""/>
+        <a:font script="Jpan" typeface="ＭＳ Ｐゴシック"/>
+        <a:font script="Hang" typeface="맑은 고딕"/>
+        <a:font script="Hans" typeface="宋体"/>
+        <a:font script="Hant" typeface="新細明體"/>
+        <a:font script="Arab" typeface="Times New Roman"/>
+        <a:font script="Hebr" typeface="Times New Roman"/>
+        <a:font script="Thai" typeface="Angsana New"/>
+        <a:font script="Ethi" typeface="Nyala"/>
+        <a:font script="Beng" typeface="Vrinda"/>
+        <a:font script="Gujr" typeface="Shruti"/>
+        <a:font script="Khmr" typeface="MoolBoran"/>
+        <a:font script="Knda" typeface="Tunga"/>
+        <a:font script="Guru" typeface="Raavi"/>
+        <a:font script="Cans" typeface="Euphemia"/>
+        <a:font script="Cher" typeface="Plantagenet Cherokee"/>
+        <a:font script="Yiii" typeface="Microsoft Yi Baiti"/>
+        <a:font script="Tibt" typeface="Microsoft Himalaya"/>
+        <a:font script="Thaa" typeface="MV Boli"/>
+        <a:font script="Deva" typeface="Mangal"/>
+        <a:font script="Telu" typeface="Gautami"/>
+        <a:font script="Taml" typeface="Latha"/>
+        <a:font script="Syrc" typeface="Estrangelo Edessa"/>
+        <a:font script="Orya" typeface="Kalinga"/>
+        <a:font script="Mlym" typeface="Kartika"/>
+        <a:font script="Laoo" typeface="DokChampa"/>
+        <a:font script="Sinh" typeface="Iskoola Pota"/>
+        <a:font script="Mong" typeface="Mongolian Baiti"/>
+        <a:font script="Viet" typeface="Times New Roman"/>
+        <a:font script="Uigh" typeface="Microsoft Uighur"/>
+        <a:font script="Geor" typeface="Sylfaen"/>
+      </a:majorFont>
+      <a:minorFont>
+        <a:latin typeface="Arial"/>
+        <a:ea typeface=""/>
+        <a:cs typeface=""/>
+        <a:font script="Jpan" typeface="ＭＳ Ｐゴシック"/>
+        <a:font script="Hang" typeface="맑은 고딕"/>
+        <a:font script="Hans" typeface="宋体"/>
+        <a:font script="Hant" typeface="新細明體"/>
+        <a:font script="Arab" typeface="Arial"/>
+        <a:font script="Hebr" typeface="Arial"/>
+        <a:font script="Thai" typeface="Cordia New"/>
+        <a:font script="Ethi" typeface="Nyala"/>
+        <a:font script="Beng" typeface="Vrinda"/>
+        <a:font script="Gujr" typeface="Shruti"/>
+        <a:font script="Khmr" typeface="DaunPenh"/>
+        <a:font script="Knda" typeface="Tunga"/>
+        <a:font script="Guru" typeface="Raavi"/>
+        <a:font script="Cans" typeface="Euphemia"/>
+        <a:font script="Cher" typeface="Plantagenet Cherokee"/>
+        <a:font script="Yiii" typeface="Microsoft Yi Baiti"/>
+        <a:font script="Tibt" typeface="Microsoft Himalaya"/>
+        <a:font script="Thaa" typeface="MV Boli"/>
+        <a:font script="Deva" typeface="Mangal"/>
+        <a:font script="Telu" typeface="Gautami"/>
+        <a:font script="Taml" typeface="Latha"/>
+        <a:font script="Syrc" typeface="Estrangelo Edessa"/>
+        <a:font script="Orya" typeface="Kalinga"/>
+        <a:font script="Mlym" typeface="Kartika"/>
+        <a:font script="Laoo" typeface="DokChampa"/>
+        <a:font script="Sinh" typeface="Iskoola Pota"/>
+        <a:font script="Mong" typeface="Mongolian Baiti"/>
+        <a:font script="Viet" typeface="Arial"/>
+        <a:font script="Uigh" typeface="Microsoft Uighur"/>
+        <a:font script="Geor" typeface="Sylfaen"/>
+      </a:minorFont>
+    </a:fontScheme>
+    <a:fmtScheme name="Office">
+      <a:fillStyleLst>
+        <a:solidFill>
+          <a:schemeClr val="phClr"/>
+        </a:solidFill>
+        <a:gradFill rotWithShape="1">
+          <a:gsLst>
+            <a:gs pos="0">
+              <a:schemeClr val="phClr">
+                <a:tint val="50000"/>
+                <a:satMod val="300000"/>
+              </a:schemeClr>
+            </a:gs>
+            <a:gs pos="35000">
+              <a:schemeClr val="phClr">
+                <a:tint val="37000"/>
+                <a:satMod val="300000"/>
+              </a:schemeClr>
+            </a:gs>
+            <a:gs pos="100000">
+              <a:schemeClr val="phClr">
+                <a:tint val="15000"/>
+                <a:satMod val="350000"/>
+              </a:schemeClr>
+            </a:gs>
+          </a:gsLst>
+          <a:lin ang="16200000" scaled="1"/>
+        </a:gradFill>
+        <a:gradFill rotWithShape="1">
+          <a:gsLst>
+            <a:gs pos="0">
+              <a:schemeClr val="phClr">
+                <a:tint val="100000"/>
+                <a:shade val="100000"/>
+                <a:satMod val="130000"/>
+              </a:schemeClr>
+            </a:gs>
+            <a:gs pos="100000">
+              <a:schemeClr val="phClr">
+                <a:tint val="50000"/>
+                <a:shade val="100000"/>
+                <a:satMod val="350000"/>
+              </a:schemeClr>
+            </a:gs>
+          </a:gsLst>
+          <a:lin ang="16200000" scaled="0"/>
+        </a:gradFill>
+      </a:fillStyleLst>
+      <a:lnStyleLst>
+        <a:ln w="9525" cap="flat" cmpd="sng" algn="ctr">
+          <a:solidFill>
+            <a:schemeClr val="phClr">
+              <a:shade val="95000"/>
+              <a:satMod val="105000"/>
+            </a:schemeClr>
+          </a:solidFill>
+          <a:prstDash val="solid"/>
+        </a:ln>
+        <a:ln w="25400" cap="flat" cmpd="sng" algn="ctr">
+          <a:solidFill>
+            <a:schemeClr val="phClr"/>
+          </a:solidFill>
+          <a:prstDash val="solid"/>
+        </a:ln>
+        <a:ln w="38100" cap="flat" cmpd="sng" algn="ctr">
+          <a:solidFill>
+            <a:schemeClr val="phClr"/>
+          </a:solidFill>
+          <a:prstDash val="solid"/>
+        </a:ln>
+      </a:lnStyleLst>
+      <a:effectStyleLst>
+        <a:effectStyle>
+          <a:effectLst>
+            <a:outerShdw blurRad="40000" dist="20000" dir="5400000" rotWithShape="0">
+              <a:srgbClr val="000000">
+                <a:alpha val="38000"/>
+              </a:srgbClr>
+            </a:outerShdw>
+          </a:effectLst>
+        </a:effectStyle>
+        <a:effectStyle>
+          <a:effectLst>
+            <a:outerShdw blurRad="40000" dist="23000" dir="5400000" rotWithShape="0">
+              <a:srgbClr val="000000">
+                <a:alpha val="35000"/>
+              </a:srgbClr>
+            </a:outerShdw>
+          </a:effectLst>
+        </a:effectStyle>
+        <a:effectStyle>
+          <a:effectLst>
+            <a:outerShdw blurRad="40000" dist="23000" dir="5400000" rotWithShape="0">
+              <a:srgbClr val="000000">
+                <a:alpha val="35000"/>
+              </a:srgbClr>
+            </a:outerShdw>
+          </a:effectLst>
+          <a:scene3d>
+            <a:camera prst="orthographicFront">
+              <a:rot lat="0" lon="0" rev="0"/>
+            </a:camera>
+            <a:lightRig rig="threePt" dir="t">
+              <a:rot lat="0" lon="0" rev="1200000"/>
+            </a:lightRig>
+          </a:scene3d>
+          <a:sp3d>
+            <a:bevelT w="63500" h="25400"/>
+          </a:sp3d>
+        </a:effectStyle>
+      </a:effectStyleLst>
+      <a:bgFillStyleLst>
+        <a:solidFill>
+          <a:schemeClr val="phClr"/>
+        </a:solidFill>
+        <a:gradFill rotWithShape="1">
+          <a:gsLst>
+            <a:gs pos="0">
+              <a:schemeClr val="phClr">
+                <a:tint val="40000"/>
+                <a:satMod val="350000"/>
+              </a:schemeClr>
+            </a:gs>
+            <a:gs pos="40000">
+              <a:schemeClr val="phClr">
+                <a:tint val="45000"/>
+                <a:shade val="99000"/>
+                <a:satMod val="350000"/>
+              </a:schemeClr>
+            </a:gs>
+            <a:gs pos="100000">
+              <a:schemeClr val="phClr">
+                <a:shade val="20000"/>
+                <a:satMod val="255000"/>
+              </a:schemeClr>
+            </a:gs>
+          </a:gsLst>
+          <a:path path="circle">
+            <a:fillToRect l="50000" t="-80000" r="50000" b="180000"/>
+          </a:path>
+        </a:gradFill>
+        <a:gradFill rotWithShape="1">
+          <a:gsLst>
+            <a:gs pos="0">
+              <a:schemeClr val="phClr">
+                <a:tint val="80000"/>
+                <a:satMod val="300000"/>
+              </a:schemeClr>
+            </a:gs>
+            <a:gs pos="100000">
+              <a:schemeClr val="phClr">
+                <a:shade val="30000"/>
+                <a:satMod val="200000"/>
+              </a:schemeClr>
+            </a:gs>
+          </a:gsLst>
+          <a:path path="circle">
+            <a:fillToRect l="50000" t="50000" r="50000" b="50000"/>
+          </a:path>
+        </a:gradFill>
+      </a:bgFillStyleLst>
+    </a:fmtScheme>
+  </a:themeElements>
+</a:theme>
+</file>
+
+<file path=ppt/theme/theme3.xml><?xml version="1.0" encoding="utf-8"?>
 <a:theme xmlns:a="http://schemas.openxmlformats.org/drawingml/2006/main" xmlns:r="http://schemas.openxmlformats.org/officeDocument/2006/relationships" name="luxe">
   <a:themeElements>
     <a:clrScheme name="Luxe">
@@ -17963,283 +20364,4 @@
     </a:fmtScheme>
   </a:themeElements>
 </a:theme>
-</file>
-
-<file path=ppt/theme/theme3.xml><?xml version="1.0" encoding="utf-8"?>
-<a:theme xmlns:a="http://schemas.openxmlformats.org/drawingml/2006/main" xmlns:r="http://schemas.openxmlformats.org/officeDocument/2006/relationships" name="beach-day">
-  <a:themeElements>
-    <a:clrScheme name="Beach Day">
-      <a:dk1>
-        <a:srgbClr val="00FDC8"/>
-      </a:dk1>
-      <a:lt1>
-        <a:srgbClr val="FFFFFF"/>
-      </a:lt1>
-      <a:dk2>
-        <a:srgbClr val="666666"/>
-      </a:dk2>
-      <a:lt2>
-        <a:srgbClr val="EEEEEE"/>
-      </a:lt2>
-      <a:accent1>
-        <a:srgbClr val="212121"/>
-      </a:accent1>
-      <a:accent2>
-        <a:srgbClr val="455A64"/>
-      </a:accent2>
-      <a:accent3>
-        <a:srgbClr val="78909C"/>
-      </a:accent3>
-      <a:accent4>
-        <a:srgbClr val="7C7CE0"/>
-      </a:accent4>
-      <a:accent5>
-        <a:srgbClr val="DB4437"/>
-      </a:accent5>
-      <a:accent6>
-        <a:srgbClr val="F6CD4C"/>
-      </a:accent6>
-      <a:hlink>
-        <a:srgbClr val="DB4437"/>
-      </a:hlink>
-      <a:folHlink>
-        <a:srgbClr val="DB4437"/>
-      </a:folHlink>
-    </a:clrScheme>
-    <a:fontScheme name="Office">
-      <a:majorFont>
-        <a:latin typeface="Arial"/>
-        <a:ea typeface=""/>
-        <a:cs typeface=""/>
-        <a:font script="Jpan" typeface="ＭＳ Ｐゴシック"/>
-        <a:font script="Hang" typeface="맑은 고딕"/>
-        <a:font script="Hans" typeface="宋体"/>
-        <a:font script="Hant" typeface="新細明體"/>
-        <a:font script="Arab" typeface="Times New Roman"/>
-        <a:font script="Hebr" typeface="Times New Roman"/>
-        <a:font script="Thai" typeface="Angsana New"/>
-        <a:font script="Ethi" typeface="Nyala"/>
-        <a:font script="Beng" typeface="Vrinda"/>
-        <a:font script="Gujr" typeface="Shruti"/>
-        <a:font script="Khmr" typeface="MoolBoran"/>
-        <a:font script="Knda" typeface="Tunga"/>
-        <a:font script="Guru" typeface="Raavi"/>
-        <a:font script="Cans" typeface="Euphemia"/>
-        <a:font script="Cher" typeface="Plantagenet Cherokee"/>
-        <a:font script="Yiii" typeface="Microsoft Yi Baiti"/>
-        <a:font script="Tibt" typeface="Microsoft Himalaya"/>
-        <a:font script="Thaa" typeface="MV Boli"/>
-        <a:font script="Deva" typeface="Mangal"/>
-        <a:font script="Telu" typeface="Gautami"/>
-        <a:font script="Taml" typeface="Latha"/>
-        <a:font script="Syrc" typeface="Estrangelo Edessa"/>
-        <a:font script="Orya" typeface="Kalinga"/>
-        <a:font script="Mlym" typeface="Kartika"/>
-        <a:font script="Laoo" typeface="DokChampa"/>
-        <a:font script="Sinh" typeface="Iskoola Pota"/>
-        <a:font script="Mong" typeface="Mongolian Baiti"/>
-        <a:font script="Viet" typeface="Times New Roman"/>
-        <a:font script="Uigh" typeface="Microsoft Uighur"/>
-        <a:font script="Geor" typeface="Sylfaen"/>
-      </a:majorFont>
-      <a:minorFont>
-        <a:latin typeface="Arial"/>
-        <a:ea typeface=""/>
-        <a:cs typeface=""/>
-        <a:font script="Jpan" typeface="ＭＳ Ｐゴシック"/>
-        <a:font script="Hang" typeface="맑은 고딕"/>
-        <a:font script="Hans" typeface="宋体"/>
-        <a:font script="Hant" typeface="新細明體"/>
-        <a:font script="Arab" typeface="Arial"/>
-        <a:font script="Hebr" typeface="Arial"/>
-        <a:font script="Thai" typeface="Cordia New"/>
-        <a:font script="Ethi" typeface="Nyala"/>
-        <a:font script="Beng" typeface="Vrinda"/>
-        <a:font script="Gujr" typeface="Shruti"/>
-        <a:font script="Khmr" typeface="DaunPenh"/>
-        <a:font script="Knda" typeface="Tunga"/>
-        <a:font script="Guru" typeface="Raavi"/>
-        <a:font script="Cans" typeface="Euphemia"/>
-        <a:font script="Cher" typeface="Plantagenet Cherokee"/>
-        <a:font script="Yiii" typeface="Microsoft Yi Baiti"/>
-        <a:font script="Tibt" typeface="Microsoft Himalaya"/>
-        <a:font script="Thaa" typeface="MV Boli"/>
-        <a:font script="Deva" typeface="Mangal"/>
-        <a:font script="Telu" typeface="Gautami"/>
-        <a:font script="Taml" typeface="Latha"/>
-        <a:font script="Syrc" typeface="Estrangelo Edessa"/>
-        <a:font script="Orya" typeface="Kalinga"/>
-        <a:font script="Mlym" typeface="Kartika"/>
-        <a:font script="Laoo" typeface="DokChampa"/>
-        <a:font script="Sinh" typeface="Iskoola Pota"/>
-        <a:font script="Mong" typeface="Mongolian Baiti"/>
-        <a:font script="Viet" typeface="Arial"/>
-        <a:font script="Uigh" typeface="Microsoft Uighur"/>
-        <a:font script="Geor" typeface="Sylfaen"/>
-      </a:minorFont>
-    </a:fontScheme>
-    <a:fmtScheme name="Office">
-      <a:fillStyleLst>
-        <a:solidFill>
-          <a:schemeClr val="phClr"/>
-        </a:solidFill>
-        <a:gradFill rotWithShape="1">
-          <a:gsLst>
-            <a:gs pos="0">
-              <a:schemeClr val="phClr">
-                <a:tint val="50000"/>
-                <a:satMod val="300000"/>
-              </a:schemeClr>
-            </a:gs>
-            <a:gs pos="35000">
-              <a:schemeClr val="phClr">
-                <a:tint val="37000"/>
-                <a:satMod val="300000"/>
-              </a:schemeClr>
-            </a:gs>
-            <a:gs pos="100000">
-              <a:schemeClr val="phClr">
-                <a:tint val="15000"/>
-                <a:satMod val="350000"/>
-              </a:schemeClr>
-            </a:gs>
-          </a:gsLst>
-          <a:lin ang="16200000" scaled="1"/>
-        </a:gradFill>
-        <a:gradFill rotWithShape="1">
-          <a:gsLst>
-            <a:gs pos="0">
-              <a:schemeClr val="phClr">
-                <a:tint val="100000"/>
-                <a:shade val="100000"/>
-                <a:satMod val="130000"/>
-              </a:schemeClr>
-            </a:gs>
-            <a:gs pos="100000">
-              <a:schemeClr val="phClr">
-                <a:tint val="50000"/>
-                <a:shade val="100000"/>
-                <a:satMod val="350000"/>
-              </a:schemeClr>
-            </a:gs>
-          </a:gsLst>
-          <a:lin ang="16200000" scaled="0"/>
-        </a:gradFill>
-      </a:fillStyleLst>
-      <a:lnStyleLst>
-        <a:ln w="9525" cap="flat" cmpd="sng" algn="ctr">
-          <a:solidFill>
-            <a:schemeClr val="phClr">
-              <a:shade val="95000"/>
-              <a:satMod val="105000"/>
-            </a:schemeClr>
-          </a:solidFill>
-          <a:prstDash val="solid"/>
-        </a:ln>
-        <a:ln w="25400" cap="flat" cmpd="sng" algn="ctr">
-          <a:solidFill>
-            <a:schemeClr val="phClr"/>
-          </a:solidFill>
-          <a:prstDash val="solid"/>
-        </a:ln>
-        <a:ln w="38100" cap="flat" cmpd="sng" algn="ctr">
-          <a:solidFill>
-            <a:schemeClr val="phClr"/>
-          </a:solidFill>
-          <a:prstDash val="solid"/>
-        </a:ln>
-      </a:lnStyleLst>
-      <a:effectStyleLst>
-        <a:effectStyle>
-          <a:effectLst>
-            <a:outerShdw blurRad="40000" dist="20000" dir="5400000" rotWithShape="0">
-              <a:srgbClr val="000000">
-                <a:alpha val="38000"/>
-              </a:srgbClr>
-            </a:outerShdw>
-          </a:effectLst>
-        </a:effectStyle>
-        <a:effectStyle>
-          <a:effectLst>
-            <a:outerShdw blurRad="40000" dist="23000" dir="5400000" rotWithShape="0">
-              <a:srgbClr val="000000">
-                <a:alpha val="35000"/>
-              </a:srgbClr>
-            </a:outerShdw>
-          </a:effectLst>
-        </a:effectStyle>
-        <a:effectStyle>
-          <a:effectLst>
-            <a:outerShdw blurRad="40000" dist="23000" dir="5400000" rotWithShape="0">
-              <a:srgbClr val="000000">
-                <a:alpha val="35000"/>
-              </a:srgbClr>
-            </a:outerShdw>
-          </a:effectLst>
-          <a:scene3d>
-            <a:camera prst="orthographicFront">
-              <a:rot lat="0" lon="0" rev="0"/>
-            </a:camera>
-            <a:lightRig rig="threePt" dir="t">
-              <a:rot lat="0" lon="0" rev="1200000"/>
-            </a:lightRig>
-          </a:scene3d>
-          <a:sp3d>
-            <a:bevelT w="63500" h="25400"/>
-          </a:sp3d>
-        </a:effectStyle>
-      </a:effectStyleLst>
-      <a:bgFillStyleLst>
-        <a:solidFill>
-          <a:schemeClr val="phClr"/>
-        </a:solidFill>
-        <a:gradFill rotWithShape="1">
-          <a:gsLst>
-            <a:gs pos="0">
-              <a:schemeClr val="phClr">
-                <a:tint val="40000"/>
-                <a:satMod val="350000"/>
-              </a:schemeClr>
-            </a:gs>
-            <a:gs pos="40000">
-              <a:schemeClr val="phClr">
-                <a:tint val="45000"/>
-                <a:shade val="99000"/>
-                <a:satMod val="350000"/>
-              </a:schemeClr>
-            </a:gs>
-            <a:gs pos="100000">
-              <a:schemeClr val="phClr">
-                <a:shade val="20000"/>
-                <a:satMod val="255000"/>
-              </a:schemeClr>
-            </a:gs>
-          </a:gsLst>
-          <a:path path="circle">
-            <a:fillToRect l="50000" t="-80000" r="50000" b="180000"/>
-          </a:path>
-        </a:gradFill>
-        <a:gradFill rotWithShape="1">
-          <a:gsLst>
-            <a:gs pos="0">
-              <a:schemeClr val="phClr">
-                <a:tint val="80000"/>
-                <a:satMod val="300000"/>
-              </a:schemeClr>
-            </a:gs>
-            <a:gs pos="100000">
-              <a:schemeClr val="phClr">
-                <a:shade val="30000"/>
-                <a:satMod val="200000"/>
-              </a:schemeClr>
-            </a:gs>
-          </a:gsLst>
-          <a:path path="circle">
-            <a:fillToRect l="50000" t="50000" r="50000" b="50000"/>
-          </a:path>
-        </a:gradFill>
-      </a:bgFillStyleLst>
-    </a:fmtScheme>
-  </a:themeElements>
-</a:theme>
 </file>